--- a/ASP.NET MVC/05. ASP.NET MVC Working with Data/ASP.NET-MVC-Working-with-Data.pptx
+++ b/ASP.NET MVC/05. ASP.NET MVC Working with Data/ASP.NET-MVC-Working-with-Data.pptx
@@ -268,7 +268,7 @@
       </p14:sectionLst>
     </p:ext>
     <p:ext uri="{EFAFB233-063F-42B5-8137-9DF3F51BA10A}">
-      <p15:sldGuideLst xmlns="" xmlns:p15="http://schemas.microsoft.com/office/powerpoint/2012/main">
+      <p15:sldGuideLst xmlns:p15="http://schemas.microsoft.com/office/powerpoint/2012/main">
         <p15:guide id="1" orient="horz" pos="2160">
           <p15:clr>
             <a:srgbClr val="A4A3A4"/>
@@ -282,7 +282,7 @@
       </p15:sldGuideLst>
     </p:ext>
     <p:ext uri="{2D200454-40CA-4A62-9FC3-DE9A4176ACB9}">
-      <p15:notesGuideLst xmlns="" xmlns:p15="http://schemas.microsoft.com/office/powerpoint/2012/main">
+      <p15:notesGuideLst xmlns:p15="http://schemas.microsoft.com/office/powerpoint/2012/main">
         <p15:guide id="1" orient="horz" pos="2928">
           <p15:clr>
             <a:srgbClr val="A4A3A4"/>
@@ -414,7 +414,7 @@
             <a:fld id="{3BF7C7B5-275F-4D1F-9AB4-9255447DBC73}" type="datetimeFigureOut">
               <a:rPr lang="en-US"/>
               <a:pPr/>
-              <a:t>11/5/2014</a:t>
+              <a:t>3/9/2021</a:t>
             </a:fld>
             <a:endParaRPr lang="en-US" dirty="0"/>
           </a:p>
@@ -645,7 +645,7 @@
             <a:fld id="{9B46F231-FB2B-4655-A644-E2477325E686}" type="datetimeFigureOut">
               <a:rPr lang="en-US"/>
               <a:pPr/>
-              <a:t>11/5/2014</a:t>
+              <a:t>3/9/2021</a:t>
             </a:fld>
             <a:endParaRPr lang="en-US" dirty="0"/>
           </a:p>
@@ -721,38 +721,37 @@
           <a:p>
             <a:pPr lvl="0"/>
             <a:r>
-              <a:rPr lang="en-US" noProof="0" smtClean="0"/>
+              <a:rPr lang="en-US" noProof="0"/>
               <a:t>Click to edit Master text styles</a:t>
             </a:r>
           </a:p>
           <a:p>
             <a:pPr lvl="1"/>
             <a:r>
-              <a:rPr lang="en-US" noProof="0" smtClean="0"/>
+              <a:rPr lang="en-US" noProof="0"/>
               <a:t>Second level</a:t>
             </a:r>
           </a:p>
           <a:p>
             <a:pPr lvl="2"/>
             <a:r>
-              <a:rPr lang="en-US" noProof="0" smtClean="0"/>
+              <a:rPr lang="en-US" noProof="0"/>
               <a:t>Third level</a:t>
             </a:r>
           </a:p>
           <a:p>
             <a:pPr lvl="3"/>
             <a:r>
-              <a:rPr lang="en-US" noProof="0" smtClean="0"/>
+              <a:rPr lang="en-US" noProof="0"/>
               <a:t>Fourth level</a:t>
             </a:r>
           </a:p>
           <a:p>
             <a:pPr lvl="4"/>
             <a:r>
-              <a:rPr lang="en-US" noProof="0" smtClean="0"/>
+              <a:rPr lang="en-US" noProof="0"/>
               <a:t>Fifth level</a:t>
             </a:r>
-            <a:endParaRPr lang="en-US" noProof="0"/>
           </a:p>
         </p:txBody>
       </p:sp>
@@ -1975,10 +1974,9 @@
           </a:lstStyle>
           <a:p>
             <a:r>
-              <a:rPr lang="en-US" dirty="0" smtClean="0"/>
+              <a:rPr lang="en-US" dirty="0"/>
               <a:t>Presentation Title</a:t>
             </a:r>
-            <a:endParaRPr lang="en-US" dirty="0"/>
           </a:p>
         </p:txBody>
       </p:sp>
@@ -2039,10 +2037,9 @@
           </a:lstStyle>
           <a:p>
             <a:r>
-              <a:rPr lang="en-US" dirty="0" smtClean="0"/>
+              <a:rPr lang="en-US" dirty="0"/>
               <a:t>Presentation Subtitle</a:t>
             </a:r>
-            <a:endParaRPr lang="en-US" dirty="0"/>
           </a:p>
         </p:txBody>
       </p:sp>
@@ -2145,10 +2142,9 @@
           <a:p>
             <a:pPr lvl="0"/>
             <a:r>
-              <a:rPr lang="en-US" dirty="0" smtClean="0"/>
+              <a:rPr lang="en-US" dirty="0"/>
               <a:t>Author Name</a:t>
             </a:r>
-            <a:endParaRPr lang="en-US" dirty="0"/>
           </a:p>
         </p:txBody>
       </p:sp>
@@ -2224,7 +2220,7 @@
               <a:buNone/>
             </a:pPr>
             <a:r>
-              <a:rPr lang="en-US" sz="1800" b="1" dirty="0" smtClean="0">
+              <a:rPr lang="en-US" sz="1800" b="1" dirty="0">
                 <a:solidFill>
                   <a:srgbClr val="0EFE58"/>
                 </a:solidFill>
@@ -2238,18 +2234,6 @@
               </a:rPr>
               <a:t>Company Name</a:t>
             </a:r>
-            <a:endParaRPr lang="en-US" sz="1800" b="1" dirty="0">
-              <a:solidFill>
-                <a:srgbClr val="0EFE58"/>
-              </a:solidFill>
-              <a:effectLst>
-                <a:outerShdw blurRad="38100" dist="38100" dir="2700000" algn="tl">
-                  <a:srgbClr val="000000">
-                    <a:alpha val="43137"/>
-                  </a:srgbClr>
-                </a:outerShdw>
-              </a:effectLst>
-            </a:endParaRPr>
           </a:p>
         </p:txBody>
       </p:sp>
@@ -2306,7 +2290,7 @@
           <a:p>
             <a:pPr algn="l"/>
             <a:r>
-              <a:rPr lang="en-US" sz="1600" b="1" dirty="0" smtClean="0">
+              <a:rPr lang="en-US" sz="1600" b="1" dirty="0">
                 <a:solidFill>
                   <a:schemeClr val="tx1">
                     <a:lumMod val="50000"/>
@@ -2322,20 +2306,6 @@
               </a:rPr>
               <a:t>Company Web Site</a:t>
             </a:r>
-            <a:endParaRPr lang="en-US" sz="1600" b="1" dirty="0">
-              <a:solidFill>
-                <a:schemeClr val="tx1">
-                  <a:lumMod val="50000"/>
-                </a:schemeClr>
-              </a:solidFill>
-              <a:effectLst>
-                <a:outerShdw blurRad="38100" dist="38100" dir="2700000" algn="tl">
-                  <a:srgbClr val="000000">
-                    <a:alpha val="43137"/>
-                  </a:srgbClr>
-                </a:outerShdw>
-              </a:effectLst>
-            </a:endParaRPr>
           </a:p>
         </p:txBody>
       </p:sp>
@@ -2394,10 +2364,9 @@
           <a:p>
             <a:pPr lvl="0"/>
             <a:r>
-              <a:rPr lang="en-US" dirty="0" smtClean="0"/>
+              <a:rPr lang="en-US" dirty="0"/>
               <a:t>Position</a:t>
             </a:r>
-            <a:endParaRPr lang="en-US" dirty="0"/>
           </a:p>
         </p:txBody>
       </p:sp>
@@ -2456,7 +2425,7 @@
           <a:p>
             <a:pPr lvl="0"/>
             <a:r>
-              <a:rPr lang="en-US" smtClean="0"/>
+              <a:rPr lang="en-US"/>
               <a:t>Web Site</a:t>
             </a:r>
             <a:endParaRPr lang="en-US" dirty="0"/>
@@ -2492,10 +2461,9 @@
           </a:lstStyle>
           <a:p>
             <a:r>
-              <a:rPr lang="en-US" dirty="0" smtClean="0"/>
+              <a:rPr lang="en-US" dirty="0"/>
               <a:t>Insert a Picture Here</a:t>
             </a:r>
-            <a:endParaRPr lang="en-US" dirty="0"/>
           </a:p>
         </p:txBody>
       </p:sp>
@@ -2504,13 +2472,6 @@
   <p:clrMapOvr>
     <a:masterClrMapping/>
   </p:clrMapOvr>
-  <p:timing>
-    <p:tnLst>
-      <p:par>
-        <p:cTn id="1" dur="indefinite" restart="never" nodeType="tmRoot"/>
-      </p:par>
-    </p:tnLst>
-  </p:timing>
 </p:sldLayout>
 </file>
 
@@ -2588,10 +2549,9 @@
           </a:lstStyle>
           <a:p>
             <a:r>
-              <a:rPr lang="en-US" dirty="0" smtClean="0"/>
+              <a:rPr lang="en-US" dirty="0"/>
               <a:t>Slide Title</a:t>
             </a:r>
-            <a:endParaRPr lang="en-US" dirty="0"/>
           </a:p>
         </p:txBody>
       </p:sp>
@@ -2728,38 +2688,37 @@
           <a:p>
             <a:pPr lvl="0"/>
             <a:r>
-              <a:rPr lang="en-US" dirty="0" smtClean="0"/>
+              <a:rPr lang="en-US" dirty="0"/>
               <a:t>First Level</a:t>
             </a:r>
           </a:p>
           <a:p>
             <a:pPr lvl="1"/>
             <a:r>
-              <a:rPr lang="en-US" dirty="0" smtClean="0"/>
+              <a:rPr lang="en-US" dirty="0"/>
               <a:t>Second level</a:t>
             </a:r>
           </a:p>
           <a:p>
             <a:pPr lvl="2"/>
             <a:r>
-              <a:rPr lang="en-US" dirty="0" smtClean="0"/>
+              <a:rPr lang="en-US" dirty="0"/>
               <a:t>Third level</a:t>
             </a:r>
           </a:p>
           <a:p>
             <a:pPr lvl="3"/>
             <a:r>
-              <a:rPr lang="en-US" dirty="0" smtClean="0"/>
+              <a:rPr lang="en-US" dirty="0"/>
               <a:t>Fourth level</a:t>
             </a:r>
           </a:p>
           <a:p>
             <a:pPr lvl="4"/>
             <a:r>
-              <a:rPr lang="en-US" dirty="0" smtClean="0"/>
+              <a:rPr lang="en-US" dirty="0"/>
               <a:t>Fifth level</a:t>
             </a:r>
-            <a:endParaRPr lang="en-US" dirty="0"/>
           </a:p>
         </p:txBody>
       </p:sp>
@@ -2809,13 +2768,6 @@
   <p:clrMapOvr>
     <a:masterClrMapping/>
   </p:clrMapOvr>
-  <p:timing>
-    <p:tnLst>
-      <p:par>
-        <p:cTn id="1" dur="indefinite" restart="never" nodeType="tmRoot"/>
-      </p:par>
-    </p:tnLst>
-  </p:timing>
 </p:sldLayout>
 </file>
 
@@ -2878,10 +2830,9 @@
           </a:lstStyle>
           <a:p>
             <a:r>
-              <a:rPr lang="en-US" dirty="0" smtClean="0"/>
+              <a:rPr lang="en-US" dirty="0"/>
               <a:t>Slide Title</a:t>
             </a:r>
-            <a:endParaRPr lang="en-US" dirty="0"/>
           </a:p>
         </p:txBody>
       </p:sp>
@@ -3048,7 +2999,7 @@
               <a:defRPr/>
             </a:pPr>
             <a:r>
-              <a:rPr kumimoji="0" lang="en-US" sz="3200" b="1" i="0" u="none" strike="noStrike" kern="1200" cap="none" spc="0" normalizeH="0" baseline="0" noProof="0" dirty="0" smtClean="0">
+              <a:rPr kumimoji="0" lang="en-US" sz="3200" b="1" i="0" u="none" strike="noStrike" kern="1200" cap="none" spc="0" normalizeH="0" baseline="0" noProof="0" dirty="0">
                 <a:ln>
                   <a:noFill/>
                 </a:ln>
@@ -3132,65 +3083,65 @@
           <a:p>
             <a:pPr lvl="0"/>
             <a:r>
-              <a:rPr lang="en-US" noProof="1" smtClean="0"/>
+              <a:rPr lang="en-US" noProof="1"/>
               <a:t>Enter source code here</a:t>
             </a:r>
           </a:p>
           <a:p>
             <a:pPr lvl="0"/>
-            <a:endParaRPr lang="en-US" noProof="1" smtClean="0"/>
+            <a:endParaRPr lang="en-US" noProof="1"/>
           </a:p>
           <a:p>
             <a:pPr lvl="0"/>
-            <a:endParaRPr lang="en-US" noProof="1" smtClean="0"/>
+            <a:endParaRPr lang="en-US" noProof="1"/>
           </a:p>
           <a:p>
             <a:pPr lvl="0"/>
-            <a:endParaRPr lang="en-US" noProof="1" smtClean="0"/>
+            <a:endParaRPr lang="en-US" noProof="1"/>
           </a:p>
           <a:p>
             <a:pPr lvl="0"/>
-            <a:endParaRPr lang="en-US" noProof="1" smtClean="0"/>
+            <a:endParaRPr lang="en-US" noProof="1"/>
           </a:p>
           <a:p>
             <a:pPr lvl="0"/>
-            <a:endParaRPr lang="en-US" noProof="1" smtClean="0"/>
+            <a:endParaRPr lang="en-US" noProof="1"/>
           </a:p>
           <a:p>
             <a:pPr lvl="0"/>
-            <a:endParaRPr lang="en-US" noProof="1" smtClean="0"/>
+            <a:endParaRPr lang="en-US" noProof="1"/>
           </a:p>
           <a:p>
             <a:pPr lvl="0"/>
-            <a:endParaRPr lang="en-US" noProof="1" smtClean="0"/>
+            <a:endParaRPr lang="en-US" noProof="1"/>
           </a:p>
           <a:p>
             <a:pPr lvl="0"/>
-            <a:endParaRPr lang="en-US" noProof="1" smtClean="0"/>
+            <a:endParaRPr lang="en-US" noProof="1"/>
           </a:p>
           <a:p>
             <a:pPr lvl="0"/>
-            <a:endParaRPr lang="en-US" noProof="1" smtClean="0"/>
+            <a:endParaRPr lang="en-US" noProof="1"/>
           </a:p>
           <a:p>
             <a:pPr lvl="0"/>
-            <a:endParaRPr lang="en-US" noProof="1" smtClean="0"/>
+            <a:endParaRPr lang="en-US" noProof="1"/>
           </a:p>
           <a:p>
             <a:pPr lvl="0"/>
-            <a:endParaRPr lang="en-US" noProof="1" smtClean="0"/>
+            <a:endParaRPr lang="en-US" noProof="1"/>
           </a:p>
           <a:p>
             <a:pPr lvl="0"/>
-            <a:endParaRPr lang="en-US" noProof="1" smtClean="0"/>
+            <a:endParaRPr lang="en-US" noProof="1"/>
           </a:p>
           <a:p>
             <a:pPr lvl="0"/>
-            <a:endParaRPr lang="en-US" noProof="1" smtClean="0"/>
+            <a:endParaRPr lang="en-US" noProof="1"/>
           </a:p>
           <a:p>
             <a:pPr lvl="0"/>
-            <a:endParaRPr lang="en-US" noProof="1" smtClean="0"/>
+            <a:endParaRPr lang="en-US" noProof="1"/>
           </a:p>
         </p:txBody>
       </p:sp>
@@ -3307,10 +3258,9 @@
           </a:lstStyle>
           <a:p>
             <a:r>
-              <a:rPr lang="en-US" dirty="0" smtClean="0"/>
+              <a:rPr lang="en-US" dirty="0"/>
               <a:t>Section Title</a:t>
             </a:r>
-            <a:endParaRPr lang="en-US" dirty="0"/>
           </a:p>
         </p:txBody>
       </p:sp>
@@ -3395,10 +3345,9 @@
           </a:lstStyle>
           <a:p>
             <a:r>
-              <a:rPr lang="en-US" dirty="0" smtClean="0"/>
+              <a:rPr lang="en-US" dirty="0"/>
               <a:t>Section Subtitle</a:t>
             </a:r>
-            <a:endParaRPr lang="en-US" dirty="0"/>
           </a:p>
         </p:txBody>
       </p:sp>
@@ -3407,13 +3356,6 @@
   <p:clrMapOvr>
     <a:masterClrMapping/>
   </p:clrMapOvr>
-  <p:timing>
-    <p:tnLst>
-      <p:par>
-        <p:cTn id="1" dur="indefinite" restart="never" nodeType="tmRoot"/>
-      </p:par>
-    </p:tnLst>
-  </p:timing>
 </p:sldLayout>
 </file>
 
@@ -3482,7 +3424,7 @@
             <a:p>
               <a:pPr lvl="0"/>
               <a:r>
-                <a:rPr lang="bg-BG" sz="200" noProof="1" smtClean="0">
+                <a:rPr lang="bg-BG" sz="200" noProof="1">
                   <a:ln w="0">
                     <a:noFill/>
                   </a:ln>
@@ -3493,15 +3435,6 @@
                 </a:rPr>
                 <a:t>форум програмиране, форум уеб дизайн</a:t>
               </a:r>
-              <a:endParaRPr lang="bg-BG" sz="200" noProof="1">
-                <a:ln w="0">
-                  <a:noFill/>
-                </a:ln>
-                <a:solidFill>
-                  <a:schemeClr val="bg1"/>
-                </a:solidFill>
-                <a:effectLst/>
-              </a:endParaRPr>
             </a:p>
           </p:txBody>
         </p:sp>
@@ -3535,7 +3468,7 @@
                 </a:lnSpc>
               </a:pPr>
               <a:r>
-                <a:rPr lang="bg-BG" sz="200" kern="1200" noProof="1" smtClean="0">
+                <a:rPr lang="bg-BG" sz="200" kern="1200" noProof="1">
                   <a:ln w="0">
                     <a:noFill/>
                   </a:ln>
@@ -3549,18 +3482,6 @@
                 </a:rPr>
                 <a:t>курсове и уроци по програмиране, уеб дизайн – безплатно</a:t>
               </a:r>
-              <a:endParaRPr lang="bg-BG" sz="200" kern="1200" noProof="1">
-                <a:ln w="0">
-                  <a:noFill/>
-                </a:ln>
-                <a:solidFill>
-                  <a:schemeClr val="bg1"/>
-                </a:solidFill>
-                <a:effectLst/>
-                <a:latin typeface="Corbel" pitchFamily="34" charset="0"/>
-                <a:ea typeface="+mn-ea"/>
-                <a:cs typeface="+mn-cs"/>
-              </a:endParaRPr>
             </a:p>
           </p:txBody>
         </p:sp>
@@ -3589,7 +3510,7 @@
             <a:lstStyle/>
             <a:p>
               <a:r>
-                <a:rPr lang="bg-BG" sz="200" kern="1200" noProof="1" smtClean="0">
+                <a:rPr lang="bg-BG" sz="200" kern="1200" noProof="1">
                   <a:ln w="0">
                     <a:noFill/>
                   </a:ln>
@@ -3603,18 +3524,6 @@
                 </a:rPr>
                 <a:t>програмиране за деца – безплатни курсове и уроци</a:t>
               </a:r>
-              <a:endParaRPr lang="bg-BG" sz="200" kern="1200" noProof="1">
-                <a:ln w="0">
-                  <a:noFill/>
-                </a:ln>
-                <a:solidFill>
-                  <a:schemeClr val="bg1"/>
-                </a:solidFill>
-                <a:effectLst/>
-                <a:latin typeface="Corbel" pitchFamily="34" charset="0"/>
-                <a:ea typeface="+mn-ea"/>
-                <a:cs typeface="+mn-cs"/>
-              </a:endParaRPr>
             </a:p>
           </p:txBody>
         </p:sp>
@@ -3651,7 +3560,7 @@
             <a:p>
               <a:pPr lvl="0" algn="l"/>
               <a:r>
-                <a:rPr lang="bg-BG" sz="200" noProof="1" smtClean="0">
+                <a:rPr lang="bg-BG" sz="200" noProof="1">
                   <a:ln w="0">
                     <a:noFill/>
                   </a:ln>
@@ -3662,15 +3571,6 @@
                 </a:rPr>
                 <a:t>безплатен SEO курс - оптимизация за търсачки</a:t>
               </a:r>
-              <a:endParaRPr lang="bg-BG" sz="200" noProof="1">
-                <a:ln w="0">
-                  <a:noFill/>
-                </a:ln>
-                <a:solidFill>
-                  <a:schemeClr val="bg1"/>
-                </a:solidFill>
-                <a:effectLst/>
-              </a:endParaRPr>
             </a:p>
           </p:txBody>
         </p:sp>
@@ -3707,7 +3607,7 @@
             <a:p>
               <a:pPr lvl="0"/>
               <a:r>
-                <a:rPr lang="bg-BG" sz="200" noProof="1" smtClean="0">
+                <a:rPr lang="bg-BG" sz="200" noProof="1">
                   <a:ln w="0">
                     <a:noFill/>
                   </a:ln>
@@ -3718,15 +3618,6 @@
                 </a:rPr>
                 <a:t>уроци по уеб дизайн, HTML, CSS, JavaScript, Photoshop</a:t>
               </a:r>
-              <a:endParaRPr lang="bg-BG" sz="200" noProof="1">
-                <a:ln w="0">
-                  <a:noFill/>
-                </a:ln>
-                <a:solidFill>
-                  <a:schemeClr val="bg1"/>
-                </a:solidFill>
-                <a:effectLst/>
-              </a:endParaRPr>
             </a:p>
           </p:txBody>
         </p:sp>
@@ -3756,7 +3647,7 @@
             <a:p>
               <a:pPr algn="l"/>
               <a:r>
-                <a:rPr lang="bg-BG" sz="200" kern="1200" noProof="1" smtClean="0">
+                <a:rPr lang="bg-BG" sz="200" kern="1200" noProof="1">
                   <a:ln w="0">
                     <a:noFill/>
                   </a:ln>
@@ -3770,18 +3661,6 @@
                 </a:rPr>
                 <a:t>уроци по програмиране и уеб дизайн за ученици</a:t>
               </a:r>
-              <a:endParaRPr lang="bg-BG" sz="200" kern="1200" noProof="1">
-                <a:ln w="0">
-                  <a:noFill/>
-                </a:ln>
-                <a:solidFill>
-                  <a:schemeClr val="bg1"/>
-                </a:solidFill>
-                <a:effectLst/>
-                <a:latin typeface="Corbel" pitchFamily="34" charset="0"/>
-                <a:ea typeface="+mn-ea"/>
-                <a:cs typeface="+mn-cs"/>
-              </a:endParaRPr>
             </a:p>
           </p:txBody>
         </p:sp>
@@ -3818,7 +3697,7 @@
             <a:p>
               <a:pPr lvl="0"/>
               <a:r>
-                <a:rPr lang="bg-BG" sz="200" noProof="1" smtClean="0">
+                <a:rPr lang="bg-BG" sz="200" noProof="1">
                   <a:ln w="0">
                     <a:noFill/>
                   </a:ln>
@@ -3829,15 +3708,6 @@
                 </a:rPr>
                 <a:t>ASP.NET MVC курс – HTML, SQL, C#, .NET, ASP.NET MVC</a:t>
               </a:r>
-              <a:endParaRPr lang="bg-BG" sz="200" noProof="1">
-                <a:ln w="0">
-                  <a:noFill/>
-                </a:ln>
-                <a:solidFill>
-                  <a:schemeClr val="bg1"/>
-                </a:solidFill>
-                <a:effectLst/>
-              </a:endParaRPr>
             </a:p>
           </p:txBody>
         </p:sp>
@@ -3866,7 +3736,7 @@
             <a:lstStyle/>
             <a:p>
               <a:r>
-                <a:rPr lang="bg-BG" sz="200" kern="1200" noProof="1" smtClean="0">
+                <a:rPr lang="bg-BG" sz="200" kern="1200" noProof="1">
                   <a:ln w="0">
                     <a:noFill/>
                   </a:ln>
@@ -3880,18 +3750,6 @@
                 </a:rPr>
                 <a:t>безплатен курс "Разработка на софтуер в cloud среда"</a:t>
               </a:r>
-              <a:endParaRPr lang="bg-BG" sz="200" kern="1200" noProof="1">
-                <a:ln w="0">
-                  <a:noFill/>
-                </a:ln>
-                <a:solidFill>
-                  <a:schemeClr val="bg1"/>
-                </a:solidFill>
-                <a:effectLst/>
-                <a:latin typeface="Corbel" pitchFamily="34" charset="0"/>
-                <a:ea typeface="+mn-ea"/>
-                <a:cs typeface="+mn-cs"/>
-              </a:endParaRPr>
             </a:p>
           </p:txBody>
         </p:sp>
@@ -3928,7 +3786,7 @@
             <a:p>
               <a:pPr lvl="0"/>
               <a:r>
-                <a:rPr lang="bg-BG" sz="200" noProof="1" smtClean="0">
+                <a:rPr lang="bg-BG" sz="200" noProof="1">
                   <a:ln w="0">
                     <a:noFill/>
                   </a:ln>
@@ -3939,15 +3797,6 @@
                 </a:rPr>
                 <a:t>BG Coder - онлайн състезателна система - online judge</a:t>
               </a:r>
-              <a:endParaRPr lang="bg-BG" sz="200" noProof="1">
-                <a:ln w="0">
-                  <a:noFill/>
-                </a:ln>
-                <a:solidFill>
-                  <a:schemeClr val="bg1"/>
-                </a:solidFill>
-                <a:effectLst/>
-              </a:endParaRPr>
             </a:p>
           </p:txBody>
         </p:sp>
@@ -3984,7 +3833,7 @@
             <a:p>
               <a:pPr lvl="0"/>
               <a:r>
-                <a:rPr lang="bg-BG" sz="200" noProof="1" smtClean="0">
+                <a:rPr lang="bg-BG" sz="200" noProof="1">
                   <a:ln w="0">
                     <a:noFill/>
                   </a:ln>
@@ -3995,15 +3844,6 @@
                 </a:rPr>
                 <a:t>курсове и уроци по програмиране, книги – безплатно от Наков</a:t>
               </a:r>
-              <a:endParaRPr lang="bg-BG" sz="200" noProof="1">
-                <a:ln w="0">
-                  <a:noFill/>
-                </a:ln>
-                <a:solidFill>
-                  <a:schemeClr val="bg1"/>
-                </a:solidFill>
-                <a:effectLst/>
-              </a:endParaRPr>
             </a:p>
           </p:txBody>
         </p:sp>
@@ -4032,7 +3872,7 @@
             <a:lstStyle/>
             <a:p>
               <a:r>
-                <a:rPr lang="bg-BG" sz="200" kern="1200" noProof="1" smtClean="0">
+                <a:rPr lang="bg-BG" sz="200" kern="1200" noProof="1">
                   <a:ln w="0">
                     <a:noFill/>
                   </a:ln>
@@ -4046,18 +3886,6 @@
                 </a:rPr>
                 <a:t>безплатен курс "Качествен програмен код"</a:t>
               </a:r>
-              <a:endParaRPr lang="bg-BG" sz="200" kern="1200" noProof="1">
-                <a:ln w="0">
-                  <a:noFill/>
-                </a:ln>
-                <a:solidFill>
-                  <a:schemeClr val="bg1"/>
-                </a:solidFill>
-                <a:effectLst/>
-                <a:latin typeface="Corbel" pitchFamily="34" charset="0"/>
-                <a:ea typeface="+mn-ea"/>
-                <a:cs typeface="+mn-cs"/>
-              </a:endParaRPr>
             </a:p>
           </p:txBody>
         </p:sp>
@@ -4094,7 +3922,7 @@
             <a:p>
               <a:pPr lvl="0"/>
               <a:r>
-                <a:rPr lang="bg-BG" sz="200" noProof="1" smtClean="0">
+                <a:rPr lang="bg-BG" sz="200" noProof="1">
                   <a:ln w="0">
                     <a:noFill/>
                   </a:ln>
@@ -4105,15 +3933,6 @@
                 </a:rPr>
                 <a:t>алго академия – състезателно програмиране, състезания</a:t>
               </a:r>
-              <a:endParaRPr lang="bg-BG" sz="200" noProof="1">
-                <a:ln w="0">
-                  <a:noFill/>
-                </a:ln>
-                <a:solidFill>
-                  <a:schemeClr val="bg1"/>
-                </a:solidFill>
-                <a:effectLst/>
-              </a:endParaRPr>
             </a:p>
           </p:txBody>
         </p:sp>
@@ -4150,7 +3969,7 @@
             <a:p>
               <a:pPr lvl="0"/>
               <a:r>
-                <a:rPr lang="bg-BG" sz="200" noProof="1" smtClean="0">
+                <a:rPr lang="bg-BG" sz="200" noProof="1">
                   <a:ln w="0">
                     <a:noFill/>
                   </a:ln>
@@ -4161,15 +3980,6 @@
                 </a:rPr>
                 <a:t>ASP.NET курс - уеб програмиране, бази данни, C#, .NET, ASP.NET</a:t>
               </a:r>
-              <a:endParaRPr lang="bg-BG" sz="200" noProof="1">
-                <a:ln w="0">
-                  <a:noFill/>
-                </a:ln>
-                <a:solidFill>
-                  <a:schemeClr val="bg1"/>
-                </a:solidFill>
-                <a:effectLst/>
-              </a:endParaRPr>
             </a:p>
           </p:txBody>
         </p:sp>
@@ -4206,7 +4016,7 @@
             <a:p>
               <a:pPr lvl="0" algn="l"/>
               <a:r>
-                <a:rPr lang="bg-BG" sz="200" noProof="1" smtClean="0">
+                <a:rPr lang="bg-BG" sz="200" noProof="1">
                   <a:ln w="0">
                     <a:noFill/>
                   </a:ln>
@@ -4218,7 +4028,7 @@
                 <a:t>курсове и уроци по </a:t>
               </a:r>
               <a:r>
-                <a:rPr lang="bg-BG" sz="200" kern="1200" noProof="1" smtClean="0">
+                <a:rPr lang="bg-BG" sz="200" kern="1200" noProof="1">
                   <a:ln w="0">
                     <a:noFill/>
                   </a:ln>
@@ -4232,18 +4042,6 @@
                 </a:rPr>
                 <a:t>програмиране – Телерик академия</a:t>
               </a:r>
-              <a:endParaRPr lang="bg-BG" sz="200" kern="1200" noProof="1">
-                <a:ln w="0">
-                  <a:noFill/>
-                </a:ln>
-                <a:solidFill>
-                  <a:schemeClr val="bg1"/>
-                </a:solidFill>
-                <a:effectLst/>
-                <a:latin typeface="Corbel" pitchFamily="34" charset="0"/>
-                <a:ea typeface="+mn-ea"/>
-                <a:cs typeface="+mn-cs"/>
-              </a:endParaRPr>
             </a:p>
           </p:txBody>
         </p:sp>
@@ -4280,7 +4078,7 @@
             <a:p>
               <a:pPr lvl="0"/>
               <a:r>
-                <a:rPr lang="bg-BG" sz="200" noProof="1" smtClean="0">
+                <a:rPr lang="bg-BG" sz="200" noProof="1">
                   <a:ln w="0">
                     <a:noFill/>
                   </a:ln>
@@ -4291,15 +4089,6 @@
                 </a:rPr>
                 <a:t>курс мобилни приложения с iPhone, Android, WP7, PhoneGap</a:t>
               </a:r>
-              <a:endParaRPr lang="bg-BG" sz="200" noProof="1">
-                <a:ln w="0">
-                  <a:noFill/>
-                </a:ln>
-                <a:solidFill>
-                  <a:schemeClr val="bg1"/>
-                </a:solidFill>
-                <a:effectLst/>
-              </a:endParaRPr>
             </a:p>
           </p:txBody>
         </p:sp>
@@ -4328,7 +4117,7 @@
             <a:lstStyle/>
             <a:p>
               <a:r>
-                <a:rPr lang="bg-BG" sz="200" kern="1200" noProof="1" smtClean="0">
+                <a:rPr lang="bg-BG" sz="200" kern="1200" noProof="1">
                   <a:ln w="0">
                     <a:noFill/>
                   </a:ln>
@@ -4342,18 +4131,6 @@
                 </a:rPr>
                 <a:t>free C# book, безплатна книга C#, книга Java, книга C#</a:t>
               </a:r>
-              <a:endParaRPr lang="bg-BG" sz="200" kern="1200" noProof="1">
-                <a:ln w="0">
-                  <a:noFill/>
-                </a:ln>
-                <a:solidFill>
-                  <a:schemeClr val="bg1"/>
-                </a:solidFill>
-                <a:effectLst/>
-                <a:latin typeface="Corbel" pitchFamily="34" charset="0"/>
-                <a:ea typeface="+mn-ea"/>
-                <a:cs typeface="+mn-cs"/>
-              </a:endParaRPr>
             </a:p>
           </p:txBody>
         </p:sp>
@@ -4397,7 +4174,7 @@
             <a:p>
               <a:pPr lvl="0"/>
               <a:r>
-                <a:rPr lang="bg-BG" sz="200" noProof="1" smtClean="0">
+                <a:rPr lang="bg-BG" sz="200" noProof="1">
                   <a:ln w="0">
                     <a:noFill/>
                   </a:ln>
@@ -4407,14 +4184,6 @@
                 </a:rPr>
                 <a:t>Дончо Минков - сайт за програмиране</a:t>
               </a:r>
-              <a:endParaRPr lang="bg-BG" sz="200" noProof="1">
-                <a:ln w="0">
-                  <a:noFill/>
-                </a:ln>
-                <a:solidFill>
-                  <a:schemeClr val="bg1"/>
-                </a:solidFill>
-              </a:endParaRPr>
             </a:p>
           </p:txBody>
         </p:sp>
@@ -4444,7 +4213,7 @@
             <a:p>
               <a:pPr algn="l"/>
               <a:r>
-                <a:rPr lang="bg-BG" sz="200" kern="1200" noProof="1" smtClean="0">
+                <a:rPr lang="bg-BG" sz="200" kern="1200" noProof="1">
                   <a:ln w="0">
                     <a:noFill/>
                   </a:ln>
@@ -4458,18 +4227,6 @@
                 </a:rPr>
                 <a:t>Николай Костов - блог за програмиране</a:t>
               </a:r>
-              <a:endParaRPr lang="bg-BG" sz="200" kern="1200" noProof="1">
-                <a:ln w="0">
-                  <a:noFill/>
-                </a:ln>
-                <a:solidFill>
-                  <a:schemeClr val="bg1"/>
-                </a:solidFill>
-                <a:effectLst/>
-                <a:latin typeface="Corbel" pitchFamily="34" charset="0"/>
-                <a:ea typeface="+mn-ea"/>
-                <a:cs typeface="+mn-cs"/>
-              </a:endParaRPr>
             </a:p>
           </p:txBody>
         </p:sp>
@@ -4513,7 +4270,7 @@
             <a:p>
               <a:pPr lvl="0"/>
               <a:r>
-                <a:rPr lang="bg-BG" sz="200" noProof="1" smtClean="0">
+                <a:rPr lang="bg-BG" sz="200" noProof="1">
                   <a:ln w="0">
                     <a:noFill/>
                   </a:ln>
@@ -4523,14 +4280,6 @@
                 </a:rPr>
                 <a:t>C# курс, програмиране, безплатно</a:t>
               </a:r>
-              <a:endParaRPr lang="bg-BG" sz="200" noProof="1">
-                <a:ln w="0">
-                  <a:noFill/>
-                </a:ln>
-                <a:solidFill>
-                  <a:schemeClr val="bg1"/>
-                </a:solidFill>
-              </a:endParaRPr>
             </a:p>
           </p:txBody>
         </p:sp>
@@ -4592,10 +4341,9 @@
           </a:lstStyle>
           <a:p>
             <a:r>
-              <a:rPr lang="en-US" dirty="0" smtClean="0"/>
+              <a:rPr lang="en-US" dirty="0"/>
               <a:t>Presentation Title</a:t>
             </a:r>
-            <a:endParaRPr lang="en-US" dirty="0"/>
           </a:p>
         </p:txBody>
       </p:sp>
@@ -4631,7 +4379,7 @@
           <a:lstStyle/>
           <a:p>
             <a:r>
-              <a:rPr lang="en-US" sz="9600" b="1" dirty="0" smtClean="0">
+              <a:rPr lang="en-US" sz="9600" b="1" dirty="0">
                 <a:solidFill>
                   <a:schemeClr val="tx1">
                     <a:lumMod val="75000"/>
@@ -4643,16 +4391,6 @@
               </a:rPr>
               <a:t>?</a:t>
             </a:r>
-            <a:endParaRPr lang="en-US" sz="9600" b="1" dirty="0">
-              <a:solidFill>
-                <a:schemeClr val="tx1">
-                  <a:lumMod val="75000"/>
-                </a:schemeClr>
-              </a:solidFill>
-              <a:effectLst>
-                <a:reflection blurRad="6350" stA="55000" endA="300" endPos="45500" dir="5400000" sy="-100000" algn="bl" rotWithShape="0"/>
-              </a:effectLst>
-            </a:endParaRPr>
           </a:p>
         </p:txBody>
       </p:sp>
@@ -4688,7 +4426,7 @@
           <a:lstStyle/>
           <a:p>
             <a:r>
-              <a:rPr lang="en-US" sz="8800" dirty="0" smtClean="0">
+              <a:rPr lang="en-US" sz="8800" dirty="0">
                 <a:solidFill>
                   <a:schemeClr val="accent5">
                     <a:lumMod val="60000"/>
@@ -4701,17 +4439,6 @@
               </a:rPr>
               <a:t>?</a:t>
             </a:r>
-            <a:endParaRPr lang="en-US" sz="8800" dirty="0">
-              <a:solidFill>
-                <a:schemeClr val="accent5">
-                  <a:lumMod val="60000"/>
-                  <a:lumOff val="40000"/>
-                </a:schemeClr>
-              </a:solidFill>
-              <a:effectLst>
-                <a:reflection blurRad="6350" stA="55000" endA="300" endPos="45500" dir="5400000" sy="-100000" algn="bl" rotWithShape="0"/>
-              </a:effectLst>
-            </a:endParaRPr>
           </a:p>
         </p:txBody>
       </p:sp>
@@ -4747,7 +4474,7 @@
           <a:lstStyle/>
           <a:p>
             <a:r>
-              <a:rPr lang="en-US" sz="11500" b="1" dirty="0" smtClean="0">
+              <a:rPr lang="en-US" sz="11500" b="1" dirty="0">
                 <a:solidFill>
                   <a:srgbClr val="FF831D"/>
                 </a:solidFill>
@@ -4757,14 +4484,6 @@
               </a:rPr>
               <a:t>?</a:t>
             </a:r>
-            <a:endParaRPr lang="en-US" sz="11500" b="1" dirty="0">
-              <a:solidFill>
-                <a:srgbClr val="FF831D"/>
-              </a:solidFill>
-              <a:effectLst>
-                <a:reflection blurRad="6350" stA="55000" endA="300" endPos="45500" dir="5400000" sy="-100000" algn="bl" rotWithShape="0"/>
-              </a:effectLst>
-            </a:endParaRPr>
           </a:p>
         </p:txBody>
       </p:sp>
@@ -4807,7 +4526,7 @@
           <a:lstStyle/>
           <a:p>
             <a:r>
-              <a:rPr lang="en-US" sz="12800" b="1" dirty="0" smtClean="0">
+              <a:rPr lang="en-US" sz="12800" b="1" dirty="0">
                 <a:ln w="11430"/>
                 <a:gradFill>
                   <a:gsLst>
@@ -4855,52 +4574,6 @@
               </a:rPr>
               <a:t>?</a:t>
             </a:r>
-            <a:endParaRPr lang="en-US" sz="12800" b="1" dirty="0">
-              <a:ln w="11430"/>
-              <a:gradFill>
-                <a:gsLst>
-                  <a:gs pos="0">
-                    <a:schemeClr val="accent6">
-                      <a:tint val="90000"/>
-                      <a:satMod val="120000"/>
-                    </a:schemeClr>
-                  </a:gs>
-                  <a:gs pos="25000">
-                    <a:schemeClr val="accent6">
-                      <a:tint val="93000"/>
-                      <a:satMod val="120000"/>
-                    </a:schemeClr>
-                  </a:gs>
-                  <a:gs pos="50000">
-                    <a:schemeClr val="accent6">
-                      <a:shade val="89000"/>
-                      <a:satMod val="110000"/>
-                    </a:schemeClr>
-                  </a:gs>
-                  <a:gs pos="75000">
-                    <a:schemeClr val="accent6">
-                      <a:tint val="93000"/>
-                      <a:satMod val="120000"/>
-                    </a:schemeClr>
-                  </a:gs>
-                  <a:gs pos="100000">
-                    <a:schemeClr val="accent6">
-                      <a:tint val="90000"/>
-                      <a:satMod val="120000"/>
-                    </a:schemeClr>
-                  </a:gs>
-                </a:gsLst>
-                <a:lin ang="5400000"/>
-              </a:gradFill>
-              <a:effectLst>
-                <a:innerShdw blurRad="63500" dist="50800" dir="8100000">
-                  <a:prstClr val="black">
-                    <a:alpha val="50000"/>
-                  </a:prstClr>
-                </a:innerShdw>
-                <a:reflection blurRad="6350" stA="55000" endA="300" endPos="45500" dir="5400000" sy="-100000" algn="bl" rotWithShape="0"/>
-              </a:effectLst>
-            </a:endParaRPr>
           </a:p>
         </p:txBody>
       </p:sp>
@@ -4936,7 +4609,7 @@
           <a:lstStyle/>
           <a:p>
             <a:r>
-              <a:rPr lang="en-US" sz="5600" dirty="0" smtClean="0">
+              <a:rPr lang="en-US" sz="5600" dirty="0">
                 <a:solidFill>
                   <a:schemeClr val="tx2">
                     <a:lumMod val="75000"/>
@@ -4948,16 +4621,6 @@
               </a:rPr>
               <a:t>?</a:t>
             </a:r>
-            <a:endParaRPr lang="en-US" sz="5600" dirty="0">
-              <a:solidFill>
-                <a:schemeClr val="tx2">
-                  <a:lumMod val="75000"/>
-                </a:schemeClr>
-              </a:solidFill>
-              <a:effectLst>
-                <a:reflection blurRad="6350" stA="55000" endA="300" endPos="45500" dir="5400000" sy="-100000" algn="bl" rotWithShape="0"/>
-              </a:effectLst>
-            </a:endParaRPr>
           </a:p>
         </p:txBody>
       </p:sp>
@@ -4993,7 +4656,7 @@
           <a:lstStyle/>
           <a:p>
             <a:r>
-              <a:rPr lang="en-US" sz="9600" dirty="0" smtClean="0">
+              <a:rPr lang="en-US" sz="9600" dirty="0">
                 <a:solidFill>
                   <a:srgbClr val="FF4A37"/>
                 </a:solidFill>
@@ -5003,14 +4666,6 @@
               </a:rPr>
               <a:t>?</a:t>
             </a:r>
-            <a:endParaRPr lang="en-US" sz="9600" dirty="0">
-              <a:solidFill>
-                <a:srgbClr val="FF4A37"/>
-              </a:solidFill>
-              <a:effectLst>
-                <a:reflection blurRad="6350" stA="60000" endA="900" endPos="60000" dist="29997" dir="5400000" sy="-100000" algn="bl" rotWithShape="0"/>
-              </a:effectLst>
-            </a:endParaRPr>
           </a:p>
         </p:txBody>
       </p:sp>
@@ -5046,7 +4701,7 @@
           <a:lstStyle/>
           <a:p>
             <a:r>
-              <a:rPr lang="en-US" sz="3600" dirty="0" smtClean="0">
+              <a:rPr lang="en-US" sz="3600" dirty="0">
                 <a:solidFill>
                   <a:schemeClr val="tx2">
                     <a:lumMod val="40000"/>
@@ -5059,17 +4714,6 @@
               </a:rPr>
               <a:t>?</a:t>
             </a:r>
-            <a:endParaRPr lang="en-US" sz="3600" dirty="0">
-              <a:solidFill>
-                <a:schemeClr val="tx2">
-                  <a:lumMod val="40000"/>
-                  <a:lumOff val="60000"/>
-                </a:schemeClr>
-              </a:solidFill>
-              <a:effectLst>
-                <a:reflection blurRad="6350" stA="55000" endA="300" endPos="45500" dir="5400000" sy="-100000" algn="bl" rotWithShape="0"/>
-              </a:effectLst>
-            </a:endParaRPr>
           </a:p>
         </p:txBody>
       </p:sp>
@@ -5105,7 +4749,7 @@
           <a:lstStyle/>
           <a:p>
             <a:r>
-              <a:rPr lang="en-US" sz="6600" dirty="0" smtClean="0">
+              <a:rPr lang="en-US" sz="6600" dirty="0">
                 <a:solidFill>
                   <a:srgbClr val="9966FF"/>
                 </a:solidFill>
@@ -5115,14 +4759,6 @@
               </a:rPr>
               <a:t>?</a:t>
             </a:r>
-            <a:endParaRPr lang="en-US" sz="6600" dirty="0">
-              <a:solidFill>
-                <a:srgbClr val="9966FF"/>
-              </a:solidFill>
-              <a:effectLst>
-                <a:reflection blurRad="6350" stA="55000" endA="300" endPos="45500" dir="5400000" sy="-100000" algn="bl" rotWithShape="0"/>
-              </a:effectLst>
-            </a:endParaRPr>
           </a:p>
         </p:txBody>
       </p:sp>
@@ -5161,7 +4797,7 @@
           <a:lstStyle/>
           <a:p>
             <a:r>
-              <a:rPr lang="en-US" sz="4400" dirty="0" smtClean="0">
+              <a:rPr lang="en-US" sz="4400" dirty="0">
                 <a:solidFill>
                   <a:srgbClr val="FF6699"/>
                 </a:solidFill>
@@ -5171,14 +4807,6 @@
               </a:rPr>
               <a:t>?</a:t>
             </a:r>
-            <a:endParaRPr lang="en-US" sz="4400" dirty="0">
-              <a:solidFill>
-                <a:srgbClr val="FF6699"/>
-              </a:solidFill>
-              <a:effectLst>
-                <a:reflection blurRad="6350" stA="55000" endA="300" endPos="45500" dir="5400000" sy="-100000" algn="bl" rotWithShape="0"/>
-              </a:effectLst>
-            </a:endParaRPr>
           </a:p>
         </p:txBody>
       </p:sp>
@@ -5214,7 +4842,7 @@
           <a:lstStyle/>
           <a:p>
             <a:r>
-              <a:rPr lang="en-US" sz="3600" dirty="0" smtClean="0">
+              <a:rPr lang="en-US" sz="3600" dirty="0">
                 <a:solidFill>
                   <a:schemeClr val="tx2">
                     <a:lumMod val="40000"/>
@@ -5227,17 +4855,6 @@
               </a:rPr>
               <a:t>?</a:t>
             </a:r>
-            <a:endParaRPr lang="en-US" sz="3600" dirty="0">
-              <a:solidFill>
-                <a:schemeClr val="tx2">
-                  <a:lumMod val="40000"/>
-                  <a:lumOff val="60000"/>
-                </a:schemeClr>
-              </a:solidFill>
-              <a:effectLst>
-                <a:reflection blurRad="6350" stA="55000" endA="300" endPos="45500" dir="5400000" sy="-100000" algn="bl" rotWithShape="0"/>
-              </a:effectLst>
-            </a:endParaRPr>
           </a:p>
         </p:txBody>
       </p:sp>
@@ -5266,7 +4883,7 @@
           <a:lstStyle/>
           <a:p>
             <a:r>
-              <a:rPr lang="en-US" sz="6000" b="1" dirty="0" smtClean="0">
+              <a:rPr lang="en-US" sz="6000" b="1" dirty="0">
                 <a:ln w="1905"/>
                 <a:gradFill>
                   <a:gsLst>
@@ -5302,40 +4919,6 @@
               </a:rPr>
               <a:t>?</a:t>
             </a:r>
-            <a:endParaRPr lang="en-US" sz="6000" b="1" dirty="0">
-              <a:ln w="1905"/>
-              <a:gradFill>
-                <a:gsLst>
-                  <a:gs pos="0">
-                    <a:schemeClr val="accent6">
-                      <a:shade val="20000"/>
-                      <a:satMod val="200000"/>
-                    </a:schemeClr>
-                  </a:gs>
-                  <a:gs pos="78000">
-                    <a:schemeClr val="accent6">
-                      <a:tint val="90000"/>
-                      <a:shade val="89000"/>
-                      <a:satMod val="220000"/>
-                    </a:schemeClr>
-                  </a:gs>
-                  <a:gs pos="100000">
-                    <a:schemeClr val="accent6">
-                      <a:tint val="12000"/>
-                      <a:satMod val="255000"/>
-                    </a:schemeClr>
-                  </a:gs>
-                </a:gsLst>
-                <a:lin ang="5400000"/>
-              </a:gradFill>
-              <a:effectLst>
-                <a:innerShdw blurRad="69850" dist="43180" dir="5400000">
-                  <a:srgbClr val="000000">
-                    <a:alpha val="65000"/>
-                  </a:srgbClr>
-                </a:innerShdw>
-              </a:effectLst>
-            </a:endParaRPr>
           </a:p>
         </p:txBody>
       </p:sp>
@@ -5371,7 +4954,7 @@
           <a:lstStyle/>
           <a:p>
             <a:r>
-              <a:rPr lang="en-US" sz="4000" dirty="0" smtClean="0">
+              <a:rPr lang="en-US" sz="4000" dirty="0">
                 <a:solidFill>
                   <a:schemeClr val="accent4">
                     <a:lumMod val="60000"/>
@@ -5384,17 +4967,6 @@
               </a:rPr>
               <a:t>?</a:t>
             </a:r>
-            <a:endParaRPr lang="en-US" sz="4000" dirty="0">
-              <a:solidFill>
-                <a:schemeClr val="accent4">
-                  <a:lumMod val="60000"/>
-                  <a:lumOff val="40000"/>
-                </a:schemeClr>
-              </a:solidFill>
-              <a:effectLst>
-                <a:reflection blurRad="6350" stA="55000" endA="300" endPos="45500" dir="5400000" sy="-100000" algn="bl" rotWithShape="0"/>
-              </a:effectLst>
-            </a:endParaRPr>
           </a:p>
         </p:txBody>
       </p:sp>
@@ -5435,7 +5007,7 @@
           <a:lstStyle/>
           <a:p>
             <a:r>
-              <a:rPr lang="en-US" sz="4000" b="1" spc="150" dirty="0" smtClean="0">
+              <a:rPr lang="en-US" sz="4000" b="1" spc="150" dirty="0">
                 <a:ln w="11430"/>
                 <a:solidFill>
                   <a:schemeClr val="accent4">
@@ -5453,22 +5025,6 @@
               </a:rPr>
               <a:t>?</a:t>
             </a:r>
-            <a:endParaRPr lang="en-US" sz="4000" b="1" spc="150" dirty="0">
-              <a:ln w="11430"/>
-              <a:solidFill>
-                <a:schemeClr val="accent4">
-                  <a:lumMod val="60000"/>
-                  <a:lumOff val="40000"/>
-                </a:schemeClr>
-              </a:solidFill>
-              <a:effectLst>
-                <a:outerShdw blurRad="25400" algn="tl" rotWithShape="0">
-                  <a:srgbClr val="000000">
-                    <a:alpha val="43000"/>
-                  </a:srgbClr>
-                </a:outerShdw>
-              </a:effectLst>
-            </a:endParaRPr>
           </a:p>
         </p:txBody>
       </p:sp>
@@ -5497,7 +5053,7 @@
           <a:lstStyle/>
           <a:p>
             <a:r>
-              <a:rPr lang="en-US" sz="3600" b="1" dirty="0" smtClean="0">
+              <a:rPr lang="en-US" sz="3600" b="1" dirty="0">
                 <a:ln w="19050">
                   <a:solidFill>
                     <a:schemeClr val="accent4">
@@ -5586,7 +5142,7 @@
           <a:lstStyle/>
           <a:p>
             <a:r>
-              <a:rPr lang="en-US" sz="4400" dirty="0" smtClean="0">
+              <a:rPr lang="en-US" sz="4400" dirty="0">
                 <a:ln>
                   <a:solidFill>
                     <a:schemeClr val="accent2">
@@ -5607,25 +5163,6 @@
               </a:rPr>
               <a:t>?</a:t>
             </a:r>
-            <a:endParaRPr lang="en-US" sz="4400" dirty="0">
-              <a:ln>
-                <a:solidFill>
-                  <a:schemeClr val="accent2">
-                    <a:lumMod val="40000"/>
-                    <a:lumOff val="60000"/>
-                  </a:schemeClr>
-                </a:solidFill>
-              </a:ln>
-              <a:solidFill>
-                <a:schemeClr val="accent6">
-                  <a:lumMod val="60000"/>
-                  <a:lumOff val="40000"/>
-                </a:schemeClr>
-              </a:solidFill>
-              <a:effectLst>
-                <a:reflection blurRad="6350" stA="55000" endA="300" endPos="45500" dir="5400000" sy="-100000" algn="bl" rotWithShape="0"/>
-              </a:effectLst>
-            </a:endParaRPr>
           </a:p>
         </p:txBody>
       </p:sp>
@@ -5661,7 +5198,7 @@
           <a:lstStyle/>
           <a:p>
             <a:r>
-              <a:rPr lang="en-US" sz="2800" dirty="0" smtClean="0">
+              <a:rPr lang="en-US" sz="2800" dirty="0">
                 <a:ln>
                   <a:solidFill>
                     <a:schemeClr val="tx1">
@@ -5681,24 +5218,6 @@
               </a:rPr>
               <a:t>?</a:t>
             </a:r>
-            <a:endParaRPr lang="en-US" sz="2800" dirty="0">
-              <a:ln>
-                <a:solidFill>
-                  <a:schemeClr val="tx1">
-                    <a:lumMod val="75000"/>
-                  </a:schemeClr>
-                </a:solidFill>
-              </a:ln>
-              <a:solidFill>
-                <a:schemeClr val="accent4">
-                  <a:lumMod val="60000"/>
-                  <a:lumOff val="40000"/>
-                </a:schemeClr>
-              </a:solidFill>
-              <a:effectLst>
-                <a:reflection blurRad="6350" stA="55000" endA="300" endPos="45500" dir="5400000" sy="-100000" algn="bl" rotWithShape="0"/>
-              </a:effectLst>
-            </a:endParaRPr>
           </a:p>
         </p:txBody>
       </p:sp>
@@ -5734,7 +5253,7 @@
           <a:lstStyle/>
           <a:p>
             <a:r>
-              <a:rPr lang="en-US" sz="2800" b="1" dirty="0" smtClean="0">
+              <a:rPr lang="en-US" sz="2800" b="1" dirty="0">
                 <a:ln w="31550" cmpd="sng">
                   <a:solidFill>
                     <a:schemeClr val="tx2">
@@ -5817,7 +5336,7 @@
           <a:lstStyle/>
           <a:p>
             <a:r>
-              <a:rPr lang="en-US" sz="3200" dirty="0" smtClean="0">
+              <a:rPr lang="en-US" sz="3200" dirty="0">
                 <a:ln>
                   <a:solidFill>
                     <a:schemeClr val="accent1">
@@ -5838,25 +5357,6 @@
               </a:rPr>
               <a:t>?</a:t>
             </a:r>
-            <a:endParaRPr lang="en-US" sz="3200" dirty="0">
-              <a:ln>
-                <a:solidFill>
-                  <a:schemeClr val="accent1">
-                    <a:lumMod val="40000"/>
-                    <a:lumOff val="60000"/>
-                  </a:schemeClr>
-                </a:solidFill>
-              </a:ln>
-              <a:solidFill>
-                <a:schemeClr val="accent4">
-                  <a:lumMod val="60000"/>
-                  <a:lumOff val="40000"/>
-                </a:schemeClr>
-              </a:solidFill>
-              <a:effectLst>
-                <a:reflection blurRad="6350" stA="55000" endA="300" endPos="45500" dir="5400000" sy="-100000" algn="bl" rotWithShape="0"/>
-              </a:effectLst>
-            </a:endParaRPr>
           </a:p>
         </p:txBody>
       </p:sp>
@@ -5914,7 +5414,7 @@
               <a:buNone/>
             </a:pPr>
             <a:r>
-              <a:rPr lang="en-US" sz="7600" b="1" spc="150" noProof="0" dirty="0" smtClean="0">
+              <a:rPr lang="en-US" sz="7600" b="1" spc="150" noProof="0" dirty="0">
                 <a:ln w="11430"/>
                 <a:solidFill>
                   <a:schemeClr val="tx1">
@@ -5985,10 +5485,9 @@
           <a:p>
             <a:pPr lvl="0"/>
             <a:r>
-              <a:rPr lang="en-US" dirty="0" smtClean="0"/>
+              <a:rPr lang="en-US" dirty="0"/>
               <a:t>Course web site URL</a:t>
             </a:r>
-            <a:endParaRPr lang="en-US" dirty="0"/>
           </a:p>
         </p:txBody>
       </p:sp>
@@ -6029,7 +5528,7 @@
               </a:lnSpc>
             </a:pPr>
             <a:r>
-              <a:rPr lang="en-US" sz="12000" b="1" dirty="0" smtClean="0">
+              <a:rPr lang="en-US" sz="12000" b="1" dirty="0">
                 <a:solidFill>
                   <a:srgbClr val="FFBF8B"/>
                 </a:solidFill>
@@ -6040,15 +5539,6 @@
               </a:rPr>
               <a:t>?</a:t>
             </a:r>
-            <a:endParaRPr lang="en-US" sz="12000" b="1" dirty="0">
-              <a:solidFill>
-                <a:srgbClr val="FFBF8B"/>
-              </a:solidFill>
-              <a:effectLst>
-                <a:reflection blurRad="6350" stA="55000" endA="300" endPos="45500" dir="5400000" sy="-100000" algn="bl" rotWithShape="0"/>
-              </a:effectLst>
-              <a:latin typeface="Cambria" pitchFamily="18" charset="0"/>
-            </a:endParaRPr>
           </a:p>
         </p:txBody>
       </p:sp>
@@ -6057,13 +5547,6 @@
   <p:clrMapOvr>
     <a:masterClrMapping/>
   </p:clrMapOvr>
-  <p:timing>
-    <p:tnLst>
-      <p:par>
-        <p:cTn id="1" dur="indefinite" restart="never" nodeType="tmRoot"/>
-      </p:par>
-    </p:tnLst>
-  </p:timing>
 </p:sldLayout>
 </file>
 
@@ -6329,13 +5812,6 @@
     <p:sldLayoutId id="2147483689" r:id="rId4"/>
     <p:sldLayoutId id="2147483703" r:id="rId5"/>
   </p:sldLayoutIdLst>
-  <p:timing>
-    <p:tnLst>
-      <p:par>
-        <p:cTn id="1" dur="indefinite" restart="never" nodeType="tmRoot"/>
-      </p:par>
-    </p:tnLst>
-  </p:timing>
   <p:hf hdr="0" ftr="0" dt="0"/>
   <p:txStyles>
     <p:titleStyle>
@@ -6854,19 +6330,15 @@
           <a:lstStyle/>
           <a:p>
             <a:r>
-              <a:rPr lang="en-US" dirty="0" smtClean="0"/>
+              <a:rPr lang="en-US" dirty="0"/>
               <a:t>ASP.NET MVC</a:t>
             </a:r>
             <a:br>
-              <a:rPr lang="en-US" dirty="0" smtClean="0"/>
+              <a:rPr lang="en-US" dirty="0"/>
             </a:br>
             <a:r>
-              <a:rPr lang="en-US" dirty="0" smtClean="0"/>
-              <a:t>Working </a:t>
-            </a:r>
-            <a:r>
-              <a:rPr lang="en-US" dirty="0"/>
-              <a:t>with Data</a:t>
+              <a:rPr lang="en-US" dirty="0"/>
+              <a:t>Working with Data</a:t>
             </a:r>
           </a:p>
         </p:txBody>
@@ -7559,16 +7031,15 @@
           </a:lstStyle>
           <a:p>
             <a:r>
-              <a:rPr lang="en-US" dirty="0" smtClean="0">
+              <a:rPr lang="en-US" dirty="0">
                 <a:hlinkClick r:id="rId6"/>
               </a:rPr>
               <a:t>http://academy.telerik.com</a:t>
             </a:r>
             <a:r>
-              <a:rPr lang="en-US" dirty="0" smtClean="0"/>
+              <a:rPr lang="en-US" dirty="0"/>
               <a:t> </a:t>
             </a:r>
-            <a:endParaRPr lang="en-US" dirty="0"/>
           </a:p>
         </p:txBody>
       </p:sp>
@@ -7833,10 +7304,9 @@
           </a:lstStyle>
           <a:p>
             <a:r>
-              <a:rPr lang="en-US" dirty="0" smtClean="0"/>
+              <a:rPr lang="en-US" dirty="0"/>
               <a:t>ASP.NET MVC</a:t>
             </a:r>
-            <a:endParaRPr lang="en-US" dirty="0"/>
           </a:p>
         </p:txBody>
       </p:sp>
@@ -7850,13 +7320,6 @@
   <p:clrMapOvr>
     <a:masterClrMapping/>
   </p:clrMapOvr>
-  <p:timing>
-    <p:tnLst>
-      <p:par>
-        <p:cTn id="1" dur="indefinite" restart="never" nodeType="tmRoot"/>
-      </p:par>
-    </p:tnLst>
-  </p:timing>
 </p:sld>
 </file>
 
@@ -7893,10 +7356,9 @@
           <a:lstStyle/>
           <a:p>
             <a:r>
-              <a:rPr lang="en-US" dirty="0" smtClean="0"/>
+              <a:rPr lang="en-US" dirty="0"/>
               <a:t>Model Binders</a:t>
             </a:r>
-            <a:endParaRPr lang="en-US" dirty="0"/>
           </a:p>
         </p:txBody>
       </p:sp>
@@ -7916,18 +7378,18 @@
           <a:lstStyle/>
           <a:p>
             <a:r>
-              <a:rPr lang="en-US" dirty="0" smtClean="0"/>
+              <a:rPr lang="en-US" dirty="0"/>
               <a:t>Nested Objects binding</a:t>
             </a:r>
           </a:p>
           <a:p>
             <a:pPr lvl="1"/>
             <a:r>
-              <a:rPr lang="en-US" dirty="0" smtClean="0"/>
+              <a:rPr lang="en-US" dirty="0"/>
               <a:t>Use name attributes as following </a:t>
             </a:r>
             <a:r>
-              <a:rPr lang="en-US" dirty="0" smtClean="0">
+              <a:rPr lang="en-US" dirty="0">
                 <a:solidFill>
                   <a:schemeClr val="accent5">
                     <a:lumMod val="20000"/>
@@ -7938,7 +7400,7 @@
               <a:t>"{</a:t>
             </a:r>
             <a:r>
-              <a:rPr lang="en-US" dirty="0" err="1" smtClean="0">
+              <a:rPr lang="en-US" dirty="0" err="1">
                 <a:solidFill>
                   <a:schemeClr val="accent5">
                     <a:lumMod val="20000"/>
@@ -7949,7 +7411,7 @@
               <a:t>obj</a:t>
             </a:r>
             <a:r>
-              <a:rPr lang="en-US" dirty="0" smtClean="0">
+              <a:rPr lang="en-US" dirty="0">
                 <a:solidFill>
                   <a:schemeClr val="accent5">
                     <a:lumMod val="20000"/>
@@ -7960,7 +7422,7 @@
               <a:t>}.{</a:t>
             </a:r>
             <a:r>
-              <a:rPr lang="en-US" dirty="0" err="1" smtClean="0">
+              <a:rPr lang="en-US" dirty="0" err="1">
                 <a:solidFill>
                   <a:schemeClr val="accent5">
                     <a:lumMod val="20000"/>
@@ -7971,7 +7433,7 @@
               <a:t>nestedObj</a:t>
             </a:r>
             <a:r>
-              <a:rPr lang="en-US" dirty="0" smtClean="0">
+              <a:rPr lang="en-US" dirty="0">
                 <a:solidFill>
                   <a:schemeClr val="accent5">
                     <a:lumMod val="20000"/>
@@ -7982,11 +7444,11 @@
               <a:t>}</a:t>
             </a:r>
             <a:r>
-              <a:rPr lang="en-US" dirty="0" smtClean="0"/>
+              <a:rPr lang="en-US" dirty="0"/>
               <a:t>" or use </a:t>
             </a:r>
             <a:r>
-              <a:rPr lang="en-US" dirty="0" err="1" smtClean="0">
+              <a:rPr lang="en-US" dirty="0" err="1">
                 <a:solidFill>
                   <a:schemeClr val="accent5">
                     <a:lumMod val="20000"/>
@@ -7996,7 +7458,7 @@
               </a:rPr>
               <a:t>EditorFor</a:t>
             </a:r>
-            <a:endParaRPr lang="en-US" dirty="0" smtClean="0">
+            <a:endParaRPr lang="en-US" dirty="0">
               <a:solidFill>
                 <a:schemeClr val="accent5">
                   <a:lumMod val="20000"/>
@@ -8266,13 +7728,6 @@
   <p:clrMapOvr>
     <a:masterClrMapping/>
   </p:clrMapOvr>
-  <p:timing>
-    <p:tnLst>
-      <p:par>
-        <p:cTn id="1" dur="indefinite" restart="never" nodeType="tmRoot"/>
-      </p:par>
-    </p:tnLst>
-  </p:timing>
 </p:sld>
 </file>
 
@@ -8309,10 +7764,9 @@
           <a:lstStyle/>
           <a:p>
             <a:r>
-              <a:rPr lang="en-US" dirty="0" smtClean="0"/>
+              <a:rPr lang="en-US" dirty="0"/>
               <a:t>Model Binders</a:t>
             </a:r>
-            <a:endParaRPr lang="en-US" dirty="0"/>
           </a:p>
         </p:txBody>
       </p:sp>
@@ -8332,17 +7786,17 @@
           <a:lstStyle/>
           <a:p>
             <a:r>
-              <a:rPr lang="en-US" dirty="0" smtClean="0"/>
+              <a:rPr lang="en-US" dirty="0"/>
               <a:t>Collection of primitive types binding</a:t>
             </a:r>
           </a:p>
           <a:p>
             <a:pPr lvl="1"/>
             <a:r>
-              <a:rPr lang="en-US" dirty="0" smtClean="0"/>
+              <a:rPr lang="en-US" dirty="0"/>
               <a:t>Use the same name attribute on every input element and the parameter name of the collection in the action (you can use loops)</a:t>
             </a:r>
-            <a:endParaRPr lang="en-US" dirty="0" smtClean="0">
+            <a:endParaRPr lang="en-US" dirty="0">
               <a:solidFill>
                 <a:schemeClr val="accent5">
                   <a:lumMod val="20000"/>
@@ -8504,13 +7958,6 @@
   <p:clrMapOvr>
     <a:masterClrMapping/>
   </p:clrMapOvr>
-  <p:timing>
-    <p:tnLst>
-      <p:par>
-        <p:cTn id="1" dur="indefinite" restart="never" nodeType="tmRoot"/>
-      </p:par>
-    </p:tnLst>
-  </p:timing>
 </p:sld>
 </file>
 
@@ -8547,10 +7994,9 @@
           <a:lstStyle/>
           <a:p>
             <a:r>
-              <a:rPr lang="en-US" dirty="0" smtClean="0"/>
+              <a:rPr lang="en-US" dirty="0"/>
               <a:t>Model Binders</a:t>
             </a:r>
-            <a:endParaRPr lang="en-US" dirty="0"/>
           </a:p>
         </p:txBody>
       </p:sp>
@@ -8570,18 +8016,18 @@
           <a:lstStyle/>
           <a:p>
             <a:r>
-              <a:rPr lang="en-US" dirty="0" smtClean="0"/>
+              <a:rPr lang="en-US" dirty="0"/>
               <a:t>Collection of objects binding</a:t>
             </a:r>
           </a:p>
           <a:p>
             <a:pPr lvl="1"/>
             <a:r>
-              <a:rPr lang="en-US" dirty="0" smtClean="0"/>
+              <a:rPr lang="en-US" dirty="0"/>
               <a:t>Use name attributes like "</a:t>
             </a:r>
             <a:r>
-              <a:rPr lang="en-US" dirty="0" smtClean="0">
+              <a:rPr lang="en-US" dirty="0">
                 <a:solidFill>
                   <a:schemeClr val="accent5">
                     <a:lumMod val="20000"/>
@@ -8592,11 +8038,11 @@
               <a:t>[{index}].{property}</a:t>
             </a:r>
             <a:r>
-              <a:rPr lang="en-US" dirty="0" smtClean="0"/>
+              <a:rPr lang="en-US" dirty="0"/>
               <a:t>" or use </a:t>
             </a:r>
             <a:r>
-              <a:rPr lang="en-US" dirty="0" err="1" smtClean="0">
+              <a:rPr lang="en-US" dirty="0" err="1">
                 <a:solidFill>
                   <a:schemeClr val="accent5">
                     <a:lumMod val="20000"/>
@@ -8607,11 +8053,11 @@
               <a:t>EditorFor</a:t>
             </a:r>
             <a:r>
-              <a:rPr lang="en-US" dirty="0" smtClean="0"/>
+              <a:rPr lang="en-US" dirty="0"/>
               <a:t> in a </a:t>
             </a:r>
             <a:r>
-              <a:rPr lang="en-US" dirty="0" smtClean="0">
+              <a:rPr lang="en-US" dirty="0">
                 <a:solidFill>
                   <a:schemeClr val="accent5">
                     <a:lumMod val="20000"/>
@@ -8622,10 +8068,10 @@
               <a:t>for</a:t>
             </a:r>
             <a:r>
-              <a:rPr lang="en-US" dirty="0" smtClean="0"/>
+              <a:rPr lang="en-US" dirty="0"/>
               <a:t> loop</a:t>
             </a:r>
-            <a:endParaRPr lang="en-US" dirty="0" smtClean="0">
+            <a:endParaRPr lang="en-US" dirty="0">
               <a:solidFill>
                 <a:schemeClr val="accent5">
                   <a:lumMod val="20000"/>
@@ -8841,13 +8287,6 @@
   <p:clrMapOvr>
     <a:masterClrMapping/>
   </p:clrMapOvr>
-  <p:timing>
-    <p:tnLst>
-      <p:par>
-        <p:cTn id="1" dur="indefinite" restart="never" nodeType="tmRoot"/>
-      </p:par>
-    </p:tnLst>
-  </p:timing>
 </p:sld>
 </file>
 
@@ -8884,10 +8323,9 @@
           <a:lstStyle/>
           <a:p>
             <a:r>
-              <a:rPr lang="en-US" dirty="0" smtClean="0"/>
+              <a:rPr lang="en-US" dirty="0"/>
               <a:t>Model Binders</a:t>
             </a:r>
-            <a:endParaRPr lang="en-US" dirty="0"/>
           </a:p>
         </p:txBody>
       </p:sp>
@@ -8907,17 +8345,17 @@
           <a:lstStyle/>
           <a:p>
             <a:r>
-              <a:rPr lang="en-US" dirty="0" smtClean="0"/>
+              <a:rPr lang="en-US" dirty="0"/>
               <a:t>Collection of files binding</a:t>
             </a:r>
           </a:p>
           <a:p>
             <a:pPr lvl="1"/>
             <a:r>
-              <a:rPr lang="en-US" dirty="0" smtClean="0"/>
+              <a:rPr lang="en-US" dirty="0"/>
               <a:t>Use the same name attribute on all input type files as the name of the collection</a:t>
             </a:r>
-            <a:endParaRPr lang="en-US" dirty="0" smtClean="0">
+            <a:endParaRPr lang="en-US" dirty="0">
               <a:solidFill>
                 <a:schemeClr val="accent5">
                   <a:lumMod val="20000"/>
@@ -9079,13 +8517,6 @@
   <p:clrMapOvr>
     <a:masterClrMapping/>
   </p:clrMapOvr>
-  <p:timing>
-    <p:tnLst>
-      <p:par>
-        <p:cTn id="1" dur="indefinite" restart="never" nodeType="tmRoot"/>
-      </p:par>
-    </p:tnLst>
-  </p:timing>
 </p:sld>
 </file>
 
@@ -9122,10 +8553,9 @@
           <a:lstStyle/>
           <a:p>
             <a:r>
-              <a:rPr lang="en-US" dirty="0" smtClean="0"/>
+              <a:rPr lang="en-US" dirty="0"/>
               <a:t>Custom Model Binder</a:t>
             </a:r>
-            <a:endParaRPr lang="en-US" dirty="0"/>
           </a:p>
         </p:txBody>
       </p:sp>
@@ -9238,13 +8668,6 @@
   <p:clrMapOvr>
     <a:masterClrMapping/>
   </p:clrMapOvr>
-  <p:timing>
-    <p:tnLst>
-      <p:par>
-        <p:cTn id="1" dur="indefinite" restart="never" nodeType="tmRoot"/>
-      </p:par>
-    </p:tnLst>
-  </p:timing>
 </p:sld>
 </file>
 
@@ -9291,7 +8714,7 @@
               </a:lnSpc>
             </a:pPr>
             <a:r>
-              <a:rPr lang="en-US" dirty="0" smtClean="0"/>
+              <a:rPr lang="en-US" dirty="0"/>
               <a:t>Display &amp; Editor Templates</a:t>
             </a:r>
             <a:endParaRPr lang="bg-BG" dirty="0"/>
@@ -9396,13 +8819,6 @@
     <a:masterClrMapping/>
   </p:clrMapOvr>
   <p:transition/>
-  <p:timing>
-    <p:tnLst>
-      <p:par>
-        <p:cTn id="1" dur="indefinite" restart="never" nodeType="tmRoot"/>
-      </p:par>
-    </p:tnLst>
-  </p:timing>
 </p:sld>
 </file>
 
@@ -9439,10 +8855,9 @@
           <a:lstStyle/>
           <a:p>
             <a:r>
-              <a:rPr lang="en-US" dirty="0" smtClean="0"/>
+              <a:rPr lang="en-US" dirty="0"/>
               <a:t>Templates</a:t>
             </a:r>
-            <a:endParaRPr lang="en-US" dirty="0"/>
           </a:p>
         </p:txBody>
       </p:sp>
@@ -9462,14 +8877,14 @@
           <a:lstStyle/>
           <a:p>
             <a:r>
-              <a:rPr lang="en-US" dirty="0" smtClean="0"/>
+              <a:rPr lang="en-US" dirty="0"/>
               <a:t>ASP.NET MVC comes with helpers methods</a:t>
             </a:r>
           </a:p>
           <a:p>
             <a:pPr lvl="1"/>
             <a:r>
-              <a:rPr lang="en-US" dirty="0" err="1" smtClean="0">
+              <a:rPr lang="en-US" dirty="0" err="1">
                 <a:solidFill>
                   <a:schemeClr val="accent5">
                     <a:lumMod val="20000"/>
@@ -9480,7 +8895,7 @@
               <a:t>DisplayFor</a:t>
             </a:r>
             <a:r>
-              <a:rPr lang="en-US" dirty="0" smtClean="0">
+              <a:rPr lang="en-US" dirty="0">
                 <a:solidFill>
                   <a:schemeClr val="accent5">
                     <a:lumMod val="20000"/>
@@ -9491,11 +8906,11 @@
               <a:t>()</a:t>
             </a:r>
             <a:r>
-              <a:rPr lang="en-US" dirty="0" smtClean="0"/>
+              <a:rPr lang="en-US" dirty="0"/>
               <a:t>, </a:t>
             </a:r>
             <a:r>
-              <a:rPr lang="en-US" dirty="0" err="1" smtClean="0">
+              <a:rPr lang="en-US" dirty="0" err="1">
                 <a:solidFill>
                   <a:schemeClr val="accent5">
                     <a:lumMod val="20000"/>
@@ -9506,7 +8921,7 @@
               <a:t>DisplayForModel</a:t>
             </a:r>
             <a:r>
-              <a:rPr lang="en-US" dirty="0" smtClean="0">
+              <a:rPr lang="en-US" dirty="0">
                 <a:solidFill>
                   <a:schemeClr val="accent5">
                     <a:lumMod val="20000"/>
@@ -9520,7 +8935,7 @@
           <a:p>
             <a:pPr lvl="1"/>
             <a:r>
-              <a:rPr lang="en-US" dirty="0" err="1" smtClean="0">
+              <a:rPr lang="en-US" dirty="0" err="1">
                 <a:solidFill>
                   <a:schemeClr val="accent5">
                     <a:lumMod val="20000"/>
@@ -9531,7 +8946,7 @@
               <a:t>EditorFor</a:t>
             </a:r>
             <a:r>
-              <a:rPr lang="en-US" dirty="0" smtClean="0">
+              <a:rPr lang="en-US" dirty="0">
                 <a:solidFill>
                   <a:schemeClr val="accent5">
                     <a:lumMod val="20000"/>
@@ -9542,11 +8957,11 @@
               <a:t>()</a:t>
             </a:r>
             <a:r>
-              <a:rPr lang="en-US" dirty="0" smtClean="0"/>
+              <a:rPr lang="en-US" dirty="0"/>
               <a:t>, </a:t>
             </a:r>
             <a:r>
-              <a:rPr lang="en-US" dirty="0" err="1" smtClean="0">
+              <a:rPr lang="en-US" dirty="0" err="1">
                 <a:solidFill>
                   <a:schemeClr val="accent5">
                     <a:lumMod val="20000"/>
@@ -9557,7 +8972,7 @@
               <a:t>EditorForModel</a:t>
             </a:r>
             <a:r>
-              <a:rPr lang="en-US" dirty="0" smtClean="0">
+              <a:rPr lang="en-US" dirty="0">
                 <a:solidFill>
                   <a:schemeClr val="accent5">
                     <a:lumMod val="20000"/>
@@ -9570,23 +8985,23 @@
           </a:p>
           <a:p>
             <a:r>
-              <a:rPr lang="en-US" dirty="0" smtClean="0"/>
+              <a:rPr lang="en-US" dirty="0"/>
               <a:t>There are default implementation</a:t>
             </a:r>
           </a:p>
           <a:p>
             <a:r>
-              <a:rPr lang="en-US" dirty="0" smtClean="0"/>
+              <a:rPr lang="en-US" dirty="0"/>
               <a:t>Easily to be configured</a:t>
             </a:r>
           </a:p>
           <a:p>
             <a:r>
-              <a:rPr lang="en-US" dirty="0" smtClean="0"/>
+              <a:rPr lang="en-US" dirty="0"/>
               <a:t>Create folders "</a:t>
             </a:r>
             <a:r>
-              <a:rPr lang="en-US" dirty="0" err="1" smtClean="0">
+              <a:rPr lang="en-US" dirty="0" err="1">
                 <a:solidFill>
                   <a:schemeClr val="accent5">
                     <a:lumMod val="20000"/>
@@ -9597,11 +9012,11 @@
               <a:t>DisplayTemplates</a:t>
             </a:r>
             <a:r>
-              <a:rPr lang="en-US" dirty="0" smtClean="0"/>
+              <a:rPr lang="en-US" dirty="0"/>
               <a:t>" and "</a:t>
             </a:r>
             <a:r>
-              <a:rPr lang="en-US" dirty="0" err="1" smtClean="0">
+              <a:rPr lang="en-US" dirty="0" err="1">
                 <a:solidFill>
                   <a:schemeClr val="accent5">
                     <a:lumMod val="20000"/>
@@ -9612,11 +9027,11 @@
               <a:t>EditorTemplates</a:t>
             </a:r>
             <a:r>
-              <a:rPr lang="en-US" dirty="0" smtClean="0"/>
+              <a:rPr lang="en-US" dirty="0"/>
               <a:t>" the "</a:t>
             </a:r>
             <a:r>
-              <a:rPr lang="en-US" dirty="0" smtClean="0">
+              <a:rPr lang="en-US" dirty="0">
                 <a:solidFill>
                   <a:schemeClr val="accent5">
                     <a:lumMod val="20000"/>
@@ -9627,11 +9042,11 @@
               <a:t>Shared</a:t>
             </a:r>
             <a:r>
-              <a:rPr lang="en-US" dirty="0" smtClean="0"/>
+              <a:rPr lang="en-US" dirty="0"/>
               <a:t>" folder or in the "</a:t>
             </a:r>
             <a:r>
-              <a:rPr lang="en-US" dirty="0" smtClean="0">
+              <a:rPr lang="en-US" dirty="0">
                 <a:solidFill>
                   <a:schemeClr val="accent5">
                     <a:lumMod val="20000"/>
@@ -9642,10 +9057,9 @@
               <a:t>Views/{Controller}</a:t>
             </a:r>
             <a:r>
-              <a:rPr lang="en-US" dirty="0" smtClean="0"/>
+              <a:rPr lang="en-US" dirty="0"/>
               <a:t>" folder</a:t>
             </a:r>
-            <a:endParaRPr lang="en-US" dirty="0"/>
           </a:p>
         </p:txBody>
       </p:sp>
@@ -9796,13 +9210,6 @@
   <p:clrMapOvr>
     <a:masterClrMapping/>
   </p:clrMapOvr>
-  <p:timing>
-    <p:tnLst>
-      <p:par>
-        <p:cTn id="1" dur="indefinite" restart="never" nodeType="tmRoot"/>
-      </p:par>
-    </p:tnLst>
-  </p:timing>
 </p:sld>
 </file>
 
@@ -9839,10 +9246,9 @@
           <a:lstStyle/>
           <a:p>
             <a:r>
-              <a:rPr lang="en-US" dirty="0" smtClean="0"/>
+              <a:rPr lang="en-US" dirty="0"/>
               <a:t>Custom Templates</a:t>
             </a:r>
-            <a:endParaRPr lang="en-US" dirty="0"/>
           </a:p>
         </p:txBody>
       </p:sp>
@@ -9867,14 +9273,14 @@
           <a:lstStyle/>
           <a:p>
             <a:r>
-              <a:rPr lang="en-US" dirty="0" smtClean="0"/>
+              <a:rPr lang="en-US" dirty="0"/>
               <a:t>In the two new folders create a view for each type you want</a:t>
             </a:r>
           </a:p>
           <a:p>
             <a:pPr lvl="1"/>
             <a:r>
-              <a:rPr lang="en-US" dirty="0" smtClean="0">
+              <a:rPr lang="en-US" dirty="0">
                 <a:solidFill>
                   <a:schemeClr val="accent5">
                     <a:lumMod val="20000"/>
@@ -9885,19 +9291,19 @@
               <a:t>string</a:t>
             </a:r>
             <a:r>
-              <a:rPr lang="en-US" dirty="0" smtClean="0"/>
+              <a:rPr lang="en-US" dirty="0"/>
               <a:t> -&gt; </a:t>
             </a:r>
             <a:r>
-              <a:rPr lang="en-US" dirty="0" err="1" smtClean="0"/>
+              <a:rPr lang="en-US" dirty="0" err="1"/>
               <a:t>String.cshtml</a:t>
             </a:r>
-            <a:endParaRPr lang="en-US" dirty="0" smtClean="0"/>
+            <a:endParaRPr lang="en-US" dirty="0"/>
           </a:p>
           <a:p>
             <a:pPr lvl="1"/>
             <a:r>
-              <a:rPr lang="en-US" dirty="0" err="1" smtClean="0">
+              <a:rPr lang="en-US" dirty="0" err="1">
                 <a:solidFill>
                   <a:schemeClr val="accent5">
                     <a:lumMod val="20000"/>
@@ -9908,7 +9314,7 @@
               <a:t>int</a:t>
             </a:r>
             <a:r>
-              <a:rPr lang="en-US" dirty="0" smtClean="0">
+              <a:rPr lang="en-US" dirty="0">
                 <a:solidFill>
                   <a:schemeClr val="accent5">
                     <a:lumMod val="20000"/>
@@ -9919,14 +9325,14 @@
               <a:t> </a:t>
             </a:r>
             <a:r>
-              <a:rPr lang="en-US" dirty="0" smtClean="0"/>
+              <a:rPr lang="en-US" dirty="0"/>
               <a:t>-&gt; Int32.cshtml</a:t>
             </a:r>
           </a:p>
           <a:p>
             <a:pPr lvl="1"/>
             <a:r>
-              <a:rPr lang="en-US" dirty="0" err="1" smtClean="0">
+              <a:rPr lang="en-US" dirty="0" err="1">
                 <a:solidFill>
                   <a:schemeClr val="accent5">
                     <a:lumMod val="20000"/>
@@ -9937,7 +9343,7 @@
               <a:t>DateTime</a:t>
             </a:r>
             <a:r>
-              <a:rPr lang="en-US" dirty="0" smtClean="0">
+              <a:rPr lang="en-US" dirty="0">
                 <a:solidFill>
                   <a:schemeClr val="accent5">
                     <a:lumMod val="20000"/>
@@ -9948,19 +9354,19 @@
               <a:t> </a:t>
             </a:r>
             <a:r>
-              <a:rPr lang="en-US" dirty="0" smtClean="0"/>
+              <a:rPr lang="en-US" dirty="0"/>
               <a:t>-&gt; </a:t>
             </a:r>
             <a:r>
-              <a:rPr lang="en-US" dirty="0" err="1" smtClean="0"/>
+              <a:rPr lang="en-US" dirty="0" err="1"/>
               <a:t>DateTime.cshtml</a:t>
             </a:r>
-            <a:endParaRPr lang="en-US" dirty="0" smtClean="0"/>
+            <a:endParaRPr lang="en-US" dirty="0"/>
           </a:p>
           <a:p>
             <a:pPr lvl="1"/>
             <a:r>
-              <a:rPr lang="en-US" dirty="0" smtClean="0">
+              <a:rPr lang="en-US" dirty="0">
                 <a:solidFill>
                   <a:schemeClr val="accent5">
                     <a:lumMod val="20000"/>
@@ -9971,22 +9377,22 @@
               <a:t>Student</a:t>
             </a:r>
             <a:r>
-              <a:rPr lang="en-US" dirty="0" smtClean="0"/>
+              <a:rPr lang="en-US" dirty="0"/>
               <a:t> -&gt; </a:t>
             </a:r>
             <a:r>
-              <a:rPr lang="en-US" dirty="0" err="1" smtClean="0"/>
+              <a:rPr lang="en-US" dirty="0" err="1"/>
               <a:t>Student.cshtml</a:t>
             </a:r>
-            <a:endParaRPr lang="en-US" dirty="0" smtClean="0"/>
-          </a:p>
-          <a:p>
-            <a:r>
-              <a:rPr lang="en-US" dirty="0" smtClean="0"/>
+            <a:endParaRPr lang="en-US" dirty="0"/>
+          </a:p>
+          <a:p>
+            <a:r>
+              <a:rPr lang="en-US" dirty="0"/>
               <a:t>The name of the files must reflect the data types and the </a:t>
             </a:r>
             <a:r>
-              <a:rPr lang="en-US" dirty="0" smtClean="0">
+              <a:rPr lang="en-US" dirty="0">
                 <a:solidFill>
                   <a:schemeClr val="accent5">
                     <a:lumMod val="20000"/>
@@ -9997,10 +9403,9 @@
               <a:t>@model </a:t>
             </a:r>
             <a:r>
-              <a:rPr lang="en-US" dirty="0" smtClean="0"/>
+              <a:rPr lang="en-US" dirty="0"/>
               <a:t>in them</a:t>
             </a:r>
-            <a:endParaRPr lang="en-US" dirty="0"/>
           </a:p>
         </p:txBody>
       </p:sp>
@@ -10097,13 +9502,6 @@
   <p:clrMapOvr>
     <a:masterClrMapping/>
   </p:clrMapOvr>
-  <p:timing>
-    <p:tnLst>
-      <p:par>
-        <p:cTn id="1" dur="indefinite" restart="never" nodeType="tmRoot"/>
-      </p:par>
-    </p:tnLst>
-  </p:timing>
 </p:sld>
 </file>
 
@@ -10140,10 +9538,9 @@
           <a:lstStyle/>
           <a:p>
             <a:r>
-              <a:rPr lang="en-US" dirty="0" smtClean="0"/>
+              <a:rPr lang="en-US" dirty="0"/>
               <a:t>Custom Templates</a:t>
             </a:r>
-            <a:endParaRPr lang="en-US" dirty="0"/>
           </a:p>
         </p:txBody>
       </p:sp>
@@ -10168,23 +9565,23 @@
           <a:lstStyle/>
           <a:p>
             <a:r>
-              <a:rPr lang="en-US" dirty="0" smtClean="0"/>
+              <a:rPr lang="en-US" dirty="0"/>
               <a:t>These view are normal view files</a:t>
             </a:r>
           </a:p>
           <a:p>
             <a:r>
-              <a:rPr lang="en-US" dirty="0" smtClean="0"/>
+              <a:rPr lang="en-US" dirty="0"/>
               <a:t>The framework will start using them instead of the default implementations</a:t>
             </a:r>
           </a:p>
           <a:p>
             <a:r>
-              <a:rPr lang="en-US" dirty="0" smtClean="0"/>
+              <a:rPr lang="en-US" dirty="0"/>
               <a:t>For example in the </a:t>
             </a:r>
             <a:r>
-              <a:rPr lang="en-US" dirty="0" err="1" smtClean="0">
+              <a:rPr lang="en-US" dirty="0" err="1">
                 <a:solidFill>
                   <a:schemeClr val="accent5">
                     <a:lumMod val="20000"/>
@@ -10194,7 +9591,7 @@
               </a:rPr>
               <a:t>String.cshtml</a:t>
             </a:r>
-            <a:endParaRPr lang="en-US" dirty="0" smtClean="0">
+            <a:endParaRPr lang="en-US" dirty="0">
               <a:solidFill>
                 <a:schemeClr val="accent5">
                   <a:lumMod val="20000"/>
@@ -10205,20 +9602,20 @@
           </a:p>
           <a:p>
             <a:r>
-              <a:rPr lang="en-US" dirty="0" smtClean="0"/>
+              <a:rPr lang="en-US" dirty="0"/>
               <a:t>Now all strings will be in paragraph</a:t>
             </a:r>
             <a:br>
-              <a:rPr lang="en-US" dirty="0" smtClean="0"/>
+              <a:rPr lang="en-US" dirty="0"/>
             </a:br>
             <a:r>
-              <a:rPr lang="en-US" dirty="0" smtClean="0"/>
+              <a:rPr lang="en-US" dirty="0"/>
               <a:t>element and will have quotes surrounding them</a:t>
             </a:r>
           </a:p>
           <a:p>
             <a:r>
-              <a:rPr lang="en-US" dirty="0" err="1" smtClean="0">
+              <a:rPr lang="en-US" dirty="0" err="1">
                 <a:solidFill>
                   <a:schemeClr val="accent5">
                     <a:lumMod val="20000"/>
@@ -10229,11 +9626,11 @@
               <a:t>DisplayFor</a:t>
             </a:r>
             <a:r>
-              <a:rPr lang="en-US" dirty="0" smtClean="0"/>
+              <a:rPr lang="en-US" dirty="0"/>
               <a:t>, </a:t>
             </a:r>
             <a:r>
-              <a:rPr lang="en-US" dirty="0" err="1" smtClean="0">
+              <a:rPr lang="en-US" dirty="0" err="1">
                 <a:solidFill>
                   <a:schemeClr val="accent5">
                     <a:lumMod val="20000"/>
@@ -10244,7 +9641,7 @@
               <a:t>EditorFor</a:t>
             </a:r>
             <a:r>
-              <a:rPr lang="en-US" dirty="0" smtClean="0">
+              <a:rPr lang="en-US" dirty="0">
                 <a:solidFill>
                   <a:schemeClr val="accent5">
                     <a:lumMod val="20000"/>
@@ -10255,13 +9652,13 @@
               <a:t> </a:t>
             </a:r>
             <a:r>
-              <a:rPr lang="en-US" dirty="0" smtClean="0"/>
+              <a:rPr lang="en-US" dirty="0"/>
               <a:t>-&gt; for properties</a:t>
             </a:r>
           </a:p>
           <a:p>
             <a:r>
-              <a:rPr lang="en-US" dirty="0" err="1" smtClean="0">
+              <a:rPr lang="en-US" dirty="0" err="1">
                 <a:solidFill>
                   <a:schemeClr val="accent5">
                     <a:lumMod val="20000"/>
@@ -10272,11 +9669,11 @@
               <a:t>DisplayForModel</a:t>
             </a:r>
             <a:r>
-              <a:rPr lang="en-US" dirty="0" smtClean="0"/>
+              <a:rPr lang="en-US" dirty="0"/>
               <a:t>, </a:t>
             </a:r>
             <a:r>
-              <a:rPr lang="en-US" dirty="0" err="1" smtClean="0">
+              <a:rPr lang="en-US" dirty="0" err="1">
                 <a:solidFill>
                   <a:schemeClr val="accent5">
                     <a:lumMod val="20000"/>
@@ -10287,7 +9684,7 @@
               <a:t>EditorForModel</a:t>
             </a:r>
             <a:r>
-              <a:rPr lang="en-US" dirty="0" smtClean="0">
+              <a:rPr lang="en-US" dirty="0">
                 <a:solidFill>
                   <a:schemeClr val="accent5">
                     <a:lumMod val="20000"/>
@@ -10298,10 +9695,9 @@
               <a:t> </a:t>
             </a:r>
             <a:r>
-              <a:rPr lang="en-US" dirty="0" smtClean="0"/>
+              <a:rPr lang="en-US" dirty="0"/>
               <a:t>-&gt; for model</a:t>
             </a:r>
-            <a:endParaRPr lang="en-US" dirty="0" smtClean="0"/>
           </a:p>
           <a:p>
             <a:endParaRPr lang="en-US" dirty="0"/>
@@ -10401,13 +9797,6 @@
   <p:clrMapOvr>
     <a:masterClrMapping/>
   </p:clrMapOvr>
-  <p:timing>
-    <p:tnLst>
-      <p:par>
-        <p:cTn id="1" dur="indefinite" restart="never" nodeType="tmRoot"/>
-      </p:par>
-    </p:tnLst>
-  </p:timing>
 </p:sld>
 </file>
 
@@ -10444,10 +9833,9 @@
           <a:lstStyle/>
           <a:p>
             <a:r>
-              <a:rPr lang="en-US" dirty="0" smtClean="0"/>
+              <a:rPr lang="en-US" dirty="0"/>
               <a:t>Custom Templates</a:t>
             </a:r>
-            <a:endParaRPr lang="en-US" dirty="0"/>
           </a:p>
         </p:txBody>
       </p:sp>
@@ -10472,23 +9860,23 @@
           <a:lstStyle/>
           <a:p>
             <a:r>
-              <a:rPr lang="en-US" dirty="0" smtClean="0"/>
+              <a:rPr lang="en-US" dirty="0"/>
               <a:t>These view are normal view files</a:t>
             </a:r>
           </a:p>
           <a:p>
             <a:r>
-              <a:rPr lang="en-US" dirty="0" smtClean="0"/>
+              <a:rPr lang="en-US" dirty="0"/>
               <a:t>The framework will start using them instead of the default implementations</a:t>
             </a:r>
           </a:p>
           <a:p>
             <a:r>
-              <a:rPr lang="en-US" dirty="0" smtClean="0"/>
+              <a:rPr lang="en-US" dirty="0"/>
               <a:t>For example in the </a:t>
             </a:r>
             <a:r>
-              <a:rPr lang="en-US" dirty="0" err="1" smtClean="0">
+              <a:rPr lang="en-US" dirty="0" err="1">
                 <a:solidFill>
                   <a:schemeClr val="accent5">
                     <a:lumMod val="20000"/>
@@ -10498,7 +9886,7 @@
               </a:rPr>
               <a:t>String.cshtml</a:t>
             </a:r>
-            <a:endParaRPr lang="en-US" dirty="0" smtClean="0">
+            <a:endParaRPr lang="en-US" dirty="0">
               <a:solidFill>
                 <a:schemeClr val="accent5">
                   <a:lumMod val="20000"/>
@@ -10509,20 +9897,20 @@
           </a:p>
           <a:p>
             <a:r>
-              <a:rPr lang="en-US" dirty="0" smtClean="0"/>
+              <a:rPr lang="en-US" dirty="0"/>
               <a:t>Now all strings will be in paragraph</a:t>
             </a:r>
             <a:br>
-              <a:rPr lang="en-US" dirty="0" smtClean="0"/>
+              <a:rPr lang="en-US" dirty="0"/>
             </a:br>
             <a:r>
-              <a:rPr lang="en-US" dirty="0" smtClean="0"/>
+              <a:rPr lang="en-US" dirty="0"/>
               <a:t>element and will have quotes surrounding them</a:t>
             </a:r>
           </a:p>
           <a:p>
             <a:r>
-              <a:rPr lang="en-US" dirty="0" err="1" smtClean="0">
+              <a:rPr lang="en-US" dirty="0" err="1">
                 <a:solidFill>
                   <a:schemeClr val="accent5">
                     <a:lumMod val="20000"/>
@@ -10533,11 +9921,11 @@
               <a:t>DisplayFor</a:t>
             </a:r>
             <a:r>
-              <a:rPr lang="en-US" dirty="0" smtClean="0"/>
+              <a:rPr lang="en-US" dirty="0"/>
               <a:t>, </a:t>
             </a:r>
             <a:r>
-              <a:rPr lang="en-US" dirty="0" err="1" smtClean="0">
+              <a:rPr lang="en-US" dirty="0" err="1">
                 <a:solidFill>
                   <a:schemeClr val="accent5">
                     <a:lumMod val="20000"/>
@@ -10548,7 +9936,7 @@
               <a:t>EditorFor</a:t>
             </a:r>
             <a:r>
-              <a:rPr lang="en-US" dirty="0" smtClean="0">
+              <a:rPr lang="en-US" dirty="0">
                 <a:solidFill>
                   <a:schemeClr val="accent5">
                     <a:lumMod val="20000"/>
@@ -10559,13 +9947,13 @@
               <a:t> </a:t>
             </a:r>
             <a:r>
-              <a:rPr lang="en-US" dirty="0" smtClean="0"/>
+              <a:rPr lang="en-US" dirty="0"/>
               <a:t>-&gt; for properties</a:t>
             </a:r>
           </a:p>
           <a:p>
             <a:r>
-              <a:rPr lang="en-US" dirty="0" err="1" smtClean="0">
+              <a:rPr lang="en-US" dirty="0" err="1">
                 <a:solidFill>
                   <a:schemeClr val="accent5">
                     <a:lumMod val="20000"/>
@@ -10576,11 +9964,11 @@
               <a:t>DisplayForModel</a:t>
             </a:r>
             <a:r>
-              <a:rPr lang="en-US" dirty="0" smtClean="0"/>
+              <a:rPr lang="en-US" dirty="0"/>
               <a:t>, </a:t>
             </a:r>
             <a:r>
-              <a:rPr lang="en-US" dirty="0" err="1" smtClean="0">
+              <a:rPr lang="en-US" dirty="0" err="1">
                 <a:solidFill>
                   <a:schemeClr val="accent5">
                     <a:lumMod val="20000"/>
@@ -10591,7 +9979,7 @@
               <a:t>EditorForModel</a:t>
             </a:r>
             <a:r>
-              <a:rPr lang="en-US" dirty="0" smtClean="0">
+              <a:rPr lang="en-US" dirty="0">
                 <a:solidFill>
                   <a:schemeClr val="accent5">
                     <a:lumMod val="20000"/>
@@ -10602,10 +9990,9 @@
               <a:t> </a:t>
             </a:r>
             <a:r>
-              <a:rPr lang="en-US" dirty="0" smtClean="0"/>
+              <a:rPr lang="en-US" dirty="0"/>
               <a:t>-&gt; for model</a:t>
             </a:r>
-            <a:endParaRPr lang="en-US" dirty="0" smtClean="0"/>
           </a:p>
           <a:p>
             <a:endParaRPr lang="en-US" dirty="0"/>
@@ -10705,13 +10092,6 @@
   <p:clrMapOvr>
     <a:masterClrMapping/>
   </p:clrMapOvr>
-  <p:timing>
-    <p:tnLst>
-      <p:par>
-        <p:cTn id="1" dur="indefinite" restart="never" nodeType="tmRoot"/>
-      </p:par>
-    </p:tnLst>
-  </p:timing>
 </p:sld>
 </file>
 
@@ -10748,7 +10128,7 @@
           <a:lstStyle/>
           <a:p>
             <a:r>
-              <a:rPr lang="en-US" dirty="0" smtClean="0"/>
+              <a:rPr lang="en-US" dirty="0"/>
               <a:t>Table of Contents</a:t>
             </a:r>
             <a:endParaRPr lang="bg-BG" dirty="0"/>
@@ -10776,13 +10156,13 @@
           <a:lstStyle/>
           <a:p>
             <a:r>
-              <a:rPr lang="en-US" dirty="0" smtClean="0"/>
+              <a:rPr lang="en-US" dirty="0"/>
               <a:t>Scaffolding</a:t>
             </a:r>
           </a:p>
           <a:p>
             <a:r>
-              <a:rPr lang="en-US" dirty="0" smtClean="0"/>
+              <a:rPr lang="en-US" dirty="0"/>
               <a:t>Model Binders</a:t>
             </a:r>
           </a:p>
@@ -10794,81 +10174,61 @@
           </a:p>
           <a:p>
             <a:r>
-              <a:rPr lang="en-US" dirty="0" smtClean="0"/>
-              <a:t>Data </a:t>
-            </a:r>
-            <a:r>
-              <a:rPr lang="en-US" dirty="0" smtClean="0"/>
-              <a:t>Validation</a:t>
-            </a:r>
-          </a:p>
-          <a:p>
-            <a:r>
-              <a:rPr lang="en-US" dirty="0" smtClean="0"/>
+              <a:rPr lang="en-US" dirty="0"/>
+              <a:t>Data Validation</a:t>
+            </a:r>
+          </a:p>
+          <a:p>
+            <a:r>
+              <a:rPr lang="en-US" dirty="0"/>
               <a:t>Session, </a:t>
             </a:r>
             <a:r>
-              <a:rPr lang="en-US" dirty="0" err="1" smtClean="0"/>
+              <a:rPr lang="en-US" dirty="0" err="1"/>
               <a:t>TempData</a:t>
             </a:r>
-            <a:endParaRPr lang="en-US" dirty="0" smtClean="0"/>
-          </a:p>
-          <a:p>
-            <a:r>
-              <a:rPr lang="en-US" dirty="0" smtClean="0"/>
-              <a:t>Working </a:t>
-            </a:r>
-            <a:r>
-              <a:rPr lang="en-US" dirty="0"/>
-              <a:t>with Data </a:t>
-            </a:r>
-            <a:r>
-              <a:rPr lang="en-US" dirty="0" smtClean="0"/>
-              <a:t>Source</a:t>
+            <a:endParaRPr lang="en-US" dirty="0"/>
+          </a:p>
+          <a:p>
+            <a:r>
+              <a:rPr lang="en-US" dirty="0"/>
+              <a:t>Working with Data Source</a:t>
             </a:r>
           </a:p>
           <a:p>
             <a:pPr lvl="1"/>
             <a:r>
-              <a:rPr lang="en-US" dirty="0" smtClean="0"/>
-              <a:t>Repository </a:t>
-            </a:r>
-            <a:r>
-              <a:rPr lang="en-US" dirty="0"/>
-              <a:t>Pattern</a:t>
+              <a:rPr lang="en-US" dirty="0"/>
+              <a:t>Repository Pattern</a:t>
             </a:r>
           </a:p>
           <a:p>
             <a:pPr lvl="1"/>
             <a:r>
               <a:rPr lang="en-US" dirty="0"/>
-              <a:t>Unit of Work </a:t>
-            </a:r>
-            <a:r>
-              <a:rPr lang="en-US" dirty="0" smtClean="0"/>
-              <a:t>Pattern</a:t>
+              <a:t>Unit of Work Pattern</a:t>
             </a:r>
           </a:p>
           <a:p>
             <a:pPr lvl="1"/>
             <a:r>
-              <a:rPr lang="en-US" dirty="0" err="1" smtClean="0"/>
+              <a:rPr lang="en-US" dirty="0" err="1"/>
               <a:t>Ninject</a:t>
             </a:r>
             <a:r>
-              <a:rPr lang="en-US" dirty="0" smtClean="0"/>
+              <a:rPr lang="en-US" dirty="0"/>
               <a:t> </a:t>
             </a:r>
             <a:r>
-              <a:rPr lang="en-US" dirty="0" err="1" smtClean="0"/>
+              <a:rPr lang="en-US" dirty="0" err="1"/>
               <a:t>IoC</a:t>
             </a:r>
             <a:r>
-              <a:rPr lang="en-US" dirty="0" smtClean="0"/>
+              <a:rPr lang="en-US" dirty="0"/>
               <a:t> and </a:t>
             </a:r>
             <a:r>
-              <a:rPr lang="en-US" dirty="0" err="1" smtClean="0"/>
+              <a:rPr lang="en-US" dirty="0" err="1"/>
               <a:t>AutoMapper</a:t>
             </a:r>
             <a:endParaRPr lang="en-US" dirty="0"/>
@@ -10993,13 +10353,6 @@
   <p:clrMapOvr>
     <a:masterClrMapping/>
   </p:clrMapOvr>
-  <p:timing>
-    <p:tnLst>
-      <p:par>
-        <p:cTn id="1" dur="indefinite" restart="never" nodeType="tmRoot"/>
-      </p:par>
-    </p:tnLst>
-  </p:timing>
 </p:sld>
 </file>
 
@@ -11036,10 +10389,9 @@
           <a:lstStyle/>
           <a:p>
             <a:r>
-              <a:rPr lang="en-US" dirty="0" smtClean="0"/>
+              <a:rPr lang="en-US" dirty="0"/>
               <a:t>Custom Templates</a:t>
             </a:r>
-            <a:endParaRPr lang="en-US" dirty="0"/>
           </a:p>
         </p:txBody>
       </p:sp>
@@ -11064,18 +10416,18 @@
           <a:lstStyle/>
           <a:p>
             <a:r>
-              <a:rPr lang="en-US" dirty="0" smtClean="0"/>
+              <a:rPr lang="en-US" dirty="0"/>
               <a:t>Passing additional information to the templates</a:t>
             </a:r>
           </a:p>
           <a:p>
             <a:pPr lvl="1"/>
             <a:r>
-              <a:rPr lang="en-US" dirty="0" smtClean="0"/>
+              <a:rPr lang="en-US" dirty="0"/>
               <a:t>There is an object "</a:t>
             </a:r>
             <a:r>
-              <a:rPr lang="en-US" dirty="0" err="1" smtClean="0">
+              <a:rPr lang="en-US" dirty="0" err="1">
                 <a:solidFill>
                   <a:schemeClr val="accent5">
                     <a:lumMod val="20000"/>
@@ -11086,14 +10438,14 @@
               <a:t>additionalViewData</a:t>
             </a:r>
             <a:r>
-              <a:rPr lang="en-US" dirty="0" smtClean="0"/>
+              <a:rPr lang="en-US" dirty="0"/>
               <a:t>" in the helper methods as parameter</a:t>
             </a:r>
           </a:p>
           <a:p>
             <a:pPr lvl="1"/>
             <a:r>
-              <a:rPr lang="en-US" dirty="0" smtClean="0"/>
+              <a:rPr lang="en-US" dirty="0"/>
               <a:t>You can pass anything there as anonymous type</a:t>
             </a:r>
           </a:p>
@@ -11104,11 +10456,11 @@
           <a:p>
             <a:pPr lvl="1"/>
             <a:r>
-              <a:rPr lang="en-US" dirty="0" smtClean="0"/>
+              <a:rPr lang="en-US" dirty="0"/>
               <a:t>And get the values from the </a:t>
             </a:r>
             <a:r>
-              <a:rPr lang="en-US" dirty="0" err="1" smtClean="0">
+              <a:rPr lang="en-US" dirty="0" err="1">
                 <a:solidFill>
                   <a:schemeClr val="accent5">
                     <a:lumMod val="20000"/>
@@ -11119,11 +10471,11 @@
               <a:t>ViewData</a:t>
             </a:r>
             <a:r>
-              <a:rPr lang="en-US" dirty="0" smtClean="0"/>
+              <a:rPr lang="en-US" dirty="0"/>
               <a:t>/</a:t>
             </a:r>
             <a:r>
-              <a:rPr lang="en-US" dirty="0" err="1" smtClean="0">
+              <a:rPr lang="en-US" dirty="0" err="1">
                 <a:solidFill>
                   <a:schemeClr val="accent5">
                     <a:lumMod val="20000"/>
@@ -11133,7 +10485,7 @@
               </a:rPr>
               <a:t>ViewBag</a:t>
             </a:r>
-            <a:endParaRPr lang="en-US" dirty="0" smtClean="0">
+            <a:endParaRPr lang="en-US" dirty="0">
               <a:solidFill>
                 <a:schemeClr val="accent5">
                   <a:lumMod val="20000"/>
@@ -11295,13 +10647,6 @@
   <p:clrMapOvr>
     <a:masterClrMapping/>
   </p:clrMapOvr>
-  <p:timing>
-    <p:tnLst>
-      <p:par>
-        <p:cTn id="1" dur="indefinite" restart="never" nodeType="tmRoot"/>
-      </p:par>
-    </p:tnLst>
-  </p:timing>
 </p:sld>
 </file>
 
@@ -11338,10 +10683,9 @@
           <a:lstStyle/>
           <a:p>
             <a:r>
-              <a:rPr lang="en-US" dirty="0" smtClean="0"/>
+              <a:rPr lang="en-US" dirty="0"/>
               <a:t>Custom Template Name</a:t>
             </a:r>
-            <a:endParaRPr lang="en-US" dirty="0"/>
           </a:p>
         </p:txBody>
       </p:sp>
@@ -11366,39 +10710,38 @@
           <a:lstStyle/>
           <a:p>
             <a:r>
-              <a:rPr lang="en-US" dirty="0" smtClean="0"/>
+              <a:rPr lang="en-US" dirty="0"/>
               <a:t>Sometimes you need two templates for one data type</a:t>
             </a:r>
           </a:p>
           <a:p>
             <a:pPr lvl="1"/>
             <a:r>
-              <a:rPr lang="en-US" dirty="0" smtClean="0"/>
+              <a:rPr lang="en-US" dirty="0"/>
               <a:t>Create the template with custom name</a:t>
             </a:r>
           </a:p>
           <a:p>
             <a:pPr lvl="1"/>
             <a:r>
-              <a:rPr lang="en-US" dirty="0" smtClean="0"/>
+              <a:rPr lang="en-US" dirty="0"/>
               <a:t>Decorate the property in the model with the </a:t>
             </a:r>
             <a:r>
-              <a:rPr lang="en-US" dirty="0" err="1" smtClean="0"/>
+              <a:rPr lang="en-US" dirty="0" err="1"/>
               <a:t>UIHint</a:t>
             </a:r>
             <a:r>
-              <a:rPr lang="en-US" dirty="0" smtClean="0"/>
+              <a:rPr lang="en-US" dirty="0"/>
               <a:t> attribute specifying the template name</a:t>
             </a:r>
           </a:p>
           <a:p>
             <a:pPr lvl="1"/>
             <a:r>
-              <a:rPr lang="en-US" dirty="0" smtClean="0"/>
+              <a:rPr lang="en-US" dirty="0"/>
               <a:t>You can set the name in the helpers too</a:t>
             </a:r>
-            <a:endParaRPr lang="en-US" dirty="0"/>
           </a:p>
         </p:txBody>
       </p:sp>
@@ -11603,13 +10946,6 @@
   <p:clrMapOvr>
     <a:masterClrMapping/>
   </p:clrMapOvr>
-  <p:timing>
-    <p:tnLst>
-      <p:par>
-        <p:cTn id="1" dur="indefinite" restart="never" nodeType="tmRoot"/>
-      </p:par>
-    </p:tnLst>
-  </p:timing>
 </p:sld>
 </file>
 
@@ -11656,7 +10992,7 @@
               </a:lnSpc>
             </a:pPr>
             <a:r>
-              <a:rPr lang="en-US" dirty="0" smtClean="0"/>
+              <a:rPr lang="en-US" dirty="0"/>
               <a:t>Data Validation</a:t>
             </a:r>
             <a:endParaRPr lang="bg-BG" dirty="0"/>
@@ -11784,13 +11120,6 @@
     <a:masterClrMapping/>
   </p:clrMapOvr>
   <p:transition/>
-  <p:timing>
-    <p:tnLst>
-      <p:par>
-        <p:cTn id="1" dur="indefinite" restart="never" nodeType="tmRoot"/>
-      </p:par>
-    </p:tnLst>
-  </p:timing>
 </p:sld>
 </file>
 
@@ -11850,12 +11179,8 @@
           <a:lstStyle/>
           <a:p>
             <a:r>
-              <a:rPr lang="en-US" dirty="0" smtClean="0"/>
-              <a:t>Attributes </a:t>
-            </a:r>
-            <a:r>
-              <a:rPr lang="en-US" dirty="0"/>
-              <a:t>defined in </a:t>
+              <a:rPr lang="en-US" dirty="0"/>
+              <a:t>Attributes defined in </a:t>
             </a:r>
             <a:r>
               <a:rPr lang="en-US" dirty="0" err="1">
@@ -11872,20 +11197,11 @@
               <a:rPr lang="en-US" dirty="0"/>
               <a:t> </a:t>
             </a:r>
-            <a:endParaRPr lang="en-US" dirty="0" smtClean="0"/>
-          </a:p>
-          <a:p>
-            <a:r>
-              <a:rPr lang="en-US" dirty="0" smtClean="0"/>
-              <a:t>Covers </a:t>
-            </a:r>
-            <a:r>
-              <a:rPr lang="en-US" dirty="0"/>
-              <a:t>common validation </a:t>
-            </a:r>
-            <a:r>
-              <a:rPr lang="en-US" dirty="0" smtClean="0"/>
-              <a:t>patterns</a:t>
+          </a:p>
+          <a:p>
+            <a:r>
+              <a:rPr lang="en-US" dirty="0"/>
+              <a:t>Covers common validation patterns</a:t>
             </a:r>
           </a:p>
           <a:p>
@@ -11927,7 +11243,7 @@
             <a:endParaRPr lang="en-US" b="0" dirty="0"/>
           </a:p>
           <a:p>
-            <a:endParaRPr lang="en-US" dirty="0" smtClean="0"/>
+            <a:endParaRPr lang="en-US" dirty="0"/>
           </a:p>
         </p:txBody>
       </p:sp>
@@ -12007,13 +11323,6 @@
   <p:clrMapOvr>
     <a:masterClrMapping/>
   </p:clrMapOvr>
-  <p:timing>
-    <p:tnLst>
-      <p:par>
-        <p:cTn id="1" dur="indefinite" restart="never" nodeType="tmRoot"/>
-      </p:par>
-    </p:tnLst>
-  </p:timing>
 </p:sld>
 </file>
 
@@ -12051,21 +11360,8 @@
           <a:p>
             <a:r>
               <a:rPr lang="en-US" dirty="0"/>
-              <a:t>Data </a:t>
-            </a:r>
-            <a:r>
-              <a:rPr lang="en-US" dirty="0" smtClean="0"/>
-              <a:t>Validation </a:t>
-            </a:r>
-            <a:r>
-              <a:rPr lang="en-US" dirty="0"/>
-              <a:t>A</a:t>
-            </a:r>
-            <a:r>
-              <a:rPr lang="en-US" dirty="0" smtClean="0"/>
-              <a:t>ttributes</a:t>
-            </a:r>
-            <a:endParaRPr lang="en-US" dirty="0"/>
+              <a:t>Data Validation Attributes</a:t>
+            </a:r>
           </a:p>
         </p:txBody>
       </p:sp>
@@ -12123,8 +11419,20 @@
                 <a:tableStyleId>{073A0DAA-6AF3-43AB-8588-CEC1D06C72B9}</a:tableStyleId>
               </a:tblPr>
               <a:tblGrid>
-                <a:gridCol w="1981200"/>
-                <a:gridCol w="5943600"/>
+                <a:gridCol w="1981200">
+                  <a:extLst>
+                    <a:ext uri="{9D8B030D-6E8A-4147-A177-3AD203B41FA5}">
+                      <a16:colId xmlns:a16="http://schemas.microsoft.com/office/drawing/2014/main" val="20000"/>
+                    </a:ext>
+                  </a:extLst>
+                </a:gridCol>
+                <a:gridCol w="5943600">
+                  <a:extLst>
+                    <a:ext uri="{9D8B030D-6E8A-4147-A177-3AD203B41FA5}">
+                      <a16:colId xmlns:a16="http://schemas.microsoft.com/office/drawing/2014/main" val="20001"/>
+                    </a:ext>
+                  </a:extLst>
+                </a:gridCol>
               </a:tblGrid>
               <a:tr h="370840">
                 <a:tc>
@@ -12133,10 +11441,9 @@
                     <a:lstStyle/>
                     <a:p>
                       <a:r>
-                        <a:rPr lang="en-US" dirty="0" smtClean="0"/>
+                        <a:rPr lang="en-US" dirty="0"/>
                         <a:t>Attribute</a:t>
                       </a:r>
-                      <a:endParaRPr lang="en-US" dirty="0"/>
                     </a:p>
                   </a:txBody>
                   <a:tcPr/>
@@ -12147,14 +11454,18 @@
                     <a:lstStyle/>
                     <a:p>
                       <a:r>
-                        <a:rPr lang="en-US" dirty="0" smtClean="0"/>
+                        <a:rPr lang="en-US" dirty="0"/>
                         <a:t>Description</a:t>
                       </a:r>
-                      <a:endParaRPr lang="en-US" dirty="0"/>
                     </a:p>
                   </a:txBody>
                   <a:tcPr/>
                 </a:tc>
+                <a:extLst>
+                  <a:ext uri="{0D108BD9-81ED-4DB2-BD59-A6C34878D82A}">
+                    <a16:rowId xmlns:a16="http://schemas.microsoft.com/office/drawing/2014/main" val="10000"/>
+                  </a:ext>
+                </a:extLst>
               </a:tr>
               <a:tr h="370840">
                 <a:tc>
@@ -12163,7 +11474,7 @@
                     <a:lstStyle/>
                     <a:p>
                       <a:r>
-                        <a:rPr lang="en-US" sz="1800" b="0" i="1" u="none" strike="noStrike" kern="1200" baseline="0" dirty="0" smtClean="0">
+                        <a:rPr lang="en-US" sz="1800" b="0" i="1" u="none" strike="noStrike" kern="1200" baseline="0" dirty="0">
                           <a:solidFill>
                             <a:schemeClr val="dk1"/>
                           </a:solidFill>
@@ -12184,7 +11495,7 @@
                     <a:lstStyle/>
                     <a:p>
                       <a:r>
-                        <a:rPr lang="en-US" sz="1800" b="0" i="0" u="none" strike="noStrike" kern="1200" baseline="0" dirty="0" smtClean="0">
+                        <a:rPr lang="en-US" sz="1800" b="0" i="0" u="none" strike="noStrike" kern="1200" baseline="0" dirty="0">
                           <a:solidFill>
                             <a:schemeClr val="dk1"/>
                           </a:solidFill>
@@ -12199,6 +11510,11 @@
                   </a:txBody>
                   <a:tcPr/>
                 </a:tc>
+                <a:extLst>
+                  <a:ext uri="{0D108BD9-81ED-4DB2-BD59-A6C34878D82A}">
+                    <a16:rowId xmlns:a16="http://schemas.microsoft.com/office/drawing/2014/main" val="10001"/>
+                  </a:ext>
+                </a:extLst>
               </a:tr>
               <a:tr h="370840">
                 <a:tc>
@@ -12207,7 +11523,7 @@
                     <a:lstStyle/>
                     <a:p>
                       <a:r>
-                        <a:rPr lang="en-US" sz="1800" b="0" i="1" u="none" strike="noStrike" kern="1200" baseline="0" dirty="0" err="1" smtClean="0">
+                        <a:rPr lang="en-US" sz="1800" b="0" i="1" u="none" strike="noStrike" kern="1200" baseline="0" dirty="0" err="1">
                           <a:solidFill>
                             <a:schemeClr val="dk1"/>
                           </a:solidFill>
@@ -12228,7 +11544,7 @@
                     <a:lstStyle/>
                     <a:p>
                       <a:r>
-                        <a:rPr lang="en-US" sz="1800" b="0" i="0" u="none" strike="noStrike" kern="1200" baseline="0" dirty="0" smtClean="0">
+                        <a:rPr lang="en-US" sz="1800" b="0" i="0" u="none" strike="noStrike" kern="1200" baseline="0" dirty="0">
                           <a:solidFill>
                             <a:schemeClr val="dk1"/>
                           </a:solidFill>
@@ -12243,6 +11559,11 @@
                   </a:txBody>
                   <a:tcPr/>
                 </a:tc>
+                <a:extLst>
+                  <a:ext uri="{0D108BD9-81ED-4DB2-BD59-A6C34878D82A}">
+                    <a16:rowId xmlns:a16="http://schemas.microsoft.com/office/drawing/2014/main" val="10002"/>
+                  </a:ext>
+                </a:extLst>
               </a:tr>
               <a:tr h="370840">
                 <a:tc>
@@ -12251,7 +11572,7 @@
                     <a:lstStyle/>
                     <a:p>
                       <a:r>
-                        <a:rPr lang="en-US" sz="1800" b="0" i="1" u="none" strike="noStrike" kern="1200" baseline="0" dirty="0" err="1" smtClean="0">
+                        <a:rPr lang="en-US" sz="1800" b="0" i="1" u="none" strike="noStrike" kern="1200" baseline="0" dirty="0" err="1">
                           <a:solidFill>
                             <a:schemeClr val="dk1"/>
                           </a:solidFill>
@@ -12272,7 +11593,7 @@
                     <a:lstStyle/>
                     <a:p>
                       <a:r>
-                        <a:rPr lang="en-US" sz="1800" b="0" i="0" u="none" strike="noStrike" kern="1200" baseline="0" dirty="0" smtClean="0">
+                        <a:rPr lang="en-US" sz="1800" b="0" i="0" u="none" strike="noStrike" kern="1200" baseline="0" dirty="0">
                           <a:solidFill>
                             <a:schemeClr val="dk1"/>
                           </a:solidFill>
@@ -12287,6 +11608,11 @@
                   </a:txBody>
                   <a:tcPr/>
                 </a:tc>
+                <a:extLst>
+                  <a:ext uri="{0D108BD9-81ED-4DB2-BD59-A6C34878D82A}">
+                    <a16:rowId xmlns:a16="http://schemas.microsoft.com/office/drawing/2014/main" val="10003"/>
+                  </a:ext>
+                </a:extLst>
               </a:tr>
               <a:tr h="370840">
                 <a:tc>
@@ -12295,7 +11621,7 @@
                     <a:lstStyle/>
                     <a:p>
                       <a:r>
-                        <a:rPr lang="en-US" sz="1800" b="0" i="1" u="none" strike="noStrike" kern="1200" baseline="0" dirty="0" smtClean="0">
+                        <a:rPr lang="en-US" sz="1800" b="0" i="1" u="none" strike="noStrike" kern="1200" baseline="0" dirty="0">
                           <a:solidFill>
                             <a:schemeClr val="dk1"/>
                           </a:solidFill>
@@ -12316,7 +11642,7 @@
                     <a:lstStyle/>
                     <a:p>
                       <a:r>
-                        <a:rPr lang="en-US" sz="1800" b="0" i="0" u="none" strike="noStrike" kern="1200" baseline="0" dirty="0" smtClean="0">
+                        <a:rPr lang="en-US" sz="1800" b="0" i="0" u="none" strike="noStrike" kern="1200" baseline="0" dirty="0">
                           <a:solidFill>
                             <a:schemeClr val="dk1"/>
                           </a:solidFill>
@@ -12331,6 +11657,11 @@
                   </a:txBody>
                   <a:tcPr/>
                 </a:tc>
+                <a:extLst>
+                  <a:ext uri="{0D108BD9-81ED-4DB2-BD59-A6C34878D82A}">
+                    <a16:rowId xmlns:a16="http://schemas.microsoft.com/office/drawing/2014/main" val="10004"/>
+                  </a:ext>
+                </a:extLst>
               </a:tr>
               <a:tr h="370840">
                 <a:tc>
@@ -12339,7 +11670,7 @@
                     <a:lstStyle/>
                     <a:p>
                       <a:r>
-                        <a:rPr lang="en-US" sz="1800" b="0" i="1" u="none" strike="noStrike" kern="1200" baseline="0" dirty="0" err="1" smtClean="0">
+                        <a:rPr lang="en-US" sz="1800" b="0" i="1" u="none" strike="noStrike" kern="1200" baseline="0" dirty="0" err="1">
                           <a:solidFill>
                             <a:schemeClr val="dk1"/>
                           </a:solidFill>
@@ -12360,7 +11691,7 @@
                     <a:lstStyle/>
                     <a:p>
                       <a:r>
-                        <a:rPr lang="en-US" sz="1800" b="0" i="0" u="none" strike="noStrike" kern="1200" baseline="0" dirty="0" smtClean="0">
+                        <a:rPr lang="en-US" sz="1800" b="0" i="0" u="none" strike="noStrike" kern="1200" baseline="0" dirty="0">
                           <a:solidFill>
                             <a:schemeClr val="dk1"/>
                           </a:solidFill>
@@ -12375,6 +11706,11 @@
                   </a:txBody>
                   <a:tcPr/>
                 </a:tc>
+                <a:extLst>
+                  <a:ext uri="{0D108BD9-81ED-4DB2-BD59-A6C34878D82A}">
+                    <a16:rowId xmlns:a16="http://schemas.microsoft.com/office/drawing/2014/main" val="10005"/>
+                  </a:ext>
+                </a:extLst>
               </a:tr>
               <a:tr h="370840">
                 <a:tc>
@@ -12383,7 +11719,7 @@
                     <a:lstStyle/>
                     <a:p>
                       <a:r>
-                        <a:rPr lang="en-US" sz="1800" b="0" i="1" u="none" strike="noStrike" kern="1200" baseline="0" dirty="0" smtClean="0">
+                        <a:rPr lang="en-US" sz="1800" b="0" i="1" u="none" strike="noStrike" kern="1200" baseline="0" dirty="0">
                           <a:solidFill>
                             <a:schemeClr val="dk1"/>
                           </a:solidFill>
@@ -12404,7 +11740,7 @@
                     <a:lstStyle/>
                     <a:p>
                       <a:r>
-                        <a:rPr lang="en-US" sz="1800" b="0" i="0" u="none" strike="noStrike" kern="1200" baseline="0" dirty="0" smtClean="0">
+                        <a:rPr lang="en-US" sz="1800" b="0" i="0" u="none" strike="noStrike" kern="1200" baseline="0" dirty="0">
                           <a:solidFill>
                             <a:schemeClr val="dk1"/>
                           </a:solidFill>
@@ -12419,6 +11755,11 @@
                   </a:txBody>
                   <a:tcPr/>
                 </a:tc>
+                <a:extLst>
+                  <a:ext uri="{0D108BD9-81ED-4DB2-BD59-A6C34878D82A}">
+                    <a16:rowId xmlns:a16="http://schemas.microsoft.com/office/drawing/2014/main" val="10006"/>
+                  </a:ext>
+                </a:extLst>
               </a:tr>
               <a:tr h="370840">
                 <a:tc>
@@ -12427,7 +11768,7 @@
                     <a:lstStyle/>
                     <a:p>
                       <a:r>
-                        <a:rPr lang="en-US" sz="1800" b="0" i="1" u="none" strike="noStrike" kern="1200" baseline="0" dirty="0" smtClean="0">
+                        <a:rPr lang="en-US" sz="1800" b="0" i="1" u="none" strike="noStrike" kern="1200" baseline="0" dirty="0">
                           <a:solidFill>
                             <a:schemeClr val="dk1"/>
                           </a:solidFill>
@@ -12448,7 +11789,7 @@
                     <a:lstStyle/>
                     <a:p>
                       <a:r>
-                        <a:rPr lang="en-US" sz="1800" b="0" i="0" u="none" strike="noStrike" kern="1200" baseline="0" dirty="0" smtClean="0">
+                        <a:rPr lang="en-US" sz="1800" b="0" i="0" u="none" strike="noStrike" kern="1200" baseline="0" dirty="0">
                           <a:solidFill>
                             <a:schemeClr val="dk1"/>
                           </a:solidFill>
@@ -12463,6 +11804,11 @@
                   </a:txBody>
                   <a:tcPr/>
                 </a:tc>
+                <a:extLst>
+                  <a:ext uri="{0D108BD9-81ED-4DB2-BD59-A6C34878D82A}">
+                    <a16:rowId xmlns:a16="http://schemas.microsoft.com/office/drawing/2014/main" val="10007"/>
+                  </a:ext>
+                </a:extLst>
               </a:tr>
               <a:tr h="370840">
                 <a:tc>
@@ -12471,7 +11817,7 @@
                     <a:lstStyle/>
                     <a:p>
                       <a:r>
-                        <a:rPr lang="en-US" sz="1800" b="0" i="1" u="none" strike="noStrike" kern="1200" baseline="0" dirty="0" err="1" smtClean="0">
+                        <a:rPr lang="en-US" sz="1800" b="0" i="1" u="none" strike="noStrike" kern="1200" baseline="0" dirty="0" err="1">
                           <a:solidFill>
                             <a:schemeClr val="dk1"/>
                           </a:solidFill>
@@ -12492,7 +11838,7 @@
                     <a:lstStyle/>
                     <a:p>
                       <a:r>
-                        <a:rPr lang="en-US" sz="1800" b="0" i="0" u="none" strike="noStrike" kern="1200" baseline="0" dirty="0" smtClean="0">
+                        <a:rPr lang="en-US" sz="1800" b="0" i="0" u="none" strike="noStrike" kern="1200" baseline="0" dirty="0">
                           <a:solidFill>
                             <a:schemeClr val="dk1"/>
                           </a:solidFill>
@@ -12507,6 +11853,11 @@
                   </a:txBody>
                   <a:tcPr/>
                 </a:tc>
+                <a:extLst>
+                  <a:ext uri="{0D108BD9-81ED-4DB2-BD59-A6C34878D82A}">
+                    <a16:rowId xmlns:a16="http://schemas.microsoft.com/office/drawing/2014/main" val="10008"/>
+                  </a:ext>
+                </a:extLst>
               </a:tr>
             </a:tbl>
           </a:graphicData>
@@ -12522,13 +11873,6 @@
   <p:clrMapOvr>
     <a:masterClrMapping/>
   </p:clrMapOvr>
-  <p:timing>
-    <p:tnLst>
-      <p:par>
-        <p:cTn id="1" dur="indefinite" restart="never" nodeType="tmRoot"/>
-      </p:par>
-    </p:tnLst>
-  </p:timing>
 </p:sld>
 </file>
 
@@ -12587,23 +11931,23 @@
           <a:lstStyle/>
           <a:p>
             <a:r>
-              <a:rPr lang="en-US" dirty="0" smtClean="0"/>
+              <a:rPr lang="en-US" dirty="0"/>
               <a:t>Custom attributes</a:t>
             </a:r>
           </a:p>
           <a:p>
             <a:r>
-              <a:rPr lang="en-US" dirty="0" smtClean="0"/>
+              <a:rPr lang="en-US" dirty="0"/>
               <a:t>Inherit </a:t>
             </a:r>
             <a:r>
-              <a:rPr lang="en-US" dirty="0" err="1" smtClean="0"/>
+              <a:rPr lang="en-US" dirty="0" err="1"/>
               <a:t>ValidationAttribute</a:t>
             </a:r>
             <a:endParaRPr lang="en-US" dirty="0"/>
           </a:p>
           <a:p>
-            <a:endParaRPr lang="en-US" dirty="0" smtClean="0"/>
+            <a:endParaRPr lang="en-US" dirty="0"/>
           </a:p>
         </p:txBody>
       </p:sp>
@@ -12680,13 +12024,6 @@
   <p:clrMapOvr>
     <a:masterClrMapping/>
   </p:clrMapOvr>
-  <p:timing>
-    <p:tnLst>
-      <p:par>
-        <p:cTn id="1" dur="indefinite" restart="never" nodeType="tmRoot"/>
-      </p:par>
-    </p:tnLst>
-  </p:timing>
 </p:sld>
 </file>
 
@@ -12723,10 +12060,9 @@
           <a:lstStyle/>
           <a:p>
             <a:r>
-              <a:rPr lang="en-US" dirty="0" smtClean="0"/>
+              <a:rPr lang="en-US" dirty="0"/>
               <a:t>Validating Model – Controller</a:t>
             </a:r>
-            <a:endParaRPr lang="en-US" dirty="0"/>
           </a:p>
         </p:txBody>
       </p:sp>
@@ -12746,24 +12082,23 @@
           <a:lstStyle/>
           <a:p>
             <a:r>
-              <a:rPr lang="en-US" dirty="0" err="1" smtClean="0"/>
+              <a:rPr lang="en-US" dirty="0" err="1"/>
               <a:t>ModelState.IsValid</a:t>
             </a:r>
             <a:r>
-              <a:rPr lang="en-US" dirty="0" smtClean="0"/>
+              <a:rPr lang="en-US" dirty="0"/>
               <a:t> – will give us information about the data validation success</a:t>
             </a:r>
           </a:p>
           <a:p>
             <a:r>
-              <a:rPr lang="en-US" dirty="0" err="1" smtClean="0"/>
+              <a:rPr lang="en-US" dirty="0" err="1"/>
               <a:t>ModelState.AddModelError</a:t>
             </a:r>
             <a:r>
-              <a:rPr lang="en-US" dirty="0" smtClean="0"/>
+              <a:rPr lang="en-US" dirty="0"/>
               <a:t> – custom error</a:t>
             </a:r>
-            <a:endParaRPr lang="en-US" dirty="0"/>
           </a:p>
         </p:txBody>
       </p:sp>
@@ -12840,13 +12175,6 @@
   <p:clrMapOvr>
     <a:masterClrMapping/>
   </p:clrMapOvr>
-  <p:timing>
-    <p:tnLst>
-      <p:par>
-        <p:cTn id="1" dur="indefinite" restart="never" nodeType="tmRoot"/>
-      </p:par>
-    </p:tnLst>
-  </p:timing>
 </p:sld>
 </file>
 
@@ -12883,10 +12211,9 @@
           <a:lstStyle/>
           <a:p>
             <a:r>
-              <a:rPr lang="en-US" dirty="0" smtClean="0"/>
+              <a:rPr lang="en-US" dirty="0"/>
               <a:t>Validating Model – View</a:t>
             </a:r>
-            <a:endParaRPr lang="en-US" dirty="0"/>
           </a:p>
         </p:txBody>
       </p:sp>
@@ -12906,7 +12233,7 @@
           <a:lstStyle/>
           <a:p>
             <a:r>
-              <a:rPr lang="en-US" dirty="0" smtClean="0">
+              <a:rPr lang="en-US" dirty="0">
                 <a:solidFill>
                   <a:schemeClr val="accent6">
                     <a:lumMod val="20000"/>
@@ -12917,7 +12244,7 @@
               <a:t>@</a:t>
             </a:r>
             <a:r>
-              <a:rPr lang="en-US" dirty="0" err="1" smtClean="0">
+              <a:rPr lang="en-US" dirty="0" err="1">
                 <a:solidFill>
                   <a:schemeClr val="accent6">
                     <a:lumMod val="20000"/>
@@ -12928,7 +12255,7 @@
               <a:t>Html.ValidationSummary</a:t>
             </a:r>
             <a:r>
-              <a:rPr lang="en-US" dirty="0" smtClean="0">
+              <a:rPr lang="en-US" dirty="0">
                 <a:solidFill>
                   <a:schemeClr val="accent6">
                     <a:lumMod val="20000"/>
@@ -12939,13 +12266,13 @@
               <a:t> </a:t>
             </a:r>
             <a:r>
-              <a:rPr lang="en-US" dirty="0" smtClean="0"/>
+              <a:rPr lang="en-US" dirty="0"/>
               <a:t>– output errors</a:t>
             </a:r>
           </a:p>
           <a:p>
             <a:r>
-              <a:rPr lang="en-US" dirty="0" smtClean="0">
+              <a:rPr lang="en-US" dirty="0">
                 <a:solidFill>
                   <a:schemeClr val="accent6">
                     <a:lumMod val="20000"/>
@@ -12956,7 +12283,7 @@
               <a:t>@</a:t>
             </a:r>
             <a:r>
-              <a:rPr lang="en-US" dirty="0" err="1" smtClean="0">
+              <a:rPr lang="en-US" dirty="0" err="1">
                 <a:solidFill>
                   <a:schemeClr val="accent6">
                     <a:lumMod val="20000"/>
@@ -12967,7 +12294,7 @@
               <a:t>Html.ValidationMessageFor</a:t>
             </a:r>
             <a:r>
-              <a:rPr lang="en-US" dirty="0" smtClean="0">
+              <a:rPr lang="en-US" dirty="0">
                 <a:solidFill>
                   <a:schemeClr val="accent6">
                     <a:lumMod val="20000"/>
@@ -12978,10 +12305,9 @@
               <a:t>(…)</a:t>
             </a:r>
             <a:r>
-              <a:rPr lang="en-US" dirty="0" smtClean="0"/>
+              <a:rPr lang="en-US" dirty="0"/>
               <a:t> – outputs validation message for specified property</a:t>
             </a:r>
-            <a:endParaRPr lang="en-US" dirty="0"/>
           </a:p>
         </p:txBody>
       </p:sp>
@@ -13126,7 +12452,7 @@
           <a:lstStyle/>
           <a:p>
             <a:r>
-              <a:rPr lang="en-US" sz="1600" b="1" dirty="0" smtClean="0">
+              <a:rPr lang="en-US" sz="1600" b="1" dirty="0">
                 <a:solidFill>
                   <a:schemeClr val="bg1"/>
                 </a:solidFill>
@@ -13214,25 +12540,17 @@
           <a:lstStyle/>
           <a:p>
             <a:r>
-              <a:rPr lang="en-US" sz="1600" b="1" dirty="0" smtClean="0">
+              <a:rPr lang="en-US" sz="1600" b="1" dirty="0">
                 <a:solidFill>
                   <a:schemeClr val="bg1"/>
                 </a:solidFill>
               </a:rPr>
-              <a:t>jQuery validation library required for unobtrusive JavaScript </a:t>
-            </a:r>
-            <a:r>
-              <a:rPr lang="en-US" sz="1600" b="1" dirty="0" smtClean="0">
-                <a:solidFill>
-                  <a:schemeClr val="bg1"/>
-                </a:solidFill>
-              </a:rPr>
-              <a:t>validation</a:t>
-            </a:r>
-          </a:p>
-          <a:p>
-            <a:r>
-              <a:rPr lang="en-US" sz="1600" b="1" dirty="0" smtClean="0">
+              <a:t>jQuery validation library required for unobtrusive JavaScript validation</a:t>
+            </a:r>
+          </a:p>
+          <a:p>
+            <a:r>
+              <a:rPr lang="en-US" sz="1600" b="1" dirty="0">
                 <a:solidFill>
                   <a:schemeClr val="bg1"/>
                 </a:solidFill>
@@ -13240,14 +12558,14 @@
               <a:t>P.S. Check </a:t>
             </a:r>
             <a:r>
-              <a:rPr lang="en-US" sz="1600" b="1" dirty="0" err="1" smtClean="0">
+              <a:rPr lang="en-US" sz="1600" b="1" dirty="0" err="1">
                 <a:solidFill>
                   <a:schemeClr val="bg1"/>
                 </a:solidFill>
               </a:rPr>
               <a:t>web.config</a:t>
             </a:r>
-            <a:endParaRPr lang="en-US" sz="1600" b="1" dirty="0" smtClean="0">
+            <a:endParaRPr lang="en-US" sz="1600" b="1" dirty="0">
               <a:solidFill>
                 <a:schemeClr val="bg1"/>
               </a:solidFill>
@@ -13481,10 +12799,9 @@
           <a:lstStyle/>
           <a:p>
             <a:r>
-              <a:rPr lang="en-US" dirty="0" smtClean="0"/>
+              <a:rPr lang="en-US" dirty="0"/>
               <a:t>Class-Level Model Validation</a:t>
             </a:r>
-            <a:endParaRPr lang="en-US" dirty="0"/>
           </a:p>
         </p:txBody>
       </p:sp>
@@ -13512,11 +12829,11 @@
               </a:spcAft>
             </a:pPr>
             <a:r>
-              <a:rPr lang="en-US" dirty="0" smtClean="0"/>
+              <a:rPr lang="en-US" dirty="0"/>
               <a:t>Your model should implemented </a:t>
             </a:r>
             <a:r>
-              <a:rPr lang="en-US" dirty="0" err="1" smtClean="0">
+              <a:rPr lang="en-US" dirty="0" err="1">
                 <a:solidFill>
                   <a:schemeClr val="accent5">
                     <a:lumMod val="20000"/>
@@ -13526,7 +12843,7 @@
               </a:rPr>
               <a:t>IValidatableObject</a:t>
             </a:r>
-            <a:endParaRPr lang="en-US" dirty="0" smtClean="0">
+            <a:endParaRPr lang="en-US" dirty="0">
               <a:solidFill>
                 <a:schemeClr val="accent5">
                   <a:lumMod val="20000"/>
@@ -13545,11 +12862,11 @@
               </a:spcAft>
             </a:pPr>
             <a:r>
-              <a:rPr lang="en-US" dirty="0" smtClean="0"/>
+              <a:rPr lang="en-US" dirty="0"/>
               <a:t>From now on, </a:t>
             </a:r>
             <a:r>
-              <a:rPr lang="en-US" dirty="0" smtClean="0">
+              <a:rPr lang="en-US" dirty="0">
                 <a:solidFill>
                   <a:schemeClr val="accent5">
                     <a:lumMod val="20000"/>
@@ -13560,11 +12877,11 @@
               <a:t>MVC</a:t>
             </a:r>
             <a:r>
-              <a:rPr lang="en-US" dirty="0" smtClean="0"/>
+              <a:rPr lang="en-US" dirty="0"/>
               <a:t> (works with </a:t>
             </a:r>
             <a:r>
-              <a:rPr lang="en-US" dirty="0" smtClean="0">
+              <a:rPr lang="en-US" dirty="0">
                 <a:solidFill>
                   <a:schemeClr val="accent5">
                     <a:lumMod val="20000"/>
@@ -13575,10 +12892,9 @@
               <a:t>EF</a:t>
             </a:r>
             <a:r>
-              <a:rPr lang="en-US" dirty="0" smtClean="0"/>
+              <a:rPr lang="en-US" dirty="0"/>
               <a:t> too) will validate the object by your custom rules</a:t>
             </a:r>
-            <a:endParaRPr lang="en-US" dirty="0" smtClean="0"/>
           </a:p>
         </p:txBody>
       </p:sp>
@@ -13662,13 +12978,6 @@
   <p:clrMapOvr>
     <a:masterClrMapping/>
   </p:clrMapOvr>
-  <p:timing>
-    <p:tnLst>
-      <p:par>
-        <p:cTn id="1" dur="indefinite" restart="never" nodeType="tmRoot"/>
-      </p:par>
-    </p:tnLst>
-  </p:timing>
 </p:sld>
 </file>
 
@@ -13715,7 +13024,7 @@
               </a:lnSpc>
             </a:pPr>
             <a:r>
-              <a:rPr lang="en-US" dirty="0" smtClean="0"/>
+              <a:rPr lang="en-US" dirty="0"/>
               <a:t>Other Annotations</a:t>
             </a:r>
             <a:endParaRPr lang="bg-BG" dirty="0"/>
@@ -13822,13 +13131,6 @@
     <a:masterClrMapping/>
   </p:clrMapOvr>
   <p:transition/>
-  <p:timing>
-    <p:tnLst>
-      <p:par>
-        <p:cTn id="1" dur="indefinite" restart="never" nodeType="tmRoot"/>
-      </p:par>
-    </p:tnLst>
-  </p:timing>
 </p:sld>
 </file>
 
@@ -13875,7 +13177,7 @@
               </a:lnSpc>
             </a:pPr>
             <a:r>
-              <a:rPr lang="en-US" dirty="0" smtClean="0"/>
+              <a:rPr lang="en-US" dirty="0"/>
               <a:t>Scaffolding</a:t>
             </a:r>
             <a:endParaRPr lang="bg-BG" dirty="0"/>
@@ -13927,13 +13229,6 @@
     <a:masterClrMapping/>
   </p:clrMapOvr>
   <p:transition/>
-  <p:timing>
-    <p:tnLst>
-      <p:par>
-        <p:cTn id="1" dur="indefinite" restart="never" nodeType="tmRoot"/>
-      </p:par>
-    </p:tnLst>
-  </p:timing>
 </p:sld>
 </file>
 
@@ -14030,8 +13325,20 @@
                 <a:tableStyleId>{073A0DAA-6AF3-43AB-8588-CEC1D06C72B9}</a:tableStyleId>
               </a:tblPr>
               <a:tblGrid>
-                <a:gridCol w="1828800"/>
-                <a:gridCol w="4876800"/>
+                <a:gridCol w="1828800">
+                  <a:extLst>
+                    <a:ext uri="{9D8B030D-6E8A-4147-A177-3AD203B41FA5}">
+                      <a16:colId xmlns:a16="http://schemas.microsoft.com/office/drawing/2014/main" val="20000"/>
+                    </a:ext>
+                  </a:extLst>
+                </a:gridCol>
+                <a:gridCol w="4876800">
+                  <a:extLst>
+                    <a:ext uri="{9D8B030D-6E8A-4147-A177-3AD203B41FA5}">
+                      <a16:colId xmlns:a16="http://schemas.microsoft.com/office/drawing/2014/main" val="20001"/>
+                    </a:ext>
+                  </a:extLst>
+                </a:gridCol>
               </a:tblGrid>
               <a:tr h="370840">
                 <a:tc>
@@ -14040,10 +13347,9 @@
                     <a:lstStyle/>
                     <a:p>
                       <a:r>
-                        <a:rPr lang="en-US" dirty="0" smtClean="0"/>
+                        <a:rPr lang="en-US" dirty="0"/>
                         <a:t>Attribute</a:t>
                       </a:r>
-                      <a:endParaRPr lang="en-US" dirty="0"/>
                     </a:p>
                   </a:txBody>
                   <a:tcPr/>
@@ -14054,14 +13360,18 @@
                     <a:lstStyle/>
                     <a:p>
                       <a:r>
-                        <a:rPr lang="en-US" dirty="0" smtClean="0"/>
+                        <a:rPr lang="en-US" dirty="0"/>
                         <a:t>Description</a:t>
                       </a:r>
-                      <a:endParaRPr lang="en-US" dirty="0"/>
                     </a:p>
                   </a:txBody>
                   <a:tcPr/>
                 </a:tc>
+                <a:extLst>
+                  <a:ext uri="{0D108BD9-81ED-4DB2-BD59-A6C34878D82A}">
+                    <a16:rowId xmlns:a16="http://schemas.microsoft.com/office/drawing/2014/main" val="10000"/>
+                  </a:ext>
+                </a:extLst>
               </a:tr>
               <a:tr h="370840">
                 <a:tc>
@@ -14087,7 +13397,7 @@
                         <a:defRPr/>
                       </a:pPr>
                       <a:r>
-                        <a:rPr lang="en-US" sz="1800" b="0" i="1" u="none" strike="noStrike" kern="1200" baseline="0" dirty="0" err="1" smtClean="0">
+                        <a:rPr lang="en-US" sz="1800" b="0" i="1" u="none" strike="noStrike" kern="1200" baseline="0" dirty="0" err="1">
                           <a:solidFill>
                             <a:schemeClr val="dk1"/>
                           </a:solidFill>
@@ -14097,7 +13407,7 @@
                         </a:rPr>
                         <a:t>DisplayColumn</a:t>
                       </a:r>
-                      <a:endParaRPr lang="en-US" sz="1800" b="0" i="1" u="none" strike="noStrike" kern="1200" baseline="0" dirty="0" smtClean="0">
+                      <a:endParaRPr lang="en-US" sz="1800" b="0" i="1" u="none" strike="noStrike" kern="1200" baseline="0" dirty="0">
                         <a:solidFill>
                           <a:schemeClr val="dk1"/>
                         </a:solidFill>
@@ -14132,7 +13442,7 @@
                         <a:defRPr/>
                       </a:pPr>
                       <a:r>
-                        <a:rPr lang="en-US" sz="1800" b="0" i="0" u="none" strike="noStrike" kern="1200" baseline="0" dirty="0" smtClean="0">
+                        <a:rPr lang="en-US" sz="1800" b="0" i="0" u="none" strike="noStrike" kern="1200" baseline="0" dirty="0">
                           <a:solidFill>
                             <a:schemeClr val="dk1"/>
                           </a:solidFill>
@@ -14146,6 +13456,11 @@
                   </a:txBody>
                   <a:tcPr/>
                 </a:tc>
+                <a:extLst>
+                  <a:ext uri="{0D108BD9-81ED-4DB2-BD59-A6C34878D82A}">
+                    <a16:rowId xmlns:a16="http://schemas.microsoft.com/office/drawing/2014/main" val="10001"/>
+                  </a:ext>
+                </a:extLst>
               </a:tr>
               <a:tr h="370840">
                 <a:tc>
@@ -14171,7 +13486,7 @@
                         <a:defRPr/>
                       </a:pPr>
                       <a:r>
-                        <a:rPr lang="en-US" sz="1800" b="0" i="1" u="none" strike="noStrike" kern="1200" baseline="0" dirty="0" err="1" smtClean="0">
+                        <a:rPr lang="en-US" sz="1800" b="0" i="1" u="none" strike="noStrike" kern="1200" baseline="0" dirty="0" err="1">
                           <a:solidFill>
                             <a:schemeClr val="dk1"/>
                           </a:solidFill>
@@ -14181,7 +13496,7 @@
                         </a:rPr>
                         <a:t>HiddenInput</a:t>
                       </a:r>
-                      <a:endParaRPr lang="en-US" sz="1800" b="0" i="1" u="none" strike="noStrike" kern="1200" baseline="0" dirty="0" smtClean="0">
+                      <a:endParaRPr lang="en-US" sz="1800" b="0" i="1" u="none" strike="noStrike" kern="1200" baseline="0" dirty="0">
                         <a:solidFill>
                           <a:schemeClr val="dk1"/>
                         </a:solidFill>
@@ -14216,7 +13531,7 @@
                         <a:defRPr/>
                       </a:pPr>
                       <a:r>
-                        <a:rPr lang="en-US" sz="1800" b="0" i="0" u="none" strike="noStrike" kern="1200" baseline="0" dirty="0" smtClean="0">
+                        <a:rPr lang="en-US" sz="1800" b="0" i="0" u="none" strike="noStrike" kern="1200" baseline="0" dirty="0">
                           <a:solidFill>
                             <a:schemeClr val="dk1"/>
                           </a:solidFill>
@@ -14230,6 +13545,11 @@
                   </a:txBody>
                   <a:tcPr/>
                 </a:tc>
+                <a:extLst>
+                  <a:ext uri="{0D108BD9-81ED-4DB2-BD59-A6C34878D82A}">
+                    <a16:rowId xmlns:a16="http://schemas.microsoft.com/office/drawing/2014/main" val="10002"/>
+                  </a:ext>
+                </a:extLst>
               </a:tr>
               <a:tr h="370840">
                 <a:tc>
@@ -14255,7 +13575,7 @@
                         <a:defRPr/>
                       </a:pPr>
                       <a:r>
-                        <a:rPr lang="en-US" sz="1800" b="0" i="1" u="none" strike="noStrike" kern="1200" baseline="0" dirty="0" err="1" smtClean="0">
+                        <a:rPr lang="en-US" sz="1800" b="0" i="1" u="none" strike="noStrike" kern="1200" baseline="0" dirty="0" err="1">
                           <a:solidFill>
                             <a:schemeClr val="dk1"/>
                           </a:solidFill>
@@ -14265,7 +13585,7 @@
                         </a:rPr>
                         <a:t>UIHint</a:t>
                       </a:r>
-                      <a:endParaRPr lang="en-US" sz="1800" b="0" i="1" u="none" strike="noStrike" kern="1200" baseline="0" dirty="0" smtClean="0">
+                      <a:endParaRPr lang="en-US" sz="1800" b="0" i="1" u="none" strike="noStrike" kern="1200" baseline="0" dirty="0">
                         <a:solidFill>
                           <a:schemeClr val="dk1"/>
                         </a:solidFill>
@@ -14300,7 +13620,7 @@
                         <a:defRPr/>
                       </a:pPr>
                       <a:r>
-                        <a:rPr lang="en-US" sz="1800" b="0" i="0" u="none" strike="noStrike" kern="1200" baseline="0" dirty="0" smtClean="0">
+                        <a:rPr lang="en-US" sz="1800" b="0" i="0" u="none" strike="noStrike" kern="1200" baseline="0" dirty="0">
                           <a:solidFill>
                             <a:schemeClr val="dk1"/>
                           </a:solidFill>
@@ -14314,6 +13634,11 @@
                   </a:txBody>
                   <a:tcPr/>
                 </a:tc>
+                <a:extLst>
+                  <a:ext uri="{0D108BD9-81ED-4DB2-BD59-A6C34878D82A}">
+                    <a16:rowId xmlns:a16="http://schemas.microsoft.com/office/drawing/2014/main" val="10003"/>
+                  </a:ext>
+                </a:extLst>
               </a:tr>
               <a:tr h="370840">
                 <a:tc>
@@ -14339,7 +13664,7 @@
                         <a:defRPr/>
                       </a:pPr>
                       <a:r>
-                        <a:rPr lang="en-US" sz="1800" b="0" i="1" u="none" strike="noStrike" kern="1200" baseline="0" dirty="0" err="1" smtClean="0">
+                        <a:rPr lang="en-US" sz="1800" b="0" i="1" u="none" strike="noStrike" kern="1200" baseline="0" dirty="0" err="1">
                           <a:solidFill>
                             <a:schemeClr val="dk1"/>
                           </a:solidFill>
@@ -14349,7 +13674,7 @@
                         </a:rPr>
                         <a:t>DataType</a:t>
                       </a:r>
-                      <a:endParaRPr lang="en-US" sz="1800" b="0" i="1" u="none" strike="noStrike" kern="1200" baseline="0" dirty="0" smtClean="0">
+                      <a:endParaRPr lang="en-US" sz="1800" b="0" i="1" u="none" strike="noStrike" kern="1200" baseline="0" dirty="0">
                         <a:solidFill>
                           <a:schemeClr val="dk1"/>
                         </a:solidFill>
@@ -14384,7 +13709,7 @@
                         <a:defRPr/>
                       </a:pPr>
                       <a:r>
-                        <a:rPr lang="en-US" sz="1800" b="0" i="0" u="none" strike="noStrike" kern="1200" baseline="0" dirty="0" smtClean="0">
+                        <a:rPr lang="en-US" sz="1800" b="0" i="0" u="none" strike="noStrike" kern="1200" baseline="0" dirty="0">
                           <a:solidFill>
                             <a:schemeClr val="dk1"/>
                           </a:solidFill>
@@ -14398,6 +13723,11 @@
                   </a:txBody>
                   <a:tcPr/>
                 </a:tc>
+                <a:extLst>
+                  <a:ext uri="{0D108BD9-81ED-4DB2-BD59-A6C34878D82A}">
+                    <a16:rowId xmlns:a16="http://schemas.microsoft.com/office/drawing/2014/main" val="10004"/>
+                  </a:ext>
+                </a:extLst>
               </a:tr>
               <a:tr h="370840">
                 <a:tc>
@@ -14423,7 +13753,7 @@
                         <a:defRPr/>
                       </a:pPr>
                       <a:r>
-                        <a:rPr lang="en-US" sz="1800" b="0" i="1" u="none" strike="noStrike" kern="1200" baseline="0" dirty="0" err="1" smtClean="0">
+                        <a:rPr lang="en-US" sz="1800" b="0" i="1" u="none" strike="noStrike" kern="1200" baseline="0" dirty="0" err="1">
                           <a:solidFill>
                             <a:schemeClr val="dk1"/>
                           </a:solidFill>
@@ -14433,7 +13763,7 @@
                         </a:rPr>
                         <a:t>ReadOnly</a:t>
                       </a:r>
-                      <a:endParaRPr lang="en-US" sz="1800" b="0" i="1" u="none" strike="noStrike" kern="1200" baseline="0" dirty="0" smtClean="0">
+                      <a:endParaRPr lang="en-US" sz="1800" b="0" i="1" u="none" strike="noStrike" kern="1200" baseline="0" dirty="0">
                         <a:solidFill>
                           <a:schemeClr val="dk1"/>
                         </a:solidFill>
@@ -14468,7 +13798,7 @@
                         <a:defRPr/>
                       </a:pPr>
                       <a:r>
-                        <a:rPr lang="en-US" sz="1800" b="0" i="0" u="none" strike="noStrike" kern="1200" baseline="0" dirty="0" smtClean="0">
+                        <a:rPr lang="en-US" sz="1800" b="0" i="0" u="none" strike="noStrike" kern="1200" baseline="0" dirty="0">
                           <a:solidFill>
                             <a:schemeClr val="dk1"/>
                           </a:solidFill>
@@ -14482,6 +13812,11 @@
                   </a:txBody>
                   <a:tcPr/>
                 </a:tc>
+                <a:extLst>
+                  <a:ext uri="{0D108BD9-81ED-4DB2-BD59-A6C34878D82A}">
+                    <a16:rowId xmlns:a16="http://schemas.microsoft.com/office/drawing/2014/main" val="10005"/>
+                  </a:ext>
+                </a:extLst>
               </a:tr>
               <a:tr h="370840">
                 <a:tc>
@@ -14507,7 +13842,7 @@
                         <a:defRPr/>
                       </a:pPr>
                       <a:r>
-                        <a:rPr lang="en-US" sz="1800" b="0" i="1" u="none" strike="noStrike" kern="1200" baseline="0" dirty="0" err="1" smtClean="0">
+                        <a:rPr lang="en-US" sz="1800" b="0" i="1" u="none" strike="noStrike" kern="1200" baseline="0" dirty="0" err="1">
                           <a:solidFill>
                             <a:schemeClr val="dk1"/>
                           </a:solidFill>
@@ -14517,7 +13852,7 @@
                         </a:rPr>
                         <a:t>DisplayFormat</a:t>
                       </a:r>
-                      <a:endParaRPr lang="en-US" sz="1800" b="0" i="1" u="none" strike="noStrike" kern="1200" baseline="0" dirty="0" smtClean="0">
+                      <a:endParaRPr lang="en-US" sz="1800" b="0" i="1" u="none" strike="noStrike" kern="1200" baseline="0" dirty="0">
                         <a:solidFill>
                           <a:schemeClr val="dk1"/>
                         </a:solidFill>
@@ -14535,7 +13870,7 @@
                     <a:lstStyle/>
                     <a:p>
                       <a:r>
-                        <a:rPr lang="en-US" sz="1800" b="0" i="0" u="none" strike="noStrike" kern="1200" baseline="0" dirty="0" smtClean="0">
+                        <a:rPr lang="en-US" sz="1800" b="0" i="0" u="none" strike="noStrike" kern="1200" baseline="0" dirty="0">
                           <a:solidFill>
                             <a:schemeClr val="dk1"/>
                           </a:solidFill>
@@ -14549,6 +13884,11 @@
                   </a:txBody>
                   <a:tcPr/>
                 </a:tc>
+                <a:extLst>
+                  <a:ext uri="{0D108BD9-81ED-4DB2-BD59-A6C34878D82A}">
+                    <a16:rowId xmlns:a16="http://schemas.microsoft.com/office/drawing/2014/main" val="10006"/>
+                  </a:ext>
+                </a:extLst>
               </a:tr>
               <a:tr h="370840">
                 <a:tc>
@@ -14574,7 +13914,7 @@
                         <a:defRPr/>
                       </a:pPr>
                       <a:r>
-                        <a:rPr lang="en-US" sz="1800" b="0" i="1" u="none" strike="noStrike" kern="1200" baseline="0" dirty="0" err="1" smtClean="0">
+                        <a:rPr lang="en-US" sz="1800" b="0" i="1" u="none" strike="noStrike" kern="1200" baseline="0" dirty="0" err="1">
                           <a:solidFill>
                             <a:schemeClr val="dk1"/>
                           </a:solidFill>
@@ -14584,7 +13924,7 @@
                         </a:rPr>
                         <a:t>ScaffoldColumn</a:t>
                       </a:r>
-                      <a:endParaRPr lang="en-US" sz="1800" b="0" i="1" u="none" strike="noStrike" kern="1200" baseline="0" dirty="0" smtClean="0">
+                      <a:endParaRPr lang="en-US" sz="1800" b="0" i="1" u="none" strike="noStrike" kern="1200" baseline="0" dirty="0">
                         <a:solidFill>
                           <a:schemeClr val="dk1"/>
                         </a:solidFill>
@@ -14619,7 +13959,7 @@
                         <a:defRPr/>
                       </a:pPr>
                       <a:r>
-                        <a:rPr lang="en-US" sz="1800" b="0" i="0" u="none" strike="noStrike" kern="1200" baseline="0" dirty="0" smtClean="0">
+                        <a:rPr lang="en-US" sz="1800" b="0" i="0" u="none" strike="noStrike" kern="1200" baseline="0" dirty="0">
                           <a:solidFill>
                             <a:schemeClr val="dk1"/>
                           </a:solidFill>
@@ -14633,6 +13973,11 @@
                   </a:txBody>
                   <a:tcPr/>
                 </a:tc>
+                <a:extLst>
+                  <a:ext uri="{0D108BD9-81ED-4DB2-BD59-A6C34878D82A}">
+                    <a16:rowId xmlns:a16="http://schemas.microsoft.com/office/drawing/2014/main" val="10007"/>
+                  </a:ext>
+                </a:extLst>
               </a:tr>
               <a:tr h="370840">
                 <a:tc>
@@ -14658,7 +14003,7 @@
                         <a:defRPr/>
                       </a:pPr>
                       <a:r>
-                        <a:rPr lang="en-US" sz="1800" b="0" i="1" u="none" strike="noStrike" kern="1200" baseline="0" dirty="0" err="1" smtClean="0">
+                        <a:rPr lang="en-US" sz="1800" b="0" i="1" u="none" strike="noStrike" kern="1200" baseline="0" dirty="0" err="1">
                           <a:solidFill>
                             <a:schemeClr val="dk1"/>
                           </a:solidFill>
@@ -14668,7 +14013,7 @@
                         </a:rPr>
                         <a:t>DisplayName</a:t>
                       </a:r>
-                      <a:endParaRPr lang="en-US" sz="1800" b="0" i="1" u="none" strike="noStrike" kern="1200" baseline="0" dirty="0" smtClean="0">
+                      <a:endParaRPr lang="en-US" sz="1800" b="0" i="1" u="none" strike="noStrike" kern="1200" baseline="0" dirty="0">
                         <a:solidFill>
                           <a:schemeClr val="dk1"/>
                         </a:solidFill>
@@ -14703,7 +14048,7 @@
                         <a:defRPr/>
                       </a:pPr>
                       <a:r>
-                        <a:rPr lang="en-US" sz="1800" b="0" i="0" u="none" strike="noStrike" kern="1200" baseline="0" dirty="0" smtClean="0">
+                        <a:rPr lang="en-US" sz="1800" b="0" i="0" u="none" strike="noStrike" kern="1200" baseline="0" dirty="0">
                           <a:solidFill>
                             <a:schemeClr val="dk1"/>
                           </a:solidFill>
@@ -14717,6 +14062,11 @@
                   </a:txBody>
                   <a:tcPr/>
                 </a:tc>
+                <a:extLst>
+                  <a:ext uri="{0D108BD9-81ED-4DB2-BD59-A6C34878D82A}">
+                    <a16:rowId xmlns:a16="http://schemas.microsoft.com/office/drawing/2014/main" val="10008"/>
+                  </a:ext>
+                </a:extLst>
               </a:tr>
               <a:tr h="370840">
                 <a:tc>
@@ -14742,7 +14092,7 @@
                         <a:defRPr/>
                       </a:pPr>
                       <a:r>
-                        <a:rPr lang="en-US" sz="1800" b="0" i="1" u="none" strike="noStrike" kern="1200" baseline="0" dirty="0" smtClean="0">
+                        <a:rPr lang="en-US" sz="1800" b="0" i="1" u="none" strike="noStrike" kern="1200" baseline="0" dirty="0">
                           <a:solidFill>
                             <a:schemeClr val="dk1"/>
                           </a:solidFill>
@@ -14779,7 +14129,7 @@
                         <a:defRPr/>
                       </a:pPr>
                       <a:r>
-                        <a:rPr lang="en-US" sz="1800" b="0" i="0" u="none" strike="noStrike" kern="1200" baseline="0" dirty="0" smtClean="0">
+                        <a:rPr lang="en-US" sz="1800" b="0" i="0" u="none" strike="noStrike" kern="1200" baseline="0" dirty="0">
                           <a:solidFill>
                             <a:schemeClr val="dk1"/>
                           </a:solidFill>
@@ -14789,18 +14139,15 @@
                         </a:rPr>
                         <a:t>Tells the model binder which properties to include/exclude</a:t>
                       </a:r>
-                      <a:endParaRPr lang="en-US" sz="1800" b="0" i="0" u="none" strike="noStrike" kern="1200" baseline="0" dirty="0" smtClean="0">
-                        <a:solidFill>
-                          <a:schemeClr val="dk1"/>
-                        </a:solidFill>
-                        <a:latin typeface="+mn-lt"/>
-                        <a:ea typeface="+mn-ea"/>
-                        <a:cs typeface="+mn-cs"/>
-                      </a:endParaRPr>
                     </a:p>
                   </a:txBody>
                   <a:tcPr/>
                 </a:tc>
+                <a:extLst>
+                  <a:ext uri="{0D108BD9-81ED-4DB2-BD59-A6C34878D82A}">
+                    <a16:rowId xmlns:a16="http://schemas.microsoft.com/office/drawing/2014/main" val="10009"/>
+                  </a:ext>
+                </a:extLst>
               </a:tr>
             </a:tbl>
           </a:graphicData>
@@ -14816,13 +14163,6 @@
   <p:clrMapOvr>
     <a:masterClrMapping/>
   </p:clrMapOvr>
-  <p:timing>
-    <p:tnLst>
-      <p:par>
-        <p:cTn id="1" dur="indefinite" restart="never" nodeType="tmRoot"/>
-      </p:par>
-    </p:tnLst>
-  </p:timing>
 </p:sld>
 </file>
 
@@ -14869,15 +14209,15 @@
               </a:lnSpc>
             </a:pPr>
             <a:r>
-              <a:rPr lang="en-US" dirty="0" smtClean="0"/>
+              <a:rPr lang="en-US" dirty="0"/>
               <a:t>Session, </a:t>
             </a:r>
             <a:r>
-              <a:rPr lang="en-US" dirty="0" err="1" smtClean="0"/>
+              <a:rPr lang="en-US" dirty="0" err="1"/>
               <a:t>TempData</a:t>
             </a:r>
             <a:r>
-              <a:rPr lang="en-US" dirty="0" smtClean="0"/>
+              <a:rPr lang="en-US" dirty="0"/>
               <a:t>, Cache</a:t>
             </a:r>
             <a:endParaRPr lang="bg-BG" dirty="0"/>
@@ -14982,13 +14322,6 @@
     <a:masterClrMapping/>
   </p:clrMapOvr>
   <p:transition/>
-  <p:timing>
-    <p:tnLst>
-      <p:par>
-        <p:cTn id="1" dur="indefinite" restart="never" nodeType="tmRoot"/>
-      </p:par>
-    </p:tnLst>
-  </p:timing>
 </p:sld>
 </file>
 
@@ -15025,10 +14358,9 @@
           <a:lstStyle/>
           <a:p>
             <a:r>
-              <a:rPr lang="en-US" dirty="0" smtClean="0"/>
+              <a:rPr lang="en-US" dirty="0"/>
               <a:t>Session</a:t>
             </a:r>
-            <a:endParaRPr lang="en-US" dirty="0"/>
           </a:p>
         </p:txBody>
       </p:sp>
@@ -15053,16 +14385,16 @@
           <a:lstStyle/>
           <a:p>
             <a:r>
-              <a:rPr lang="en-US" dirty="0" smtClean="0"/>
+              <a:rPr lang="en-US" dirty="0"/>
               <a:t>Each client has session id, which ASP.NET stores</a:t>
             </a:r>
           </a:p>
           <a:p>
             <a:r>
-              <a:rPr lang="en-US" dirty="0" smtClean="0"/>
+              <a:rPr lang="en-US" dirty="0"/>
               <a:t>You can use it to store information in the memory of the application</a:t>
             </a:r>
-            <a:endParaRPr lang="en-US" dirty="0" smtClean="0">
+            <a:endParaRPr lang="en-US" dirty="0">
               <a:solidFill>
                 <a:schemeClr val="accent5">
                   <a:lumMod val="20000"/>
@@ -15166,13 +14498,6 @@
   <p:clrMapOvr>
     <a:masterClrMapping/>
   </p:clrMapOvr>
-  <p:timing>
-    <p:tnLst>
-      <p:par>
-        <p:cTn id="1" dur="indefinite" restart="never" nodeType="tmRoot"/>
-      </p:par>
-    </p:tnLst>
-  </p:timing>
 </p:sld>
 </file>
 
@@ -15209,7 +14534,7 @@
           <a:lstStyle/>
           <a:p>
             <a:r>
-              <a:rPr lang="en-US" dirty="0" err="1" smtClean="0"/>
+              <a:rPr lang="en-US" dirty="0" err="1"/>
               <a:t>TempData</a:t>
             </a:r>
             <a:endParaRPr lang="en-US" dirty="0"/>
@@ -15237,7 +14562,7 @@
           <a:lstStyle/>
           <a:p>
             <a:r>
-              <a:rPr lang="en-US" dirty="0" err="1" smtClean="0">
+              <a:rPr lang="en-US" dirty="0" err="1">
                 <a:solidFill>
                   <a:schemeClr val="accent5">
                     <a:lumMod val="20000"/>
@@ -15248,7 +14573,7 @@
               <a:t>TempData</a:t>
             </a:r>
             <a:r>
-              <a:rPr lang="en-US" dirty="0" smtClean="0">
+              <a:rPr lang="en-US" dirty="0">
                 <a:solidFill>
                   <a:schemeClr val="accent5">
                     <a:lumMod val="20000"/>
@@ -15259,22 +14584,22 @@
               <a:t> </a:t>
             </a:r>
             <a:r>
-              <a:rPr lang="en-US" dirty="0" smtClean="0"/>
+              <a:rPr lang="en-US" dirty="0"/>
               <a:t>can be used like a dictionary</a:t>
             </a:r>
           </a:p>
           <a:p>
             <a:r>
-              <a:rPr lang="en-US" dirty="0" smtClean="0"/>
+              <a:rPr lang="en-US" dirty="0"/>
               <a:t>Each saved value lasts for the current and the next request</a:t>
             </a:r>
           </a:p>
           <a:p>
             <a:r>
-              <a:rPr lang="en-US" dirty="0" smtClean="0"/>
+              <a:rPr lang="en-US" dirty="0"/>
               <a:t>Perfect for redirects</a:t>
             </a:r>
-            <a:endParaRPr lang="en-US" dirty="0" smtClean="0">
+            <a:endParaRPr lang="en-US" dirty="0">
               <a:solidFill>
                 <a:schemeClr val="accent5">
                   <a:lumMod val="20000"/>
@@ -15378,13 +14703,6 @@
   <p:clrMapOvr>
     <a:masterClrMapping/>
   </p:clrMapOvr>
-  <p:timing>
-    <p:tnLst>
-      <p:par>
-        <p:cTn id="1" dur="indefinite" restart="never" nodeType="tmRoot"/>
-      </p:par>
-    </p:tnLst>
-  </p:timing>
 </p:sld>
 </file>
 
@@ -15421,10 +14739,9 @@
           <a:lstStyle/>
           <a:p>
             <a:r>
-              <a:rPr lang="en-US" dirty="0" smtClean="0"/>
+              <a:rPr lang="en-US" dirty="0"/>
               <a:t>Cache</a:t>
             </a:r>
-            <a:endParaRPr lang="en-US" dirty="0"/>
           </a:p>
         </p:txBody>
       </p:sp>
@@ -15449,24 +14766,24 @@
           <a:lstStyle/>
           <a:p>
             <a:r>
-              <a:rPr lang="en-US" dirty="0" smtClean="0"/>
+              <a:rPr lang="en-US" dirty="0"/>
               <a:t>You can save global data into the Cache</a:t>
             </a:r>
           </a:p>
           <a:p>
             <a:r>
-              <a:rPr lang="en-US" dirty="0" smtClean="0"/>
+              <a:rPr lang="en-US" dirty="0"/>
               <a:t>It works like dictionary</a:t>
             </a:r>
           </a:p>
           <a:p>
             <a:r>
-              <a:rPr lang="en-US" dirty="0" smtClean="0"/>
+              <a:rPr lang="en-US" dirty="0"/>
               <a:t>It is not per client, but rather global</a:t>
             </a:r>
           </a:p>
           <a:p>
-            <a:endParaRPr lang="en-US" dirty="0" smtClean="0">
+            <a:endParaRPr lang="en-US" dirty="0">
               <a:solidFill>
                 <a:schemeClr val="accent5">
                   <a:lumMod val="20000"/>
@@ -15570,13 +14887,6 @@
   <p:clrMapOvr>
     <a:masterClrMapping/>
   </p:clrMapOvr>
-  <p:timing>
-    <p:tnLst>
-      <p:par>
-        <p:cTn id="1" dur="indefinite" restart="never" nodeType="tmRoot"/>
-      </p:par>
-    </p:tnLst>
-  </p:timing>
 </p:sld>
 </file>
 
@@ -15619,13 +14929,8 @@
           <a:p>
             <a:r>
               <a:rPr lang="en-US" dirty="0"/>
-              <a:t>Working </a:t>
-            </a:r>
-            <a:r>
-              <a:rPr lang="en-US" dirty="0" smtClean="0"/>
-              <a:t>with Data Source</a:t>
-            </a:r>
-            <a:endParaRPr lang="en-US" dirty="0"/>
+              <a:t>Working with Data Source</a:t>
+            </a:r>
           </a:p>
         </p:txBody>
       </p:sp>
@@ -15650,10 +14955,9 @@
           <a:lstStyle/>
           <a:p>
             <a:r>
-              <a:rPr lang="en-US" dirty="0" smtClean="0"/>
+              <a:rPr lang="en-US" dirty="0"/>
               <a:t>Repository pattern and Unit of Work pattern</a:t>
             </a:r>
-            <a:endParaRPr lang="en-US" dirty="0"/>
           </a:p>
         </p:txBody>
       </p:sp>
@@ -15717,13 +15021,6 @@
   <p:clrMapOvr>
     <a:masterClrMapping/>
   </p:clrMapOvr>
-  <p:timing>
-    <p:tnLst>
-      <p:par>
-        <p:cTn id="1" dur="indefinite" restart="never" nodeType="tmRoot"/>
-      </p:par>
-    </p:tnLst>
-  </p:timing>
 </p:sld>
 </file>
 
@@ -15760,10 +15057,9 @@
           <a:lstStyle/>
           <a:p>
             <a:r>
-              <a:rPr lang="en-US" dirty="0" smtClean="0"/>
+              <a:rPr lang="en-US" dirty="0"/>
               <a:t>Repository Pattern</a:t>
             </a:r>
-            <a:endParaRPr lang="en-US" dirty="0"/>
           </a:p>
         </p:txBody>
       </p:sp>
@@ -15784,39 +15080,27 @@
           <a:p>
             <a:r>
               <a:rPr lang="en-US" dirty="0"/>
-              <a:t>Separate business code from data </a:t>
-            </a:r>
-            <a:r>
-              <a:rPr lang="en-US" dirty="0" smtClean="0"/>
-              <a:t>access</a:t>
+              <a:t>Separate business code from data access</a:t>
             </a:r>
           </a:p>
           <a:p>
             <a:pPr lvl="1"/>
             <a:r>
               <a:rPr lang="en-US" dirty="0"/>
-              <a:t>Separation of </a:t>
-            </a:r>
-            <a:r>
-              <a:rPr lang="en-US" dirty="0" smtClean="0"/>
-              <a:t>concerns</a:t>
+              <a:t>Separation of concerns</a:t>
             </a:r>
           </a:p>
           <a:p>
             <a:pPr lvl="1"/>
             <a:r>
-              <a:rPr lang="en-US" dirty="0" smtClean="0"/>
+              <a:rPr lang="en-US" dirty="0"/>
               <a:t>Testability</a:t>
             </a:r>
           </a:p>
           <a:p>
             <a:r>
               <a:rPr lang="en-US" dirty="0"/>
-              <a:t>Encapsulate data </a:t>
-            </a:r>
-            <a:r>
-              <a:rPr lang="en-US" dirty="0" smtClean="0"/>
-              <a:t>access</a:t>
+              <a:t>Encapsulate data access</a:t>
             </a:r>
           </a:p>
           <a:p>
@@ -15837,21 +15121,8 @@
             <a:pPr lvl="1"/>
             <a:r>
               <a:rPr lang="en-US" dirty="0"/>
-              <a:t>Maintainability, </a:t>
-            </a:r>
-            <a:r>
-              <a:rPr lang="en-US" dirty="0" smtClean="0"/>
-              <a:t>Flexibility</a:t>
-            </a:r>
-            <a:r>
-              <a:rPr lang="en-US" dirty="0"/>
-              <a:t>, </a:t>
-            </a:r>
-            <a:r>
-              <a:rPr lang="en-US" dirty="0" smtClean="0"/>
-              <a:t>Testability</a:t>
-            </a:r>
-            <a:endParaRPr lang="en-US" dirty="0"/>
+              <a:t>Maintainability, Flexibility, Testability</a:t>
+            </a:r>
           </a:p>
           <a:p>
             <a:r>
@@ -15862,16 +15133,12 @@
           <a:p>
             <a:pPr lvl="1"/>
             <a:r>
-              <a:rPr lang="en-US" dirty="0" err="1" smtClean="0"/>
+              <a:rPr lang="en-US" dirty="0" err="1"/>
               <a:t>IRepository</a:t>
             </a:r>
             <a:r>
-              <a:rPr lang="en-US" dirty="0" smtClean="0"/>
-              <a:t>&lt;T</a:t>
-            </a:r>
-            <a:r>
-              <a:rPr lang="en-US" dirty="0"/>
-              <a:t>&gt;</a:t>
+              <a:rPr lang="en-US" dirty="0"/>
+              <a:t>&lt;T&gt;</a:t>
             </a:r>
           </a:p>
           <a:p>
@@ -15919,13 +15186,6 @@
   <p:clrMapOvr>
     <a:masterClrMapping/>
   </p:clrMapOvr>
-  <p:timing>
-    <p:tnLst>
-      <p:par>
-        <p:cTn id="1" dur="indefinite" restart="never" nodeType="tmRoot"/>
-      </p:par>
-    </p:tnLst>
-  </p:timing>
 </p:sld>
 </file>
 
@@ -15963,13 +15223,8 @@
           <a:p>
             <a:r>
               <a:rPr lang="en-US" dirty="0"/>
-              <a:t>Repository </a:t>
-            </a:r>
-            <a:r>
-              <a:rPr lang="en-US" dirty="0" smtClean="0"/>
-              <a:t>Pattern (2)</a:t>
-            </a:r>
-            <a:endParaRPr lang="en-US" dirty="0"/>
+              <a:t>Repository Pattern (2)</a:t>
+            </a:r>
           </a:p>
         </p:txBody>
       </p:sp>
@@ -16086,18 +15341,13 @@
           <a:p>
             <a:pPr algn="ctr"/>
             <a:r>
-              <a:rPr lang="en-US" b="1" dirty="0" smtClean="0">
+              <a:rPr lang="en-US" b="1" dirty="0">
                 <a:solidFill>
                   <a:schemeClr val="bg1"/>
                 </a:solidFill>
               </a:rPr>
               <a:t>SQL Database</a:t>
             </a:r>
-            <a:endParaRPr lang="en-US" b="1" dirty="0">
-              <a:solidFill>
-                <a:schemeClr val="bg1"/>
-              </a:solidFill>
-            </a:endParaRPr>
           </a:p>
         </p:txBody>
       </p:sp>
@@ -16237,23 +15487,7 @@
                   <a:schemeClr val="bg1"/>
                 </a:solidFill>
               </a:rPr>
-              <a:t>Exchange </a:t>
-            </a:r>
-            <a:r>
-              <a:rPr lang="en-US" b="1" dirty="0" smtClean="0">
-                <a:solidFill>
-                  <a:schemeClr val="bg1"/>
-                </a:solidFill>
-              </a:rPr>
-              <a:t>Rates </a:t>
-            </a:r>
-            <a:r>
-              <a:rPr lang="en-US" b="1" dirty="0">
-                <a:solidFill>
-                  <a:schemeClr val="bg1"/>
-                </a:solidFill>
-              </a:rPr>
-              <a:t>Repository</a:t>
+              <a:t>Exchange Rates Repository</a:t>
             </a:r>
           </a:p>
         </p:txBody>
@@ -17270,10 +16504,9 @@
           <a:lstStyle/>
           <a:p>
             <a:r>
-              <a:rPr lang="en-US" dirty="0" smtClean="0"/>
+              <a:rPr lang="en-US" dirty="0"/>
               <a:t>Unit of Work</a:t>
             </a:r>
-            <a:endParaRPr lang="en-US" dirty="0"/>
           </a:p>
         </p:txBody>
       </p:sp>
@@ -17293,39 +16526,35 @@
           <a:lstStyle/>
           <a:p>
             <a:r>
-              <a:rPr lang="en-US" dirty="0" smtClean="0"/>
+              <a:rPr lang="en-US" dirty="0"/>
               <a:t>Track changes in persistent objects</a:t>
             </a:r>
           </a:p>
           <a:p>
             <a:pPr lvl="1"/>
             <a:r>
-              <a:rPr lang="en-US" dirty="0" smtClean="0"/>
+              <a:rPr lang="en-US" dirty="0"/>
               <a:t>Efficient data access</a:t>
             </a:r>
           </a:p>
           <a:p>
             <a:pPr lvl="1"/>
             <a:r>
-              <a:rPr lang="en-US" dirty="0" smtClean="0"/>
+              <a:rPr lang="en-US" dirty="0"/>
               <a:t>Manage concurrency problems</a:t>
             </a:r>
           </a:p>
           <a:p>
             <a:pPr lvl="1"/>
             <a:r>
-              <a:rPr lang="en-US" dirty="0" smtClean="0"/>
+              <a:rPr lang="en-US" dirty="0"/>
               <a:t>Manage transactions</a:t>
             </a:r>
           </a:p>
           <a:p>
             <a:r>
               <a:rPr lang="en-US" dirty="0"/>
-              <a:t>Keep business logic free of data access </a:t>
-            </a:r>
-            <a:r>
-              <a:rPr lang="en-US" dirty="0" smtClean="0"/>
-              <a:t>code</a:t>
+              <a:t>Keep business logic free of data access code</a:t>
             </a:r>
           </a:p>
           <a:p>
@@ -17338,11 +16567,7 @@
           <a:p>
             <a:r>
               <a:rPr lang="en-US" dirty="0"/>
-              <a:t>Allow business logic to work with logical </a:t>
-            </a:r>
-            <a:r>
-              <a:rPr lang="en-US" dirty="0" smtClean="0"/>
-              <a:t>transactions</a:t>
+              <a:t>Allow business logic to work with logical transactions</a:t>
             </a:r>
             <a:endParaRPr lang="en-US" b="0" dirty="0"/>
           </a:p>
@@ -17391,13 +16616,6 @@
   <p:clrMapOvr>
     <a:masterClrMapping/>
   </p:clrMapOvr>
-  <p:timing>
-    <p:tnLst>
-      <p:par>
-        <p:cTn id="1" dur="indefinite" restart="never" nodeType="tmRoot"/>
-      </p:par>
-    </p:tnLst>
-  </p:timing>
 </p:sld>
 </file>
 
@@ -17445,22 +16663,16 @@
               <a:t>Repository and </a:t>
             </a:r>
             <a:r>
-              <a:rPr lang="en-US" dirty="0" err="1" smtClean="0">
+              <a:rPr lang="en-US" dirty="0" err="1">
                 <a:hlinkClick r:id="rId2"/>
               </a:rPr>
               <a:t>UoW</a:t>
             </a:r>
             <a:r>
-              <a:rPr lang="en-US" dirty="0" smtClean="0">
-                <a:hlinkClick r:id="rId2"/>
-              </a:rPr>
-              <a:t> </a:t>
-            </a:r>
-            <a:r>
               <a:rPr lang="en-US" dirty="0">
                 <a:hlinkClick r:id="rId2"/>
               </a:rPr>
-              <a:t>Patterns in an ASP.NET MVC Application</a:t>
+              <a:t> Patterns in an ASP.NET MVC Application</a:t>
             </a:r>
             <a:endParaRPr lang="en-US" dirty="0"/>
           </a:p>
@@ -17546,13 +16758,6 @@
   <p:clrMapOvr>
     <a:masterClrMapping/>
   </p:clrMapOvr>
-  <p:timing>
-    <p:tnLst>
-      <p:par>
-        <p:cTn id="1" dur="indefinite" restart="never" nodeType="tmRoot"/>
-      </p:par>
-    </p:tnLst>
-  </p:timing>
 </p:sld>
 </file>
 
@@ -17589,12 +16794,8 @@
           <a:lstStyle/>
           <a:p>
             <a:r>
-              <a:rPr lang="en-US" dirty="0" smtClean="0"/>
-              <a:t>What </a:t>
-            </a:r>
-            <a:r>
-              <a:rPr lang="en-US" dirty="0"/>
-              <a:t>is ASP.NET Scaffolding?</a:t>
+              <a:rPr lang="en-US" dirty="0"/>
+              <a:t>What is ASP.NET Scaffolding?</a:t>
             </a:r>
           </a:p>
         </p:txBody>
@@ -17628,16 +16829,8 @@
               </a:spcAft>
             </a:pPr>
             <a:r>
-              <a:rPr lang="en-US" dirty="0" smtClean="0"/>
-              <a:t>Code </a:t>
-            </a:r>
-            <a:r>
-              <a:rPr lang="en-US" dirty="0"/>
-              <a:t>generation framework for </a:t>
-            </a:r>
-            <a:r>
-              <a:rPr lang="en-US" dirty="0" smtClean="0"/>
-              <a:t>ASP.NET</a:t>
+              <a:rPr lang="en-US" dirty="0"/>
+              <a:t>Code generation framework for ASP.NET</a:t>
             </a:r>
           </a:p>
           <a:p>
@@ -17650,16 +16843,8 @@
               </a:spcAft>
             </a:pPr>
             <a:r>
-              <a:rPr lang="en-US" dirty="0" smtClean="0"/>
-              <a:t>When </a:t>
-            </a:r>
-            <a:r>
-              <a:rPr lang="en-US" dirty="0"/>
-              <a:t>you want to quickly add boilerplate code that interacts with data </a:t>
-            </a:r>
-            <a:r>
-              <a:rPr lang="en-US" dirty="0" smtClean="0"/>
-              <a:t>models</a:t>
+              <a:rPr lang="en-US" dirty="0"/>
+              <a:t>When you want to quickly add boilerplate code that interacts with data models</a:t>
             </a:r>
           </a:p>
           <a:p>
@@ -17686,16 +16871,8 @@
               </a:spcAft>
             </a:pPr>
             <a:r>
-              <a:rPr lang="en-US" dirty="0" smtClean="0"/>
-              <a:t>Can </a:t>
-            </a:r>
-            <a:r>
-              <a:rPr lang="en-US" dirty="0"/>
-              <a:t>reduce the amount of time to develop standard data operations in your </a:t>
-            </a:r>
-            <a:r>
-              <a:rPr lang="en-US" dirty="0" smtClean="0"/>
-              <a:t>project</a:t>
+              <a:rPr lang="en-US" dirty="0"/>
+              <a:t>Can reduce the amount of time to develop standard data operations in your project</a:t>
             </a:r>
           </a:p>
           <a:p>
@@ -17709,11 +16886,7 @@
             </a:pPr>
             <a:r>
               <a:rPr lang="en-US" dirty="0"/>
-              <a:t>Enables </a:t>
-            </a:r>
-            <a:r>
-              <a:rPr lang="en-US" dirty="0" smtClean="0"/>
-              <a:t>customization</a:t>
+              <a:t>Enables customization</a:t>
             </a:r>
           </a:p>
           <a:p>
@@ -17726,12 +16899,8 @@
               </a:spcAft>
             </a:pPr>
             <a:r>
-              <a:rPr lang="en-US" dirty="0" smtClean="0"/>
-              <a:t>Provides </a:t>
-            </a:r>
-            <a:r>
-              <a:rPr lang="en-US" dirty="0"/>
-              <a:t>an extensibility mechanism to customize generated code</a:t>
+              <a:rPr lang="en-US" dirty="0"/>
+              <a:t>Provides an extensibility mechanism to customize generated code</a:t>
             </a:r>
           </a:p>
           <a:p>
@@ -17744,26 +16913,9 @@
               </a:spcAft>
             </a:pPr>
             <a:r>
-              <a:rPr lang="en-US" dirty="0" smtClean="0"/>
-              <a:t>VS 2013 includes </a:t>
-            </a:r>
-            <a:r>
-              <a:rPr lang="en-US" dirty="0"/>
-              <a:t>pre-installed code generators for MVC, </a:t>
-            </a:r>
-            <a:r>
-              <a:rPr lang="en-US" dirty="0" smtClean="0"/>
-              <a:t>and </a:t>
-            </a:r>
-            <a:r>
-              <a:rPr lang="en-US" dirty="0"/>
-              <a:t>Web </a:t>
-            </a:r>
-            <a:r>
-              <a:rPr lang="en-US" dirty="0" smtClean="0"/>
-              <a:t>API</a:t>
-            </a:r>
-            <a:endParaRPr lang="en-US" dirty="0"/>
+              <a:rPr lang="en-US" dirty="0"/>
+              <a:t>VS 2013 includes pre-installed code generators for MVC, and Web API</a:t>
+            </a:r>
           </a:p>
         </p:txBody>
       </p:sp>
@@ -17806,13 +16958,6 @@
   <p:clrMapOvr>
     <a:masterClrMapping/>
   </p:clrMapOvr>
-  <p:timing>
-    <p:tnLst>
-      <p:par>
-        <p:cTn id="1" dur="indefinite" restart="never" nodeType="tmRoot"/>
-      </p:par>
-    </p:tnLst>
-  </p:timing>
 </p:sld>
 </file>
 
@@ -17849,15 +16994,15 @@
           <a:lstStyle/>
           <a:p>
             <a:r>
-              <a:rPr lang="en-US" dirty="0" err="1" smtClean="0"/>
+              <a:rPr lang="en-US" dirty="0" err="1"/>
               <a:t>Ninject</a:t>
             </a:r>
             <a:r>
-              <a:rPr lang="en-US" dirty="0" smtClean="0"/>
+              <a:rPr lang="en-US" dirty="0"/>
               <a:t> </a:t>
             </a:r>
             <a:r>
-              <a:rPr lang="en-US" dirty="0" err="1" smtClean="0"/>
+              <a:rPr lang="en-US" dirty="0" err="1"/>
               <a:t>IoC</a:t>
             </a:r>
             <a:endParaRPr lang="en-US" dirty="0"/>
@@ -17880,11 +17025,11 @@
           <a:lstStyle/>
           <a:p>
             <a:r>
-              <a:rPr lang="en-US" dirty="0" smtClean="0"/>
+              <a:rPr lang="en-US" dirty="0"/>
               <a:t>You may want to use </a:t>
             </a:r>
             <a:r>
-              <a:rPr lang="en-US" dirty="0" err="1" smtClean="0">
+              <a:rPr lang="en-US" dirty="0" err="1">
                 <a:solidFill>
                   <a:schemeClr val="accent5">
                     <a:lumMod val="20000"/>
@@ -17895,7 +17040,7 @@
               <a:t>IoC</a:t>
             </a:r>
             <a:r>
-              <a:rPr lang="en-US" dirty="0" smtClean="0">
+              <a:rPr lang="en-US" dirty="0">
                 <a:solidFill>
                   <a:schemeClr val="accent5">
                     <a:lumMod val="20000"/>
@@ -17906,13 +17051,13 @@
               <a:t> </a:t>
             </a:r>
             <a:r>
-              <a:rPr lang="en-US" dirty="0" smtClean="0"/>
+              <a:rPr lang="en-US" dirty="0"/>
               <a:t>for dependency inversion</a:t>
             </a:r>
           </a:p>
           <a:p>
             <a:r>
-              <a:rPr lang="en-US" dirty="0" err="1" smtClean="0">
+              <a:rPr lang="en-US" dirty="0" err="1">
                 <a:solidFill>
                   <a:schemeClr val="accent5">
                     <a:lumMod val="20000"/>
@@ -17923,7 +17068,7 @@
               <a:t>Ninject</a:t>
             </a:r>
             <a:r>
-              <a:rPr lang="en-US" dirty="0" smtClean="0">
+              <a:rPr lang="en-US" dirty="0">
                 <a:solidFill>
                   <a:schemeClr val="accent5">
                     <a:lumMod val="20000"/>
@@ -17934,17 +17079,17 @@
               <a:t> </a:t>
             </a:r>
             <a:r>
-              <a:rPr lang="en-US" dirty="0" smtClean="0"/>
+              <a:rPr lang="en-US" dirty="0"/>
               <a:t>is quite easy to do</a:t>
             </a:r>
           </a:p>
           <a:p>
             <a:r>
-              <a:rPr lang="en-US" dirty="0" smtClean="0"/>
+              <a:rPr lang="en-US" dirty="0"/>
               <a:t>Install </a:t>
             </a:r>
             <a:r>
-              <a:rPr lang="en-US" dirty="0" smtClean="0">
+              <a:rPr lang="en-US" dirty="0">
                 <a:solidFill>
                   <a:schemeClr val="accent5">
                     <a:lumMod val="20000"/>
@@ -17955,11 +17100,11 @@
               <a:t>Ninject.MVC5 </a:t>
             </a:r>
             <a:r>
-              <a:rPr lang="en-US" dirty="0" smtClean="0"/>
+              <a:rPr lang="en-US" dirty="0"/>
               <a:t>from </a:t>
             </a:r>
             <a:r>
-              <a:rPr lang="en-US" dirty="0" err="1" smtClean="0">
+              <a:rPr lang="en-US" dirty="0" err="1">
                 <a:solidFill>
                   <a:schemeClr val="accent5">
                     <a:lumMod val="20000"/>
@@ -17969,7 +17114,7 @@
               </a:rPr>
               <a:t>NuGet</a:t>
             </a:r>
-            <a:endParaRPr lang="en-US" dirty="0" smtClean="0">
+            <a:endParaRPr lang="en-US" dirty="0">
               <a:solidFill>
                 <a:schemeClr val="accent5">
                   <a:lumMod val="20000"/>
@@ -17980,11 +17125,11 @@
           </a:p>
           <a:p>
             <a:r>
-              <a:rPr lang="en-US" dirty="0" smtClean="0"/>
+              <a:rPr lang="en-US" dirty="0"/>
               <a:t>In </a:t>
             </a:r>
             <a:r>
-              <a:rPr lang="en-US" dirty="0" err="1" smtClean="0">
+              <a:rPr lang="en-US" dirty="0" err="1">
                 <a:solidFill>
                   <a:schemeClr val="accent5">
                     <a:lumMod val="20000"/>
@@ -17995,7 +17140,7 @@
               <a:t>App_Data</a:t>
             </a:r>
             <a:r>
-              <a:rPr lang="en-US" dirty="0" smtClean="0">
+              <a:rPr lang="en-US" dirty="0">
                 <a:solidFill>
                   <a:schemeClr val="accent5">
                     <a:lumMod val="20000"/>
@@ -18006,7 +17151,7 @@
               <a:t>/</a:t>
             </a:r>
             <a:r>
-              <a:rPr lang="en-US" dirty="0" err="1" smtClean="0">
+              <a:rPr lang="en-US" dirty="0" err="1">
                 <a:solidFill>
                   <a:schemeClr val="accent5">
                     <a:lumMod val="20000"/>
@@ -18017,11 +17162,11 @@
               <a:t>NinjectWebCommon</a:t>
             </a:r>
             <a:r>
-              <a:rPr lang="en-US" dirty="0" smtClean="0"/>
+              <a:rPr lang="en-US" dirty="0"/>
               <a:t> add your bindings in </a:t>
             </a:r>
             <a:r>
-              <a:rPr lang="en-US" dirty="0" err="1" smtClean="0">
+              <a:rPr lang="en-US" dirty="0" err="1">
                 <a:solidFill>
                   <a:schemeClr val="accent5">
                     <a:lumMod val="20000"/>
@@ -18032,7 +17177,7 @@
               <a:t>RegisterServices</a:t>
             </a:r>
             <a:r>
-              <a:rPr lang="en-US" dirty="0" smtClean="0">
+              <a:rPr lang="en-US" dirty="0">
                 <a:solidFill>
                   <a:schemeClr val="accent5">
                     <a:lumMod val="20000"/>
@@ -18043,12 +17188,12 @@
               <a:t> </a:t>
             </a:r>
             <a:r>
-              <a:rPr lang="en-US" dirty="0" smtClean="0"/>
+              <a:rPr lang="en-US" dirty="0"/>
               <a:t>method</a:t>
             </a:r>
           </a:p>
           <a:p>
-            <a:endParaRPr lang="en-US" dirty="0" smtClean="0"/>
+            <a:endParaRPr lang="en-US" dirty="0"/>
           </a:p>
           <a:p>
             <a:endParaRPr lang="en-US" b="0" dirty="0"/>
@@ -18152,13 +17297,6 @@
   <p:clrMapOvr>
     <a:masterClrMapping/>
   </p:clrMapOvr>
-  <p:timing>
-    <p:tnLst>
-      <p:par>
-        <p:cTn id="1" dur="indefinite" restart="never" nodeType="tmRoot"/>
-      </p:par>
-    </p:tnLst>
-  </p:timing>
 </p:sld>
 </file>
 
@@ -18195,7 +17333,7 @@
           <a:lstStyle/>
           <a:p>
             <a:r>
-              <a:rPr lang="en-US" dirty="0" err="1" smtClean="0"/>
+              <a:rPr lang="en-US" dirty="0" err="1"/>
               <a:t>AutoMapper</a:t>
             </a:r>
             <a:endParaRPr lang="en-US" dirty="0"/>
@@ -18218,11 +17356,11 @@
           <a:lstStyle/>
           <a:p>
             <a:r>
-              <a:rPr lang="en-US" dirty="0" smtClean="0"/>
+              <a:rPr lang="en-US" dirty="0"/>
               <a:t>You may want to use </a:t>
             </a:r>
             <a:r>
-              <a:rPr lang="en-US" dirty="0" err="1" smtClean="0">
+              <a:rPr lang="en-US" dirty="0" err="1">
                 <a:solidFill>
                   <a:schemeClr val="accent5">
                     <a:lumMod val="20000"/>
@@ -18233,7 +17371,7 @@
               <a:t>AutoMapper</a:t>
             </a:r>
             <a:r>
-              <a:rPr lang="en-US" dirty="0" smtClean="0">
+              <a:rPr lang="en-US" dirty="0">
                 <a:solidFill>
                   <a:schemeClr val="accent5">
                     <a:lumMod val="20000"/>
@@ -18244,11 +17382,11 @@
               <a:t> </a:t>
             </a:r>
             <a:r>
-              <a:rPr lang="en-US" dirty="0" smtClean="0"/>
+              <a:rPr lang="en-US" dirty="0"/>
               <a:t>to map your database models to </a:t>
             </a:r>
             <a:r>
-              <a:rPr lang="en-US" dirty="0" err="1" smtClean="0">
+              <a:rPr lang="en-US" dirty="0" err="1">
                 <a:solidFill>
                   <a:schemeClr val="accent5">
                     <a:lumMod val="20000"/>
@@ -18259,7 +17397,7 @@
               <a:t>ViewModels</a:t>
             </a:r>
             <a:r>
-              <a:rPr lang="en-US" dirty="0" smtClean="0">
+              <a:rPr lang="en-US" dirty="0">
                 <a:solidFill>
                   <a:schemeClr val="accent5">
                     <a:lumMod val="20000"/>
@@ -18270,17 +17408,17 @@
               <a:t> </a:t>
             </a:r>
             <a:r>
-              <a:rPr lang="en-US" dirty="0" smtClean="0"/>
+              <a:rPr lang="en-US" dirty="0"/>
               <a:t>for the web</a:t>
             </a:r>
           </a:p>
           <a:p>
             <a:r>
-              <a:rPr lang="en-US" dirty="0" smtClean="0"/>
+              <a:rPr lang="en-US" dirty="0"/>
               <a:t>Install </a:t>
             </a:r>
             <a:r>
-              <a:rPr lang="en-US" dirty="0" err="1" smtClean="0">
+              <a:rPr lang="en-US" dirty="0" err="1">
                 <a:solidFill>
                   <a:schemeClr val="accent5">
                     <a:lumMod val="20000"/>
@@ -18291,7 +17429,7 @@
               <a:t>AutoMapper</a:t>
             </a:r>
             <a:r>
-              <a:rPr lang="en-US" dirty="0" smtClean="0">
+              <a:rPr lang="en-US" dirty="0">
                 <a:solidFill>
                   <a:schemeClr val="accent5">
                     <a:lumMod val="20000"/>
@@ -18302,11 +17440,11 @@
               <a:t> </a:t>
             </a:r>
             <a:r>
-              <a:rPr lang="en-US" dirty="0" smtClean="0"/>
+              <a:rPr lang="en-US" dirty="0"/>
               <a:t>from </a:t>
             </a:r>
             <a:r>
-              <a:rPr lang="en-US" dirty="0" err="1" smtClean="0">
+              <a:rPr lang="en-US" dirty="0" err="1">
                 <a:solidFill>
                   <a:schemeClr val="accent5">
                     <a:lumMod val="20000"/>
@@ -18316,7 +17454,7 @@
               </a:rPr>
               <a:t>NuGet</a:t>
             </a:r>
-            <a:endParaRPr lang="en-US" dirty="0" smtClean="0">
+            <a:endParaRPr lang="en-US" dirty="0">
               <a:solidFill>
                 <a:schemeClr val="accent5">
                   <a:lumMod val="20000"/>
@@ -18327,19 +17465,19 @@
           </a:p>
           <a:p>
             <a:r>
-              <a:rPr lang="en-US" dirty="0" smtClean="0"/>
+              <a:rPr lang="en-US" dirty="0"/>
               <a:t>Make mappings for the models</a:t>
             </a:r>
           </a:p>
           <a:p>
             <a:r>
-              <a:rPr lang="en-US" dirty="0" smtClean="0"/>
+              <a:rPr lang="en-US" dirty="0"/>
               <a:t>Use them in your LINQ queries</a:t>
             </a:r>
           </a:p>
           <a:p>
             <a:r>
-              <a:rPr lang="en-US" dirty="0" smtClean="0"/>
+              <a:rPr lang="en-US" dirty="0"/>
               <a:t>Check the documentation </a:t>
             </a:r>
           </a:p>
@@ -18355,28 +17493,16 @@
                 </a:solidFill>
                 <a:hlinkClick r:id="rId2"/>
               </a:rPr>
-              <a:t>http://automapper.org</a:t>
-            </a:r>
-            <a:r>
-              <a:rPr lang="en-US" dirty="0" smtClean="0">
+              <a:t>http://automapper.org/</a:t>
+            </a:r>
+            <a:r>
+              <a:rPr lang="en-US" dirty="0">
                 <a:solidFill>
                   <a:schemeClr val="accent5">
                     <a:lumMod val="20000"/>
                     <a:lumOff val="80000"/>
                   </a:schemeClr>
                 </a:solidFill>
-                <a:hlinkClick r:id="rId2"/>
-              </a:rPr>
-              <a:t>/</a:t>
-            </a:r>
-            <a:r>
-              <a:rPr lang="en-US" dirty="0" smtClean="0">
-                <a:solidFill>
-                  <a:schemeClr val="accent5">
-                    <a:lumMod val="20000"/>
-                    <a:lumOff val="80000"/>
-                  </a:schemeClr>
-                </a:solidFill>
               </a:rPr>
               <a:t> </a:t>
             </a:r>
@@ -18386,16 +17512,10 @@
               <a:rPr lang="en-US" dirty="0">
                 <a:hlinkClick r:id="rId3"/>
               </a:rPr>
-              <a:t>https://</a:t>
-            </a:r>
-            <a:r>
-              <a:rPr lang="en-US" dirty="0" smtClean="0">
-                <a:hlinkClick r:id="rId3"/>
-              </a:rPr>
-              <a:t>github.com/NikolayIT/blogsystem</a:t>
-            </a:r>
-            <a:r>
-              <a:rPr lang="en-US" dirty="0" smtClean="0"/>
+              <a:t>https://github.com/NikolayIT/blogsystem</a:t>
+            </a:r>
+            <a:r>
+              <a:rPr lang="en-US" dirty="0"/>
               <a:t> </a:t>
             </a:r>
           </a:p>
@@ -18447,13 +17567,6 @@
   <p:clrMapOvr>
     <a:masterClrMapping/>
   </p:clrMapOvr>
-  <p:timing>
-    <p:tnLst>
-      <p:par>
-        <p:cTn id="1" dur="indefinite" restart="never" nodeType="tmRoot"/>
-      </p:par>
-    </p:tnLst>
-  </p:timing>
 </p:sld>
 </file>
 
@@ -18496,15 +17609,7 @@
           <a:p>
             <a:r>
               <a:rPr lang="en-US" dirty="0"/>
-              <a:t>ASP.NET </a:t>
-            </a:r>
-            <a:r>
-              <a:rPr lang="en-US" dirty="0" smtClean="0"/>
-              <a:t>MVC</a:t>
-            </a:r>
-            <a:r>
-              <a:rPr lang="en-US" dirty="0"/>
-              <a:t/>
+              <a:t>ASP.NET MVC</a:t>
             </a:r>
             <a:br>
               <a:rPr lang="en-US" dirty="0"/>
@@ -18540,13 +17645,7 @@
               <a:rPr lang="en-US">
                 <a:hlinkClick r:id="rId2"/>
               </a:rPr>
-              <a:t>http</a:t>
-            </a:r>
-            <a:r>
-              <a:rPr lang="en-US" smtClean="0">
-                <a:hlinkClick r:id="rId2"/>
-              </a:rPr>
-              <a:t>://academy.telerik.com</a:t>
+              <a:t>http://academy.telerik.com</a:t>
             </a:r>
             <a:endParaRPr lang="en-US" dirty="0"/>
           </a:p>
@@ -18562,13 +17661,6 @@
   <p:clrMapOvr>
     <a:masterClrMapping/>
   </p:clrMapOvr>
-  <p:timing>
-    <p:tnLst>
-      <p:par>
-        <p:cTn id="1" dur="indefinite" restart="never" nodeType="tmRoot"/>
-      </p:par>
-    </p:tnLst>
-  </p:timing>
 </p:sld>
 </file>
 
@@ -18605,10 +17697,9 @@
           <a:lstStyle/>
           <a:p>
             <a:r>
-              <a:rPr lang="en-US" dirty="0" smtClean="0"/>
+              <a:rPr lang="en-US" dirty="0"/>
               <a:t>Homework</a:t>
             </a:r>
-            <a:endParaRPr lang="en-US" dirty="0"/>
           </a:p>
         </p:txBody>
       </p:sp>
@@ -18643,7 +17734,7 @@
               <a:buAutoNum type="arabicPeriod"/>
             </a:pPr>
             <a:r>
-              <a:rPr lang="en-US" dirty="0" smtClean="0"/>
+              <a:rPr lang="en-US" dirty="0"/>
               <a:t>Create a simple ASP.NET MVC Twitter-like system using data validation, Entity Framework, repository pattern and unit of work pattern. Your system should:</a:t>
             </a:r>
           </a:p>
@@ -18657,7 +17748,7 @@
               </a:spcAft>
             </a:pPr>
             <a:r>
-              <a:rPr lang="en-US" dirty="0" smtClean="0"/>
+              <a:rPr lang="en-US" dirty="0"/>
               <a:t>Have users and administrators</a:t>
             </a:r>
           </a:p>
@@ -18671,7 +17762,7 @@
               </a:spcAft>
             </a:pPr>
             <a:r>
-              <a:rPr lang="en-US" dirty="0" smtClean="0"/>
+              <a:rPr lang="en-US" dirty="0"/>
               <a:t>List all tweets for specific user in his profile</a:t>
             </a:r>
           </a:p>
@@ -18685,7 +17776,7 @@
               </a:spcAft>
             </a:pPr>
             <a:r>
-              <a:rPr lang="en-US" dirty="0" smtClean="0"/>
+              <a:rPr lang="en-US" dirty="0"/>
               <a:t>List all tweets containing specific tag (#fail) and use 15 minutes caching for each tag</a:t>
             </a:r>
           </a:p>
@@ -18699,7 +17790,7 @@
               </a:spcAft>
             </a:pPr>
             <a:r>
-              <a:rPr lang="en-US" dirty="0" smtClean="0"/>
+              <a:rPr lang="en-US" dirty="0"/>
               <a:t>Have administration for the tweets using ASP.NET scaffolding (admins only)</a:t>
             </a:r>
           </a:p>
@@ -18713,15 +17804,15 @@
               </a:spcAft>
             </a:pPr>
             <a:r>
-              <a:rPr lang="en-US" dirty="0" smtClean="0"/>
+              <a:rPr lang="en-US" dirty="0"/>
               <a:t>* Have Kendo UI Grid-based administration for tweets (with paging, sorting, filtering, </a:t>
             </a:r>
             <a:r>
-              <a:rPr lang="en-US" dirty="0" err="1" smtClean="0"/>
+              <a:rPr lang="en-US" dirty="0" err="1"/>
               <a:t>etv</a:t>
             </a:r>
             <a:r>
-              <a:rPr lang="en-US" dirty="0" smtClean="0"/>
+              <a:rPr lang="en-US" dirty="0"/>
               <a:t>.)</a:t>
             </a:r>
           </a:p>
@@ -18779,14 +17870,6 @@
   <p:clrMapOvr>
     <a:masterClrMapping/>
   </p:clrMapOvr>
-  <mc:AlternateContent xmlns:mc="http://schemas.openxmlformats.org/markup-compatibility/2006" xmlns:p14="http://schemas.microsoft.com/office/powerpoint/2010/main">
-    <mc:Choice Requires="p14">
-      <p:transition spd="slow" p14:dur="2000"/>
-    </mc:Choice>
-    <mc:Fallback xmlns="">
-      <p:transition spd="slow"/>
-    </mc:Fallback>
-  </mc:AlternateContent>
 </p:sld>
 </file>
 
@@ -18823,10 +17906,9 @@
           <a:lstStyle/>
           <a:p>
             <a:r>
-              <a:rPr lang="en-US" sz="3600" dirty="0" smtClean="0"/>
+              <a:rPr lang="en-US" sz="3600" dirty="0"/>
               <a:t>Free Trainings @ Telerik Academy</a:t>
             </a:r>
-            <a:endParaRPr lang="en-US" sz="3600" dirty="0"/>
           </a:p>
         </p:txBody>
       </p:sp>
@@ -18851,7 +17933,7 @@
           <a:lstStyle/>
           <a:p>
             <a:r>
-              <a:rPr lang="en-US" dirty="0" smtClean="0"/>
+              <a:rPr lang="en-US" dirty="0"/>
               <a:t>“C# Programming @ Telerik Academy</a:t>
             </a:r>
           </a:p>
@@ -18897,7 +17979,7 @@
               </a:tabLst>
             </a:pPr>
             <a:r>
-              <a:rPr lang="en-US" dirty="0" smtClean="0"/>
+              <a:rPr lang="en-US" dirty="0"/>
               <a:t>Telerik Software Academy</a:t>
             </a:r>
           </a:p>
@@ -18917,12 +17999,12 @@
               </a:tabLst>
             </a:pPr>
             <a:r>
-              <a:rPr lang="en-US" noProof="1" smtClean="0">
+              <a:rPr lang="en-US" noProof="1">
                 <a:hlinkClick r:id="rId3" tooltip="Telerik Software Academy - Free Programming Courses"/>
               </a:rPr>
               <a:t>academy.telerik.com</a:t>
             </a:r>
-            <a:endParaRPr lang="en-US" noProof="1" smtClean="0"/>
+            <a:endParaRPr lang="en-US" noProof="1"/>
           </a:p>
           <a:p>
             <a:pPr marL="282575" lvl="1" indent="-282575">
@@ -18943,7 +18025,7 @@
               </a:tabLst>
             </a:pPr>
             <a:r>
-              <a:rPr lang="en-US" dirty="0" smtClean="0"/>
+              <a:rPr lang="en-US" dirty="0"/>
               <a:t>Telerik Academy @ Facebook</a:t>
             </a:r>
           </a:p>
@@ -18963,12 +18045,12 @@
               </a:tabLst>
             </a:pPr>
             <a:r>
-              <a:rPr lang="en-US" noProof="1" smtClean="0">
+              <a:rPr lang="en-US" noProof="1">
                 <a:hlinkClick r:id="rId4" tooltip="Telerik Softyware Academy @ Facebook"/>
               </a:rPr>
               <a:t>facebook.com/TelerikAcademy</a:t>
             </a:r>
-            <a:endParaRPr lang="en-US" noProof="1" smtClean="0"/>
+            <a:endParaRPr lang="en-US" noProof="1"/>
           </a:p>
           <a:p>
             <a:pPr marL="282575" lvl="1" indent="-282575">
@@ -18989,7 +18071,7 @@
               </a:tabLst>
             </a:pPr>
             <a:r>
-              <a:rPr lang="en-US" dirty="0" smtClean="0"/>
+              <a:rPr lang="en-US" dirty="0"/>
               <a:t>Telerik Software Academy Forums</a:t>
             </a:r>
           </a:p>
@@ -19009,7 +18091,7 @@
               </a:tabLst>
             </a:pPr>
             <a:r>
-              <a:rPr lang="en-US" noProof="1" smtClean="0">
+              <a:rPr lang="en-US" noProof="1">
                 <a:hlinkClick r:id="rId5" tooltip="Telerik Software Academy Forums - Community for Programmers"/>
               </a:rPr>
               <a:t>forums.academy.telerik.com</a:t>
@@ -19269,13 +18351,6 @@
   <p:clrMapOvr>
     <a:masterClrMapping/>
   </p:clrMapOvr>
-  <p:timing>
-    <p:tnLst>
-      <p:par>
-        <p:cTn id="1" dur="indefinite" restart="never" nodeType="tmRoot"/>
-      </p:par>
-    </p:tnLst>
-  </p:timing>
 </p:sld>
 </file>
 
@@ -19317,10 +18392,9 @@
           <a:lstStyle/>
           <a:p>
             <a:r>
-              <a:rPr lang="en-US" dirty="0" smtClean="0"/>
+              <a:rPr lang="en-US" dirty="0"/>
               <a:t>Demo: Create Scaffold</a:t>
             </a:r>
-            <a:endParaRPr lang="en-US" dirty="0"/>
           </a:p>
         </p:txBody>
       </p:sp>
@@ -19345,18 +18419,9 @@
           <a:lstStyle/>
           <a:p>
             <a:r>
-              <a:rPr lang="en-US" dirty="0" smtClean="0"/>
-              <a:t>Create </a:t>
-            </a:r>
-            <a:r>
-              <a:rPr lang="en-US" dirty="0" smtClean="0"/>
-              <a:t>CRUD pages </a:t>
-            </a:r>
-            <a:r>
-              <a:rPr lang="en-US" dirty="0" smtClean="0"/>
-              <a:t>with read/write actions, using Entity Framework</a:t>
-            </a:r>
-            <a:endParaRPr lang="en-US" dirty="0"/>
+              <a:rPr lang="en-US" dirty="0"/>
+              <a:t>Create CRUD pages with read/write actions, using Entity Framework</a:t>
+            </a:r>
           </a:p>
         </p:txBody>
       </p:sp>
@@ -19450,7 +18515,7 @@
               </a:lnSpc>
             </a:pPr>
             <a:r>
-              <a:rPr lang="en-US" dirty="0" smtClean="0"/>
+              <a:rPr lang="en-US" dirty="0"/>
               <a:t>Model Binders</a:t>
             </a:r>
             <a:endParaRPr lang="bg-BG" dirty="0"/>
@@ -19555,13 +18620,6 @@
     <a:masterClrMapping/>
   </p:clrMapOvr>
   <p:transition/>
-  <p:timing>
-    <p:tnLst>
-      <p:par>
-        <p:cTn id="1" dur="indefinite" restart="never" nodeType="tmRoot"/>
-      </p:par>
-    </p:tnLst>
-  </p:timing>
 </p:sld>
 </file>
 
@@ -19598,10 +18656,9 @@
           <a:lstStyle/>
           <a:p>
             <a:r>
-              <a:rPr lang="en-US" dirty="0" smtClean="0"/>
+              <a:rPr lang="en-US" dirty="0"/>
               <a:t>Model Binders</a:t>
             </a:r>
-            <a:endParaRPr lang="en-US" dirty="0"/>
           </a:p>
         </p:txBody>
       </p:sp>
@@ -19621,21 +18678,13 @@
           <a:lstStyle/>
           <a:p>
             <a:r>
-              <a:rPr lang="en-US" dirty="0" smtClean="0"/>
-              <a:t>To make eas</a:t>
-            </a:r>
-            <a:r>
-              <a:rPr lang="en-US" dirty="0"/>
-              <a:t>y</a:t>
-            </a:r>
-            <a:r>
-              <a:rPr lang="en-US" dirty="0" smtClean="0"/>
-              <a:t> of handling HTTP post request</a:t>
-            </a:r>
-          </a:p>
-          <a:p>
-            <a:r>
-              <a:rPr lang="en-US" dirty="0" smtClean="0"/>
+              <a:rPr lang="en-US" dirty="0"/>
+              <a:t>To make easy of handling HTTP post request</a:t>
+            </a:r>
+          </a:p>
+          <a:p>
+            <a:r>
+              <a:rPr lang="en-US" dirty="0"/>
               <a:t>Help the populating the parameters in action methods</a:t>
             </a:r>
           </a:p>
@@ -19946,13 +18995,6 @@
   <p:clrMapOvr>
     <a:masterClrMapping/>
   </p:clrMapOvr>
-  <p:timing>
-    <p:tnLst>
-      <p:par>
-        <p:cTn id="1" dur="indefinite" restart="never" nodeType="tmRoot"/>
-      </p:par>
-    </p:tnLst>
-  </p:timing>
 </p:sld>
 </file>
 
@@ -19989,10 +19031,9 @@
           <a:lstStyle/>
           <a:p>
             <a:r>
-              <a:rPr lang="en-US" dirty="0" smtClean="0"/>
+              <a:rPr lang="en-US" dirty="0"/>
               <a:t>Model Binders</a:t>
             </a:r>
-            <a:endParaRPr lang="en-US" dirty="0"/>
           </a:p>
         </p:txBody>
       </p:sp>
@@ -20012,23 +19053,15 @@
           <a:lstStyle/>
           <a:p>
             <a:r>
-              <a:rPr lang="en-US" dirty="0" smtClean="0"/>
+              <a:rPr lang="en-US" dirty="0"/>
               <a:t>Parameter binding</a:t>
             </a:r>
           </a:p>
           <a:p>
             <a:pPr lvl="1"/>
             <a:r>
-              <a:rPr lang="en-US" dirty="0" smtClean="0"/>
-              <a:t>The name attribute of the input HTML element should be the same as the name of </a:t>
-            </a:r>
-            <a:r>
-              <a:rPr lang="en-US" dirty="0" err="1" smtClean="0"/>
-              <a:t>pararameter</a:t>
-            </a:r>
-            <a:r>
-              <a:rPr lang="en-US" dirty="0" smtClean="0"/>
-              <a:t> in the action</a:t>
+              <a:rPr lang="en-US" dirty="0"/>
+              <a:t>The name attribute of the input HTML element should be the same as the name of parameter in the action</a:t>
             </a:r>
           </a:p>
           <a:p>
@@ -20184,13 +19217,6 @@
   <p:clrMapOvr>
     <a:masterClrMapping/>
   </p:clrMapOvr>
-  <p:timing>
-    <p:tnLst>
-      <p:par>
-        <p:cTn id="1" dur="indefinite" restart="never" nodeType="tmRoot"/>
-      </p:par>
-    </p:tnLst>
-  </p:timing>
 </p:sld>
 </file>
 
@@ -20227,10 +19253,9 @@
           <a:lstStyle/>
           <a:p>
             <a:r>
-              <a:rPr lang="en-US" dirty="0" smtClean="0"/>
+              <a:rPr lang="en-US" dirty="0"/>
               <a:t>Model Binders</a:t>
             </a:r>
-            <a:endParaRPr lang="en-US" dirty="0"/>
           </a:p>
         </p:txBody>
       </p:sp>
@@ -20250,14 +19275,14 @@
           <a:lstStyle/>
           <a:p>
             <a:r>
-              <a:rPr lang="en-US" dirty="0" smtClean="0"/>
+              <a:rPr lang="en-US" dirty="0"/>
               <a:t>Object binding</a:t>
             </a:r>
           </a:p>
           <a:p>
             <a:pPr lvl="1"/>
             <a:r>
-              <a:rPr lang="en-US" dirty="0" smtClean="0"/>
+              <a:rPr lang="en-US" dirty="0"/>
               <a:t>Model binder will try to "construct" the object based on the name attributes on the input HTML elements</a:t>
             </a:r>
           </a:p>
@@ -20522,13 +19547,6 @@
   <p:clrMapOvr>
     <a:masterClrMapping/>
   </p:clrMapOvr>
-  <p:timing>
-    <p:tnLst>
-      <p:par>
-        <p:cTn id="1" dur="indefinite" restart="never" nodeType="tmRoot"/>
-      </p:par>
-    </p:tnLst>
-  </p:timing>
 </p:sld>
 </file>
 
